--- a/ppt/diagrams.pptx
+++ b/ppt/diagrams.pptx
@@ -5,10 +5,10 @@
     <p:sldMasterId id="2147483674" r:id="rId4"/>
   </p:sldMasterIdLst>
   <p:notesMasterIdLst>
-    <p:notesMasterId r:id="rId12"/>
+    <p:notesMasterId r:id="rId14"/>
   </p:notesMasterIdLst>
   <p:handoutMasterIdLst>
-    <p:handoutMasterId r:id="rId13"/>
+    <p:handoutMasterId r:id="rId15"/>
   </p:handoutMasterIdLst>
   <p:sldIdLst>
     <p:sldId id="347" r:id="rId5"/>
@@ -18,6 +18,8 @@
     <p:sldId id="352" r:id="rId9"/>
     <p:sldId id="353" r:id="rId10"/>
     <p:sldId id="354" r:id="rId11"/>
+    <p:sldId id="357" r:id="rId12"/>
+    <p:sldId id="356" r:id="rId13"/>
   </p:sldIdLst>
   <p:sldSz cx="14630400" cy="8229600"/>
   <p:notesSz cx="6858000" cy="9144000"/>
@@ -364,7 +366,7 @@
           <a:p>
             <a:fld id="{D2887149-AF03-6142-908A-3DD284EAF54B}" type="datetimeFigureOut">
               <a:rPr lang="en-US" smtClean="0"/>
-              <a:t>5/5/20</a:t>
+              <a:t>2/10/21</a:t>
             </a:fld>
             <a:endParaRPr lang="en-US"/>
           </a:p>
@@ -546,7 +548,7 @@
             <a:fld id="{0B25AC41-3BEC-9247-8322-91B80C013F2D}" type="datetimeFigureOut">
               <a:rPr lang="en-US" smtClean="0"/>
               <a:pPr/>
-              <a:t>5/5/20</a:t>
+              <a:t>2/10/21</a:t>
             </a:fld>
             <a:endParaRPr lang="en-US" dirty="0"/>
           </a:p>
@@ -1459,6 +1461,176 @@
     <p:extLst>
       <p:ext uri="{BB962C8B-B14F-4D97-AF65-F5344CB8AC3E}">
         <p14:creationId xmlns:p14="http://schemas.microsoft.com/office/powerpoint/2010/main" val="787186862"/>
+      </p:ext>
+    </p:extLst>
+  </p:cSld>
+  <p:clrMapOvr>
+    <a:masterClrMapping/>
+  </p:clrMapOvr>
+</p:notes>
+</file>
+
+<file path=ppt/notesSlides/notesSlide7.xml><?xml version="1.0" encoding="utf-8"?>
+<p:notes xmlns:a="http://schemas.openxmlformats.org/drawingml/2006/main" xmlns:r="http://schemas.openxmlformats.org/officeDocument/2006/relationships" xmlns:p="http://schemas.openxmlformats.org/presentationml/2006/main">
+  <p:cSld>
+    <p:spTree>
+      <p:nvGrpSpPr>
+        <p:cNvPr id="1" name=""/>
+        <p:cNvGrpSpPr/>
+        <p:nvPr/>
+      </p:nvGrpSpPr>
+      <p:grpSpPr>
+        <a:xfrm>
+          <a:off x="0" y="0"/>
+          <a:ext cx="0" cy="0"/>
+          <a:chOff x="0" y="0"/>
+          <a:chExt cx="0" cy="0"/>
+        </a:xfrm>
+      </p:grpSpPr>
+      <p:sp>
+        <p:nvSpPr>
+          <p:cNvPr id="2" name="Slide Image Placeholder 1"/>
+          <p:cNvSpPr>
+            <a:spLocks noGrp="1" noRot="1" noChangeAspect="1"/>
+          </p:cNvSpPr>
+          <p:nvPr>
+            <p:ph type="sldImg"/>
+          </p:nvPr>
+        </p:nvSpPr>
+        <p:spPr/>
+      </p:sp>
+      <p:sp>
+        <p:nvSpPr>
+          <p:cNvPr id="3" name="Notes Placeholder 2"/>
+          <p:cNvSpPr>
+            <a:spLocks noGrp="1"/>
+          </p:cNvSpPr>
+          <p:nvPr>
+            <p:ph type="body" idx="1"/>
+          </p:nvPr>
+        </p:nvSpPr>
+        <p:spPr/>
+        <p:txBody>
+          <a:bodyPr/>
+          <a:lstStyle/>
+          <a:p>
+            <a:endParaRPr lang="en-US" dirty="0"/>
+          </a:p>
+        </p:txBody>
+      </p:sp>
+      <p:sp>
+        <p:nvSpPr>
+          <p:cNvPr id="4" name="Slide Number Placeholder 3"/>
+          <p:cNvSpPr>
+            <a:spLocks noGrp="1"/>
+          </p:cNvSpPr>
+          <p:nvPr>
+            <p:ph type="sldNum" sz="quarter" idx="5"/>
+          </p:nvPr>
+        </p:nvSpPr>
+        <p:spPr/>
+        <p:txBody>
+          <a:bodyPr/>
+          <a:lstStyle/>
+          <a:p>
+            <a:fld id="{69C3F2ED-74C5-7D4F-8560-0CC253E9A436}" type="slidenum">
+              <a:rPr lang="en-US" smtClean="0"/>
+              <a:pPr/>
+              <a:t>8</a:t>
+            </a:fld>
+            <a:endParaRPr lang="en-US" dirty="0"/>
+          </a:p>
+        </p:txBody>
+      </p:sp>
+    </p:spTree>
+    <p:extLst>
+      <p:ext uri="{BB962C8B-B14F-4D97-AF65-F5344CB8AC3E}">
+        <p14:creationId xmlns:p14="http://schemas.microsoft.com/office/powerpoint/2010/main" val="2644288064"/>
+      </p:ext>
+    </p:extLst>
+  </p:cSld>
+  <p:clrMapOvr>
+    <a:masterClrMapping/>
+  </p:clrMapOvr>
+</p:notes>
+</file>
+
+<file path=ppt/notesSlides/notesSlide8.xml><?xml version="1.0" encoding="utf-8"?>
+<p:notes xmlns:a="http://schemas.openxmlformats.org/drawingml/2006/main" xmlns:r="http://schemas.openxmlformats.org/officeDocument/2006/relationships" xmlns:p="http://schemas.openxmlformats.org/presentationml/2006/main">
+  <p:cSld>
+    <p:spTree>
+      <p:nvGrpSpPr>
+        <p:cNvPr id="1" name=""/>
+        <p:cNvGrpSpPr/>
+        <p:nvPr/>
+      </p:nvGrpSpPr>
+      <p:grpSpPr>
+        <a:xfrm>
+          <a:off x="0" y="0"/>
+          <a:ext cx="0" cy="0"/>
+          <a:chOff x="0" y="0"/>
+          <a:chExt cx="0" cy="0"/>
+        </a:xfrm>
+      </p:grpSpPr>
+      <p:sp>
+        <p:nvSpPr>
+          <p:cNvPr id="2" name="Slide Image Placeholder 1"/>
+          <p:cNvSpPr>
+            <a:spLocks noGrp="1" noRot="1" noChangeAspect="1"/>
+          </p:cNvSpPr>
+          <p:nvPr>
+            <p:ph type="sldImg"/>
+          </p:nvPr>
+        </p:nvSpPr>
+        <p:spPr/>
+      </p:sp>
+      <p:sp>
+        <p:nvSpPr>
+          <p:cNvPr id="3" name="Notes Placeholder 2"/>
+          <p:cNvSpPr>
+            <a:spLocks noGrp="1"/>
+          </p:cNvSpPr>
+          <p:nvPr>
+            <p:ph type="body" idx="1"/>
+          </p:nvPr>
+        </p:nvSpPr>
+        <p:spPr/>
+        <p:txBody>
+          <a:bodyPr/>
+          <a:lstStyle/>
+          <a:p>
+            <a:endParaRPr lang="en-US" dirty="0"/>
+          </a:p>
+        </p:txBody>
+      </p:sp>
+      <p:sp>
+        <p:nvSpPr>
+          <p:cNvPr id="4" name="Slide Number Placeholder 3"/>
+          <p:cNvSpPr>
+            <a:spLocks noGrp="1"/>
+          </p:cNvSpPr>
+          <p:nvPr>
+            <p:ph type="sldNum" sz="quarter" idx="5"/>
+          </p:nvPr>
+        </p:nvSpPr>
+        <p:spPr/>
+        <p:txBody>
+          <a:bodyPr/>
+          <a:lstStyle/>
+          <a:p>
+            <a:fld id="{69C3F2ED-74C5-7D4F-8560-0CC253E9A436}" type="slidenum">
+              <a:rPr lang="en-US" smtClean="0"/>
+              <a:pPr/>
+              <a:t>9</a:t>
+            </a:fld>
+            <a:endParaRPr lang="en-US" dirty="0"/>
+          </a:p>
+        </p:txBody>
+      </p:sp>
+    </p:spTree>
+    <p:extLst>
+      <p:ext uri="{BB962C8B-B14F-4D97-AF65-F5344CB8AC3E}">
+        <p14:creationId xmlns:p14="http://schemas.microsoft.com/office/powerpoint/2010/main" val="4012483555"/>
       </p:ext>
     </p:extLst>
   </p:cSld>
@@ -13111,7 +13283,7 @@
         </p:nvSpPr>
         <p:spPr>
           <a:xfrm>
-            <a:off x="6505735" y="5997575"/>
+            <a:off x="5873723" y="6035870"/>
             <a:ext cx="2076535" cy="1139825"/>
           </a:xfrm>
           <a:prstGeom prst="rect">
@@ -13210,8 +13382,8 @@
         </p:nvSpPr>
         <p:spPr>
           <a:xfrm>
-            <a:off x="6352874" y="1887848"/>
-            <a:ext cx="3451525" cy="2914185"/>
+            <a:off x="5720861" y="1926144"/>
+            <a:ext cx="6060831" cy="2459152"/>
           </a:xfrm>
           <a:prstGeom prst="rect">
             <a:avLst/>
@@ -13289,7 +13461,7 @@
         </p:blipFill>
         <p:spPr>
           <a:xfrm>
-            <a:off x="6352876" y="1887849"/>
+            <a:off x="5720864" y="1926144"/>
             <a:ext cx="330200" cy="330200"/>
           </a:xfrm>
           <a:prstGeom prst="rect">
@@ -13311,7 +13483,7 @@
         </p:nvSpPr>
         <p:spPr>
           <a:xfrm>
-            <a:off x="2733618" y="3095934"/>
+            <a:off x="2101606" y="3134229"/>
             <a:ext cx="2744282" cy="2409058"/>
           </a:xfrm>
           <a:prstGeom prst="rect">
@@ -13390,7 +13562,7 @@
         </p:blipFill>
         <p:spPr>
           <a:xfrm>
-            <a:off x="2733617" y="3095934"/>
+            <a:off x="2101605" y="3134229"/>
             <a:ext cx="330200" cy="330200"/>
           </a:xfrm>
           <a:prstGeom prst="rect">
@@ -13412,7 +13584,7 @@
         </p:nvSpPr>
         <p:spPr>
           <a:xfrm>
-            <a:off x="8003532" y="3794471"/>
+            <a:off x="7152758" y="3843303"/>
             <a:ext cx="1061268" cy="204749"/>
           </a:xfrm>
           <a:prstGeom prst="rect">
@@ -13448,7 +13620,7 @@
         </p:nvSpPr>
         <p:spPr>
           <a:xfrm>
-            <a:off x="6846999" y="2664015"/>
+            <a:off x="6015696" y="2655418"/>
             <a:ext cx="2363434" cy="1471707"/>
           </a:xfrm>
           <a:prstGeom prst="rect">
@@ -13486,7 +13658,6 @@
           </a:bodyPr>
           <a:lstStyle/>
           <a:p>
-            <a:pPr algn="l"/>
             <a:r>
               <a:rPr lang="en-US" sz="1200" dirty="0">
                 <a:ln w="0"/>
@@ -13494,7 +13665,7 @@
                   <a:schemeClr val="accent1"/>
                 </a:solidFill>
               </a:rPr>
-              <a:t>EC2 instance contents</a:t>
+              <a:t>EC2 Secure Tunnel Demo</a:t>
             </a:r>
           </a:p>
         </p:txBody>
@@ -13527,7 +13698,7 @@
         </p:blipFill>
         <p:spPr>
           <a:xfrm>
-            <a:off x="6846999" y="2664016"/>
+            <a:off x="6015696" y="2702311"/>
             <a:ext cx="330200" cy="330200"/>
           </a:xfrm>
           <a:prstGeom prst="rect">
@@ -13549,8 +13720,8 @@
         </p:nvSpPr>
         <p:spPr>
           <a:xfrm>
-            <a:off x="6680286" y="2365227"/>
-            <a:ext cx="2800264" cy="2081126"/>
+            <a:off x="5919320" y="2321461"/>
+            <a:ext cx="5742241" cy="1907025"/>
           </a:xfrm>
           <a:prstGeom prst="rect">
             <a:avLst/>
@@ -13613,7 +13784,7 @@
         </p:nvSpPr>
         <p:spPr>
           <a:xfrm>
-            <a:off x="3928956" y="4837713"/>
+            <a:off x="3296944" y="4876008"/>
             <a:ext cx="1506552" cy="307777"/>
           </a:xfrm>
           <a:prstGeom prst="rect">
@@ -13663,7 +13834,7 @@
         </p:blipFill>
         <p:spPr>
           <a:xfrm>
-            <a:off x="4326632" y="4105821"/>
+            <a:off x="3694620" y="4144116"/>
             <a:ext cx="711200" cy="711200"/>
           </a:xfrm>
           <a:prstGeom prst="rect">
@@ -13685,7 +13856,7 @@
         </p:nvSpPr>
         <p:spPr>
           <a:xfrm>
-            <a:off x="3063817" y="3688508"/>
+            <a:off x="2431805" y="3726803"/>
             <a:ext cx="2160657" cy="1583348"/>
           </a:xfrm>
           <a:prstGeom prst="rect">
@@ -13764,7 +13935,7 @@
         </p:blipFill>
         <p:spPr>
           <a:xfrm>
-            <a:off x="3063818" y="3688507"/>
+            <a:off x="2431806" y="3726802"/>
             <a:ext cx="330200" cy="330200"/>
           </a:xfrm>
           <a:prstGeom prst="rect">
@@ -13786,8 +13957,8 @@
         </p:nvSpPr>
         <p:spPr>
           <a:xfrm>
-            <a:off x="2514418" y="1524626"/>
-            <a:ext cx="7593296" cy="5790573"/>
+            <a:off x="1882404" y="1562921"/>
+            <a:ext cx="12445351" cy="5790573"/>
           </a:xfrm>
           <a:prstGeom prst="rect">
             <a:avLst/>
@@ -13864,7 +14035,7 @@
         </p:blipFill>
         <p:spPr>
           <a:xfrm>
-            <a:off x="2514419" y="1524627"/>
+            <a:off x="1882407" y="1562922"/>
             <a:ext cx="330200" cy="330200"/>
           </a:xfrm>
           <a:prstGeom prst="rect">
@@ -13886,7 +14057,7 @@
         </p:nvSpPr>
         <p:spPr>
           <a:xfrm>
-            <a:off x="6384663" y="5024173"/>
+            <a:off x="5752651" y="5062468"/>
             <a:ext cx="3419736" cy="2189427"/>
           </a:xfrm>
           <a:prstGeom prst="rect">
@@ -13965,7 +14136,7 @@
         </p:blipFill>
         <p:spPr>
           <a:xfrm>
-            <a:off x="6384331" y="5024173"/>
+            <a:off x="5752319" y="5062468"/>
             <a:ext cx="330200" cy="330200"/>
           </a:xfrm>
           <a:prstGeom prst="rect">
@@ -13991,8 +14162,8 @@
         </p:nvCxnSpPr>
         <p:spPr>
           <a:xfrm flipV="1">
-            <a:off x="5037832" y="3344941"/>
-            <a:ext cx="1315042" cy="1116480"/>
+            <a:off x="4405820" y="3155720"/>
+            <a:ext cx="1315041" cy="1343996"/>
           </a:xfrm>
           <a:prstGeom prst="bentConnector3">
             <a:avLst>
@@ -14040,7 +14211,7 @@
         </p:nvCxnSpPr>
         <p:spPr>
           <a:xfrm rot="16200000" flipH="1">
-            <a:off x="4882984" y="4944737"/>
+            <a:off x="4250972" y="4983032"/>
             <a:ext cx="1421998" cy="1823503"/>
           </a:xfrm>
           <a:prstGeom prst="bentConnector2">
@@ -14083,7 +14254,7 @@
         </p:nvSpPr>
         <p:spPr>
           <a:xfrm>
-            <a:off x="694436" y="4503750"/>
+            <a:off x="62424" y="4542045"/>
             <a:ext cx="964026" cy="307777"/>
           </a:xfrm>
           <a:prstGeom prst="rect">
@@ -14123,7 +14294,7 @@
         </p:nvCxnSpPr>
         <p:spPr>
           <a:xfrm flipV="1">
-            <a:off x="1418242" y="4300463"/>
+            <a:off x="786230" y="4338758"/>
             <a:ext cx="1315376" cy="4404"/>
           </a:xfrm>
           <a:prstGeom prst="straightConnector1">
@@ -14166,7 +14337,7 @@
         </p:nvSpPr>
         <p:spPr>
           <a:xfrm>
-            <a:off x="1877555" y="3916500"/>
+            <a:off x="1245543" y="3954795"/>
             <a:ext cx="308225" cy="330201"/>
           </a:xfrm>
           <a:prstGeom prst="roundRect">
@@ -14220,7 +14391,7 @@
         </p:nvSpPr>
         <p:spPr>
           <a:xfrm>
-            <a:off x="5921375" y="2786761"/>
+            <a:off x="5289363" y="2825056"/>
             <a:ext cx="308225" cy="330201"/>
           </a:xfrm>
           <a:prstGeom prst="roundRect">
@@ -14274,7 +14445,7 @@
         </p:nvSpPr>
         <p:spPr>
           <a:xfrm>
-            <a:off x="5921374" y="6178945"/>
+            <a:off x="5289362" y="6217240"/>
             <a:ext cx="308225" cy="330201"/>
           </a:xfrm>
           <a:prstGeom prst="roundRect">
@@ -14328,7 +14499,7 @@
         </p:nvSpPr>
         <p:spPr>
           <a:xfrm>
-            <a:off x="10218715" y="1562921"/>
+            <a:off x="10793142" y="4493687"/>
             <a:ext cx="3441843" cy="2737542"/>
           </a:xfrm>
           <a:prstGeom prst="rect">
@@ -14379,7 +14550,7 @@
         </p:nvSpPr>
         <p:spPr>
           <a:xfrm>
-            <a:off x="10314613" y="1698751"/>
+            <a:off x="10880366" y="4664471"/>
             <a:ext cx="308225" cy="330201"/>
           </a:xfrm>
           <a:prstGeom prst="roundRect">
@@ -14433,7 +14604,7 @@
         </p:nvSpPr>
         <p:spPr>
           <a:xfrm>
-            <a:off x="10314613" y="2163946"/>
+            <a:off x="10890070" y="5133007"/>
             <a:ext cx="308225" cy="330201"/>
           </a:xfrm>
           <a:prstGeom prst="roundRect">
@@ -14487,7 +14658,7 @@
         </p:nvSpPr>
         <p:spPr>
           <a:xfrm>
-            <a:off x="10314613" y="2745283"/>
+            <a:off x="10890071" y="5655635"/>
             <a:ext cx="308225" cy="330201"/>
           </a:xfrm>
           <a:prstGeom prst="roundRect">
@@ -14541,7 +14712,7 @@
         </p:nvSpPr>
         <p:spPr>
           <a:xfrm>
-            <a:off x="10633956" y="1698751"/>
+            <a:off x="11208383" y="4629517"/>
             <a:ext cx="2954683" cy="400110"/>
           </a:xfrm>
           <a:prstGeom prst="rect">
@@ -14628,7 +14799,7 @@
         </p:nvSpPr>
         <p:spPr>
           <a:xfrm>
-            <a:off x="10633956" y="2703891"/>
+            <a:off x="11208383" y="5634657"/>
             <a:ext cx="2954683" cy="707886"/>
           </a:xfrm>
           <a:prstGeom prst="rect">
@@ -14781,7 +14952,7 @@
         </p:nvSpPr>
         <p:spPr>
           <a:xfrm>
-            <a:off x="3018169" y="4837713"/>
+            <a:off x="2386157" y="4876008"/>
             <a:ext cx="1180427" cy="307777"/>
           </a:xfrm>
           <a:prstGeom prst="rect">
@@ -14831,7 +15002,7 @@
         </p:blipFill>
         <p:spPr>
           <a:xfrm>
-            <a:off x="3202448" y="4105821"/>
+            <a:off x="2570436" y="4144116"/>
             <a:ext cx="787909" cy="787909"/>
           </a:xfrm>
           <a:prstGeom prst="rect">
@@ -14853,7 +15024,7 @@
         </p:nvSpPr>
         <p:spPr>
           <a:xfrm>
-            <a:off x="6832830" y="3744599"/>
+            <a:off x="6001527" y="3782894"/>
             <a:ext cx="1180427" cy="307777"/>
           </a:xfrm>
           <a:prstGeom prst="rect">
@@ -14889,7 +15060,7 @@
         </p:nvSpPr>
         <p:spPr>
           <a:xfrm>
-            <a:off x="10633956" y="2163946"/>
+            <a:off x="11208383" y="5094712"/>
             <a:ext cx="2954683" cy="553998"/>
           </a:xfrm>
           <a:prstGeom prst="rect">
@@ -15056,7 +15227,7 @@
         </p:blipFill>
         <p:spPr>
           <a:xfrm>
-            <a:off x="8138652" y="3038022"/>
+            <a:off x="7287878" y="3086854"/>
             <a:ext cx="787909" cy="787909"/>
           </a:xfrm>
           <a:prstGeom prst="rect">
@@ -15092,7 +15263,7 @@
         </p:blipFill>
         <p:spPr>
           <a:xfrm>
-            <a:off x="6917282" y="3021810"/>
+            <a:off x="6085979" y="3013213"/>
             <a:ext cx="787909" cy="787909"/>
           </a:xfrm>
           <a:prstGeom prst="rect">
@@ -15128,7 +15299,7 @@
         </p:blipFill>
         <p:spPr>
           <a:xfrm flipH="1">
-            <a:off x="934656" y="4069917"/>
+            <a:off x="302644" y="4108212"/>
             <a:ext cx="483586" cy="469900"/>
           </a:xfrm>
           <a:prstGeom prst="rect">
@@ -15150,7 +15321,7 @@
         </p:nvSpPr>
         <p:spPr>
           <a:xfrm>
-            <a:off x="6554311" y="6795541"/>
+            <a:off x="5922299" y="6833836"/>
             <a:ext cx="469901" cy="219771"/>
           </a:xfrm>
           <a:prstGeom prst="rect">
@@ -15201,7 +15372,7 @@
         </p:blipFill>
         <p:spPr>
           <a:xfrm>
-            <a:off x="6554311" y="6295367"/>
+            <a:off x="5922299" y="6333662"/>
             <a:ext cx="469900" cy="469900"/>
           </a:xfrm>
           <a:prstGeom prst="rect">
@@ -15223,7 +15394,7 @@
         </p:nvSpPr>
         <p:spPr>
           <a:xfrm>
-            <a:off x="7969717" y="6795541"/>
+            <a:off x="7337705" y="6833836"/>
             <a:ext cx="520227" cy="211814"/>
           </a:xfrm>
           <a:prstGeom prst="rect">
@@ -15274,7 +15445,7 @@
         </p:blipFill>
         <p:spPr>
           <a:xfrm>
-            <a:off x="7994880" y="6295367"/>
+            <a:off x="7362868" y="6333662"/>
             <a:ext cx="469900" cy="469900"/>
           </a:xfrm>
           <a:prstGeom prst="rect">
@@ -15296,7 +15467,7 @@
         </p:nvSpPr>
         <p:spPr>
           <a:xfrm>
-            <a:off x="7132902" y="6795541"/>
+            <a:off x="6500890" y="6833836"/>
             <a:ext cx="731520" cy="188081"/>
           </a:xfrm>
           <a:prstGeom prst="rect">
@@ -15347,7 +15518,7 @@
         </p:blipFill>
         <p:spPr>
           <a:xfrm>
-            <a:off x="7263712" y="6295367"/>
+            <a:off x="6631700" y="6333662"/>
             <a:ext cx="469900" cy="469900"/>
           </a:xfrm>
           <a:prstGeom prst="rect">
@@ -15383,7 +15554,7 @@
         </p:blipFill>
         <p:spPr>
           <a:xfrm>
-            <a:off x="7749303" y="5269719"/>
+            <a:off x="7117291" y="5308014"/>
             <a:ext cx="469900" cy="469900"/>
           </a:xfrm>
           <a:prstGeom prst="rect">
@@ -15405,7 +15576,7 @@
         </p:nvSpPr>
         <p:spPr>
           <a:xfrm>
-            <a:off x="6487956" y="5755404"/>
+            <a:off x="5855944" y="5793699"/>
             <a:ext cx="2992594" cy="191371"/>
           </a:xfrm>
           <a:prstGeom prst="rect">
@@ -15458,8 +15629,8 @@
         </p:nvCxnSpPr>
         <p:spPr>
           <a:xfrm rot="5400000">
-            <a:off x="7623961" y="4594463"/>
-            <a:ext cx="1505449" cy="314963"/>
+            <a:off x="6887836" y="4747408"/>
+            <a:ext cx="1494912" cy="96201"/>
           </a:xfrm>
           <a:prstGeom prst="bentConnector2">
             <a:avLst/>
@@ -15489,10 +15660,10 @@
       </p:cxnSp>
       <p:sp>
         <p:nvSpPr>
-          <p:cNvPr id="75" name="Rounded Rectangle 74">
-            <a:extLst>
-              <a:ext uri="{FF2B5EF4-FFF2-40B4-BE49-F238E27FC236}">
-                <a16:creationId xmlns:a16="http://schemas.microsoft.com/office/drawing/2014/main" id="{8B7B2926-CFFB-094B-8FE8-7674B7E3DF82}"/>
+          <p:cNvPr id="76" name="Rounded Rectangle 75">
+            <a:extLst>
+              <a:ext uri="{FF2B5EF4-FFF2-40B4-BE49-F238E27FC236}">
+                <a16:creationId xmlns:a16="http://schemas.microsoft.com/office/drawing/2014/main" id="{ACD70E93-5E5D-3343-B841-CDB9462A75C9}"/>
               </a:ext>
             </a:extLst>
           </p:cNvPr>
@@ -15501,11 +15672,13 @@
         </p:nvSpPr>
         <p:spPr>
           <a:xfrm>
-            <a:off x="8612179" y="5112521"/>
+            <a:off x="10890070" y="6382340"/>
             <a:ext cx="308225" cy="330201"/>
           </a:xfrm>
           <a:prstGeom prst="roundRect">
-            <a:avLst/>
+            <a:avLst>
+              <a:gd name="adj" fmla="val 9060"/>
+            </a:avLst>
           </a:prstGeom>
           <a:solidFill>
             <a:srgbClr val="683BC4"/>
@@ -15543,10 +15716,75 @@
       </p:sp>
       <p:sp>
         <p:nvSpPr>
-          <p:cNvPr id="76" name="Rounded Rectangle 75">
-            <a:extLst>
-              <a:ext uri="{FF2B5EF4-FFF2-40B4-BE49-F238E27FC236}">
-                <a16:creationId xmlns:a16="http://schemas.microsoft.com/office/drawing/2014/main" id="{ACD70E93-5E5D-3343-B841-CDB9462A75C9}"/>
+          <p:cNvPr id="77" name="TextBox 76">
+            <a:extLst>
+              <a:ext uri="{FF2B5EF4-FFF2-40B4-BE49-F238E27FC236}">
+                <a16:creationId xmlns:a16="http://schemas.microsoft.com/office/drawing/2014/main" id="{F235C327-00EA-5F4F-9116-B7B76B47853A}"/>
+              </a:ext>
+            </a:extLst>
+          </p:cNvPr>
+          <p:cNvSpPr txBox="1"/>
+          <p:nvPr/>
+        </p:nvSpPr>
+        <p:spPr>
+          <a:xfrm>
+            <a:off x="11208383" y="6402754"/>
+            <a:ext cx="2954683" cy="861774"/>
+          </a:xfrm>
+          <a:prstGeom prst="rect">
+            <a:avLst/>
+          </a:prstGeom>
+          <a:noFill/>
+        </p:spPr>
+        <p:txBody>
+          <a:bodyPr wrap="square" rtlCol="0">
+            <a:spAutoFit/>
+          </a:bodyPr>
+          <a:lstStyle/>
+          <a:p>
+            <a:pPr algn="l"/>
+            <a:r>
+              <a:rPr lang="en-US" sz="1000" dirty="0">
+                <a:solidFill>
+                  <a:schemeClr val="bg1"/>
+                </a:solidFill>
+                <a:latin typeface="Amazon Ember" panose="020B0603020204020204" pitchFamily="34" charset="0"/>
+                <a:ea typeface="Amazon Ember" panose="020B0603020204020204" pitchFamily="34" charset="0"/>
+                <a:cs typeface="Amazon Ember" panose="020B0603020204020204" pitchFamily="34" charset="0"/>
+              </a:rPr>
+              <a:t>When the EC2 instance starts, it automatically runs the device agent. The agent  connects to IoT Core and </a:t>
+            </a:r>
+            <a:r>
+              <a:rPr lang="en-US" sz="1000" b="1" dirty="0">
+                <a:solidFill>
+                  <a:schemeClr val="bg1"/>
+                </a:solidFill>
+                <a:latin typeface="Amazon Ember" panose="020B0603020204020204" pitchFamily="34" charset="0"/>
+                <a:ea typeface="Amazon Ember" panose="020B0603020204020204" pitchFamily="34" charset="0"/>
+                <a:cs typeface="Amazon Ember" panose="020B0603020204020204" pitchFamily="34" charset="0"/>
+              </a:rPr>
+              <a:t>subscribes to a specific MQTT topic</a:t>
+            </a:r>
+            <a:r>
+              <a:rPr lang="en-US" sz="1000" dirty="0">
+                <a:solidFill>
+                  <a:schemeClr val="bg1"/>
+                </a:solidFill>
+                <a:latin typeface="Amazon Ember" panose="020B0603020204020204" pitchFamily="34" charset="0"/>
+                <a:ea typeface="Amazon Ember" panose="020B0603020204020204" pitchFamily="34" charset="0"/>
+                <a:cs typeface="Amazon Ember" panose="020B0603020204020204" pitchFamily="34" charset="0"/>
+              </a:rPr>
+              <a:t> in order to receive notifications of any tunnel created targeting itself.</a:t>
+            </a:r>
+          </a:p>
+        </p:txBody>
+      </p:sp>
+      <p:sp>
+        <p:nvSpPr>
+          <p:cNvPr id="64" name="Rectangle 63">
+            <a:extLst>
+              <a:ext uri="{FF2B5EF4-FFF2-40B4-BE49-F238E27FC236}">
+                <a16:creationId xmlns:a16="http://schemas.microsoft.com/office/drawing/2014/main" id="{9728400B-0873-6D4A-B872-53E182EC07C5}"/>
               </a:ext>
             </a:extLst>
           </p:cNvPr>
@@ -15555,28 +15793,29 @@
         </p:nvSpPr>
         <p:spPr>
           <a:xfrm>
-            <a:off x="10314612" y="3471988"/>
-            <a:ext cx="308225" cy="330201"/>
-          </a:xfrm>
-          <a:prstGeom prst="roundRect">
-            <a:avLst/>
-          </a:prstGeom>
-          <a:solidFill>
-            <a:srgbClr val="683BC4"/>
-          </a:solidFill>
-          <a:ln>
-            <a:noFill/>
+            <a:off x="8485054" y="2655418"/>
+            <a:ext cx="3106169" cy="1522320"/>
+          </a:xfrm>
+          <a:prstGeom prst="rect">
+            <a:avLst/>
+          </a:prstGeom>
+          <a:noFill/>
+          <a:ln w="12700">
+            <a:solidFill>
+              <a:schemeClr val="accent1"/>
+            </a:solidFill>
           </a:ln>
-          <a:effectLst/>
         </p:spPr>
         <p:style>
-          <a:lnRef idx="1">
-            <a:schemeClr val="accent1"/>
+          <a:lnRef idx="2">
+            <a:schemeClr val="accent1">
+              <a:shade val="50000"/>
+            </a:schemeClr>
           </a:lnRef>
-          <a:fillRef idx="3">
+          <a:fillRef idx="1">
             <a:schemeClr val="accent1"/>
           </a:fillRef>
-          <a:effectRef idx="2">
+          <a:effectRef idx="0">
             <a:schemeClr val="accent1"/>
           </a:effectRef>
           <a:fontRef idx="minor">
@@ -15584,23 +15823,177 @@
           </a:fontRef>
         </p:style>
         <p:txBody>
-          <a:bodyPr rtlCol="0" anchor="ctr"/>
+          <a:bodyPr rot="0" spcFirstLastPara="0" vertOverflow="overflow" horzOverflow="overflow" vert="horz" wrap="square" lIns="457200" tIns="91440" rIns="91440" bIns="45720" numCol="1" spcCol="0" rtlCol="0" fromWordArt="0" anchor="t" anchorCtr="0" forceAA="0" compatLnSpc="1">
+            <a:prstTxWarp prst="textNoShape">
+              <a:avLst/>
+            </a:prstTxWarp>
+            <a:noAutofit/>
+          </a:bodyPr>
           <a:lstStyle/>
           <a:p>
-            <a:pPr algn="ctr"/>
-            <a:r>
-              <a:rPr lang="en-US" sz="1200" b="1" dirty="0"/>
-              <a:t>4</a:t>
-            </a:r>
-          </a:p>
-        </p:txBody>
-      </p:sp>
-      <p:sp>
-        <p:nvSpPr>
-          <p:cNvPr id="77" name="TextBox 76">
-            <a:extLst>
-              <a:ext uri="{FF2B5EF4-FFF2-40B4-BE49-F238E27FC236}">
-                <a16:creationId xmlns:a16="http://schemas.microsoft.com/office/drawing/2014/main" id="{F235C327-00EA-5F4F-9116-B7B76B47853A}"/>
+            <a:pPr algn="l"/>
+            <a:r>
+              <a:rPr lang="en-US" sz="1200" dirty="0">
+                <a:ln w="0"/>
+                <a:solidFill>
+                  <a:schemeClr val="accent1"/>
+                </a:solidFill>
+              </a:rPr>
+              <a:t>EC2 Secure Tunnel Multiplex Demo</a:t>
+            </a:r>
+          </a:p>
+        </p:txBody>
+      </p:sp>
+      <p:pic>
+        <p:nvPicPr>
+          <p:cNvPr id="67" name="Graphic 66">
+            <a:extLst>
+              <a:ext uri="{FF2B5EF4-FFF2-40B4-BE49-F238E27FC236}">
+                <a16:creationId xmlns:a16="http://schemas.microsoft.com/office/drawing/2014/main" id="{B400810D-894A-244F-8105-0750D4D6E28D}"/>
+              </a:ext>
+            </a:extLst>
+          </p:cNvPr>
+          <p:cNvPicPr>
+            <a:picLocks noChangeAspect="1"/>
+          </p:cNvPicPr>
+          <p:nvPr/>
+        </p:nvPicPr>
+        <p:blipFill>
+          <a:blip r:embed="rId15">
+            <a:extLst>
+              <a:ext uri="{96DAC541-7B7A-43D3-8B79-37D633B846F1}">
+                <asvg:svgBlip xmlns:asvg="http://schemas.microsoft.com/office/drawing/2016/SVG/main" r:embed="rId16"/>
+              </a:ext>
+            </a:extLst>
+          </a:blip>
+          <a:stretch>
+            <a:fillRect/>
+          </a:stretch>
+        </p:blipFill>
+        <p:spPr>
+          <a:xfrm>
+            <a:off x="10733839" y="3065418"/>
+            <a:ext cx="787909" cy="787909"/>
+          </a:xfrm>
+          <a:prstGeom prst="rect">
+            <a:avLst/>
+          </a:prstGeom>
+        </p:spPr>
+      </p:pic>
+      <p:pic>
+        <p:nvPicPr>
+          <p:cNvPr id="68" name="Graphic 67">
+            <a:extLst>
+              <a:ext uri="{FF2B5EF4-FFF2-40B4-BE49-F238E27FC236}">
+                <a16:creationId xmlns:a16="http://schemas.microsoft.com/office/drawing/2014/main" id="{F0AED46B-FC58-554B-9F5D-A66939DEB9CE}"/>
+              </a:ext>
+            </a:extLst>
+          </p:cNvPr>
+          <p:cNvPicPr>
+            <a:picLocks noChangeAspect="1"/>
+          </p:cNvPicPr>
+          <p:nvPr/>
+        </p:nvPicPr>
+        <p:blipFill>
+          <a:blip r:embed="rId13">
+            <a:extLst>
+              <a:ext uri="{96DAC541-7B7A-43D3-8B79-37D633B846F1}">
+                <asvg:svgBlip xmlns:asvg="http://schemas.microsoft.com/office/drawing/2016/SVG/main" r:embed="rId14"/>
+              </a:ext>
+            </a:extLst>
+          </a:blip>
+          <a:stretch>
+            <a:fillRect/>
+          </a:stretch>
+        </p:blipFill>
+        <p:spPr>
+          <a:xfrm>
+            <a:off x="8596473" y="3086854"/>
+            <a:ext cx="787909" cy="787909"/>
+          </a:xfrm>
+          <a:prstGeom prst="rect">
+            <a:avLst/>
+          </a:prstGeom>
+        </p:spPr>
+      </p:pic>
+      <p:pic>
+        <p:nvPicPr>
+          <p:cNvPr id="72" name="Graphic 71">
+            <a:extLst>
+              <a:ext uri="{FF2B5EF4-FFF2-40B4-BE49-F238E27FC236}">
+                <a16:creationId xmlns:a16="http://schemas.microsoft.com/office/drawing/2014/main" id="{3F6B550F-093F-0740-9D16-2FA853EAD61C}"/>
+              </a:ext>
+            </a:extLst>
+          </p:cNvPr>
+          <p:cNvPicPr>
+            <a:picLocks noChangeAspect="1"/>
+          </p:cNvPicPr>
+          <p:nvPr/>
+        </p:nvPicPr>
+        <p:blipFill>
+          <a:blip r:embed="rId5">
+            <a:extLst>
+              <a:ext uri="{96DAC541-7B7A-43D3-8B79-37D633B846F1}">
+                <asvg:svgBlip xmlns:asvg="http://schemas.microsoft.com/office/drawing/2016/SVG/main" r:embed="rId6"/>
+              </a:ext>
+            </a:extLst>
+          </a:blip>
+          <a:stretch>
+            <a:fillRect/>
+          </a:stretch>
+        </p:blipFill>
+        <p:spPr>
+          <a:xfrm>
+            <a:off x="8503892" y="2666650"/>
+            <a:ext cx="330200" cy="330200"/>
+          </a:xfrm>
+          <a:prstGeom prst="rect">
+            <a:avLst/>
+          </a:prstGeom>
+        </p:spPr>
+      </p:pic>
+      <p:pic>
+        <p:nvPicPr>
+          <p:cNvPr id="73" name="Graphic 72">
+            <a:extLst>
+              <a:ext uri="{FF2B5EF4-FFF2-40B4-BE49-F238E27FC236}">
+                <a16:creationId xmlns:a16="http://schemas.microsoft.com/office/drawing/2014/main" id="{A548A9F8-9F68-CD41-9049-3DF17DB6EEC0}"/>
+              </a:ext>
+            </a:extLst>
+          </p:cNvPr>
+          <p:cNvPicPr>
+            <a:picLocks noChangeAspect="1"/>
+          </p:cNvPicPr>
+          <p:nvPr/>
+        </p:nvPicPr>
+        <p:blipFill>
+          <a:blip r:embed="rId13">
+            <a:extLst>
+              <a:ext uri="{96DAC541-7B7A-43D3-8B79-37D633B846F1}">
+                <asvg:svgBlip xmlns:asvg="http://schemas.microsoft.com/office/drawing/2016/SVG/main" r:embed="rId14"/>
+              </a:ext>
+            </a:extLst>
+          </a:blip>
+          <a:stretch>
+            <a:fillRect/>
+          </a:stretch>
+        </p:blipFill>
+        <p:spPr>
+          <a:xfrm>
+            <a:off x="9674902" y="3056862"/>
+            <a:ext cx="787909" cy="787909"/>
+          </a:xfrm>
+          <a:prstGeom prst="rect">
+            <a:avLst/>
+          </a:prstGeom>
+        </p:spPr>
+      </p:pic>
+      <p:sp>
+        <p:nvSpPr>
+          <p:cNvPr id="74" name="TextBox 73">
+            <a:extLst>
+              <a:ext uri="{FF2B5EF4-FFF2-40B4-BE49-F238E27FC236}">
+                <a16:creationId xmlns:a16="http://schemas.microsoft.com/office/drawing/2014/main" id="{B72E70A0-3D6B-9B43-B1D5-EBDC2B9CBFA0}"/>
               </a:ext>
             </a:extLst>
           </p:cNvPr>
@@ -15609,8 +16002,8 @@
         </p:nvSpPr>
         <p:spPr>
           <a:xfrm>
-            <a:off x="10633956" y="3471988"/>
-            <a:ext cx="2954683" cy="861774"/>
+            <a:off x="9459868" y="3849483"/>
+            <a:ext cx="1180427" cy="307777"/>
           </a:xfrm>
           <a:prstGeom prst="rect">
             <a:avLst/>
@@ -15623,43 +16016,138 @@
           </a:bodyPr>
           <a:lstStyle/>
           <a:p>
-            <a:pPr algn="l"/>
-            <a:r>
-              <a:rPr lang="en-US" sz="1000" dirty="0">
-                <a:solidFill>
-                  <a:schemeClr val="bg1"/>
-                </a:solidFill>
-                <a:latin typeface="Amazon Ember" panose="020B0603020204020204" pitchFamily="34" charset="0"/>
-                <a:ea typeface="Amazon Ember" panose="020B0603020204020204" pitchFamily="34" charset="0"/>
-                <a:cs typeface="Amazon Ember" panose="020B0603020204020204" pitchFamily="34" charset="0"/>
-              </a:rPr>
-              <a:t>When the EC2 instance starts, it automatically runs the device agent. The agent  connects to IoT Core and </a:t>
-            </a:r>
-            <a:r>
-              <a:rPr lang="en-US" sz="1000" b="1" dirty="0">
-                <a:solidFill>
-                  <a:schemeClr val="bg1"/>
-                </a:solidFill>
-                <a:latin typeface="Amazon Ember" panose="020B0603020204020204" pitchFamily="34" charset="0"/>
-                <a:ea typeface="Amazon Ember" panose="020B0603020204020204" pitchFamily="34" charset="0"/>
-                <a:cs typeface="Amazon Ember" panose="020B0603020204020204" pitchFamily="34" charset="0"/>
-              </a:rPr>
-              <a:t>subscribes to a specific MQTT topic</a:t>
-            </a:r>
-            <a:r>
-              <a:rPr lang="en-US" sz="1000" dirty="0">
-                <a:solidFill>
-                  <a:schemeClr val="bg1"/>
-                </a:solidFill>
-                <a:latin typeface="Amazon Ember" panose="020B0603020204020204" pitchFamily="34" charset="0"/>
-                <a:ea typeface="Amazon Ember" panose="020B0603020204020204" pitchFamily="34" charset="0"/>
-                <a:cs typeface="Amazon Ember" panose="020B0603020204020204" pitchFamily="34" charset="0"/>
-              </a:rPr>
-              <a:t> in order to receive notifications of any tunnel created targeting itself.</a:t>
-            </a:r>
-          </a:p>
-        </p:txBody>
-      </p:sp>
+            <a:pPr algn="ctr"/>
+            <a:r>
+              <a:rPr lang="en-US" sz="1400" dirty="0"/>
+              <a:t>device </a:t>
+            </a:r>
+            <a:r>
+              <a:rPr lang="en-US" sz="1400" dirty="0" err="1"/>
+              <a:t>api</a:t>
+            </a:r>
+            <a:endParaRPr lang="en-US" sz="1400" dirty="0"/>
+          </a:p>
+        </p:txBody>
+      </p:sp>
+      <p:sp>
+        <p:nvSpPr>
+          <p:cNvPr id="78" name="TextBox 77">
+            <a:extLst>
+              <a:ext uri="{FF2B5EF4-FFF2-40B4-BE49-F238E27FC236}">
+                <a16:creationId xmlns:a16="http://schemas.microsoft.com/office/drawing/2014/main" id="{98EEEFB5-FF88-4D44-8A7C-F1A9997908C9}"/>
+              </a:ext>
+            </a:extLst>
+          </p:cNvPr>
+          <p:cNvSpPr txBox="1"/>
+          <p:nvPr/>
+        </p:nvSpPr>
+        <p:spPr>
+          <a:xfrm>
+            <a:off x="10511643" y="3900996"/>
+            <a:ext cx="1061268" cy="204749"/>
+          </a:xfrm>
+          <a:prstGeom prst="rect">
+            <a:avLst/>
+          </a:prstGeom>
+          <a:noFill/>
+        </p:spPr>
+        <p:txBody>
+          <a:bodyPr wrap="square" lIns="0" tIns="0" rIns="0" bIns="0" rtlCol="0" anchor="t">
+            <a:noAutofit/>
+          </a:bodyPr>
+          <a:lstStyle/>
+          <a:p>
+            <a:pPr algn="ctr"/>
+            <a:r>
+              <a:rPr lang="en-US" sz="1400" dirty="0"/>
+              <a:t>device agent</a:t>
+            </a:r>
+          </a:p>
+        </p:txBody>
+      </p:sp>
+      <p:sp>
+        <p:nvSpPr>
+          <p:cNvPr id="79" name="TextBox 78">
+            <a:extLst>
+              <a:ext uri="{FF2B5EF4-FFF2-40B4-BE49-F238E27FC236}">
+                <a16:creationId xmlns:a16="http://schemas.microsoft.com/office/drawing/2014/main" id="{BD5C330F-D3DF-974F-9507-CAFCFA7774B4}"/>
+              </a:ext>
+            </a:extLst>
+          </p:cNvPr>
+          <p:cNvSpPr txBox="1"/>
+          <p:nvPr/>
+        </p:nvSpPr>
+        <p:spPr>
+          <a:xfrm>
+            <a:off x="8393299" y="3829587"/>
+            <a:ext cx="1180427" cy="307777"/>
+          </a:xfrm>
+          <a:prstGeom prst="rect">
+            <a:avLst/>
+          </a:prstGeom>
+          <a:noFill/>
+        </p:spPr>
+        <p:txBody>
+          <a:bodyPr wrap="square" rtlCol="0">
+            <a:spAutoFit/>
+          </a:bodyPr>
+          <a:lstStyle/>
+          <a:p>
+            <a:pPr algn="ctr"/>
+            <a:r>
+              <a:rPr lang="en-US" sz="1400" dirty="0"/>
+              <a:t>local proxy</a:t>
+            </a:r>
+          </a:p>
+        </p:txBody>
+      </p:sp>
+      <p:cxnSp>
+        <p:nvCxnSpPr>
+          <p:cNvPr id="80" name="Straight Arrow Connector 26">
+            <a:extLst>
+              <a:ext uri="{FF2B5EF4-FFF2-40B4-BE49-F238E27FC236}">
+                <a16:creationId xmlns:a16="http://schemas.microsoft.com/office/drawing/2014/main" id="{483E9F95-AF98-E04D-AFF0-82F260595FC3}"/>
+              </a:ext>
+            </a:extLst>
+          </p:cNvPr>
+          <p:cNvCxnSpPr>
+            <a:cxnSpLocks/>
+          </p:cNvCxnSpPr>
+          <p:nvPr/>
+        </p:nvCxnSpPr>
+        <p:spPr>
+          <a:xfrm rot="10800000" flipV="1">
+            <a:off x="7587191" y="4204934"/>
+            <a:ext cx="3156577" cy="1338030"/>
+          </a:xfrm>
+          <a:prstGeom prst="bentConnector3">
+            <a:avLst>
+              <a:gd name="adj1" fmla="val 9519"/>
+            </a:avLst>
+          </a:prstGeom>
+          <a:ln w="12700">
+            <a:solidFill>
+              <a:srgbClr val="8FA7C4"/>
+            </a:solidFill>
+            <a:headEnd type="none" w="med" len="sm"/>
+            <a:tailEnd type="arrow" w="med" len="sm"/>
+          </a:ln>
+        </p:spPr>
+        <p:style>
+          <a:lnRef idx="1">
+            <a:schemeClr val="accent1"/>
+          </a:lnRef>
+          <a:fillRef idx="0">
+            <a:schemeClr val="accent1"/>
+          </a:fillRef>
+          <a:effectRef idx="0">
+            <a:schemeClr val="accent1"/>
+          </a:effectRef>
+          <a:fontRef idx="minor">
+            <a:schemeClr val="tx1"/>
+          </a:fontRef>
+        </p:style>
+      </p:cxnSp>
     </p:spTree>
     <p:extLst>
       <p:ext uri="{BB962C8B-B14F-4D97-AF65-F5344CB8AC3E}">
@@ -15799,8 +16287,8 @@
         </p:nvSpPr>
         <p:spPr>
           <a:xfrm>
-            <a:off x="6352874" y="1887848"/>
-            <a:ext cx="3723051" cy="2514116"/>
+            <a:off x="6266537" y="1704875"/>
+            <a:ext cx="5849443" cy="2741056"/>
           </a:xfrm>
           <a:prstGeom prst="rect">
             <a:avLst/>
@@ -15878,8 +16366,8 @@
         </p:blipFill>
         <p:spPr>
           <a:xfrm>
-            <a:off x="6352876" y="1887849"/>
-            <a:ext cx="330200" cy="330200"/>
+            <a:off x="6291145" y="1725433"/>
+            <a:ext cx="419481" cy="419481"/>
           </a:xfrm>
           <a:prstGeom prst="rect">
             <a:avLst/>
@@ -16001,7 +16489,7 @@
         </p:nvSpPr>
         <p:spPr>
           <a:xfrm>
-            <a:off x="8052519" y="3582194"/>
+            <a:off x="7629560" y="3529093"/>
             <a:ext cx="1061268" cy="204749"/>
           </a:xfrm>
           <a:prstGeom prst="rect">
@@ -16037,7 +16525,7 @@
         </p:nvSpPr>
         <p:spPr>
           <a:xfrm>
-            <a:off x="6895986" y="2451738"/>
+            <a:off x="6386857" y="2276375"/>
             <a:ext cx="2363434" cy="1471707"/>
           </a:xfrm>
           <a:prstGeom prst="rect">
@@ -16083,7 +16571,7 @@
                   <a:schemeClr val="accent1"/>
                 </a:solidFill>
               </a:rPr>
-              <a:t>EC2 instance contents</a:t>
+              <a:t>EC2 Secure Tunnel Demo</a:t>
             </a:r>
           </a:p>
         </p:txBody>
@@ -16116,7 +16604,7 @@
         </p:blipFill>
         <p:spPr>
           <a:xfrm>
-            <a:off x="6895986" y="2451739"/>
+            <a:off x="6405960" y="2276374"/>
             <a:ext cx="330200" cy="330200"/>
           </a:xfrm>
           <a:prstGeom prst="rect">
@@ -16312,7 +16800,7 @@
         <p:spPr>
           <a:xfrm>
             <a:off x="2514417" y="1524626"/>
-            <a:ext cx="8719639" cy="5790573"/>
+            <a:ext cx="10205121" cy="5790573"/>
           </a:xfrm>
           <a:prstGeom prst="rect">
             <a:avLst/>
@@ -16584,7 +17072,7 @@
         </p:nvSpPr>
         <p:spPr>
           <a:xfrm>
-            <a:off x="6881817" y="3532322"/>
+            <a:off x="6361806" y="3500035"/>
             <a:ext cx="1180427" cy="307777"/>
           </a:xfrm>
           <a:prstGeom prst="rect">
@@ -16634,7 +17122,7 @@
         </p:blipFill>
         <p:spPr>
           <a:xfrm>
-            <a:off x="8187639" y="2825745"/>
+            <a:off x="7733528" y="2692866"/>
             <a:ext cx="787909" cy="787909"/>
           </a:xfrm>
           <a:prstGeom prst="rect">
@@ -16670,7 +17158,7 @@
         </p:blipFill>
         <p:spPr>
           <a:xfrm>
-            <a:off x="6966269" y="2809533"/>
+            <a:off x="6504216" y="2726505"/>
             <a:ext cx="787909" cy="787909"/>
           </a:xfrm>
           <a:prstGeom prst="rect">
@@ -16993,15 +17481,14 @@
           </p:cNvPr>
           <p:cNvCxnSpPr>
             <a:cxnSpLocks/>
-            <a:stCxn id="9" idx="2"/>
             <a:endCxn id="69" idx="3"/>
           </p:cNvCxnSpPr>
           <p:nvPr/>
         </p:nvCxnSpPr>
         <p:spPr>
           <a:xfrm rot="5400000">
-            <a:off x="7542315" y="4463831"/>
-            <a:ext cx="1717726" cy="363950"/>
+            <a:off x="7400627" y="4518915"/>
+            <a:ext cx="1804330" cy="167178"/>
           </a:xfrm>
           <a:prstGeom prst="bentConnector2">
             <a:avLst/>
@@ -17066,6 +17553,376 @@
           </a:p>
         </p:txBody>
       </p:sp>
+      <p:sp>
+        <p:nvSpPr>
+          <p:cNvPr id="34" name="Rectangle 33">
+            <a:extLst>
+              <a:ext uri="{FF2B5EF4-FFF2-40B4-BE49-F238E27FC236}">
+                <a16:creationId xmlns:a16="http://schemas.microsoft.com/office/drawing/2014/main" id="{3CA1E281-A883-BA4D-BE4A-47D30454D949}"/>
+              </a:ext>
+            </a:extLst>
+          </p:cNvPr>
+          <p:cNvSpPr/>
+          <p:nvPr/>
+        </p:nvSpPr>
+        <p:spPr>
+          <a:xfrm>
+            <a:off x="8865154" y="2250012"/>
+            <a:ext cx="3106169" cy="1522320"/>
+          </a:xfrm>
+          <a:prstGeom prst="rect">
+            <a:avLst/>
+          </a:prstGeom>
+          <a:noFill/>
+          <a:ln w="12700">
+            <a:solidFill>
+              <a:schemeClr val="accent1"/>
+            </a:solidFill>
+          </a:ln>
+        </p:spPr>
+        <p:style>
+          <a:lnRef idx="2">
+            <a:schemeClr val="accent1">
+              <a:shade val="50000"/>
+            </a:schemeClr>
+          </a:lnRef>
+          <a:fillRef idx="1">
+            <a:schemeClr val="accent1"/>
+          </a:fillRef>
+          <a:effectRef idx="0">
+            <a:schemeClr val="accent1"/>
+          </a:effectRef>
+          <a:fontRef idx="minor">
+            <a:schemeClr val="lt1"/>
+          </a:fontRef>
+        </p:style>
+        <p:txBody>
+          <a:bodyPr rot="0" spcFirstLastPara="0" vertOverflow="overflow" horzOverflow="overflow" vert="horz" wrap="square" lIns="457200" tIns="91440" rIns="91440" bIns="45720" numCol="1" spcCol="0" rtlCol="0" fromWordArt="0" anchor="t" anchorCtr="0" forceAA="0" compatLnSpc="1">
+            <a:prstTxWarp prst="textNoShape">
+              <a:avLst/>
+            </a:prstTxWarp>
+            <a:noAutofit/>
+          </a:bodyPr>
+          <a:lstStyle/>
+          <a:p>
+            <a:pPr algn="l"/>
+            <a:r>
+              <a:rPr lang="en-US" sz="1200" dirty="0">
+                <a:ln w="0"/>
+                <a:solidFill>
+                  <a:schemeClr val="accent1"/>
+                </a:solidFill>
+              </a:rPr>
+              <a:t>EC2 Secure Tunnel Multiplex Demo</a:t>
+            </a:r>
+          </a:p>
+        </p:txBody>
+      </p:sp>
+      <p:pic>
+        <p:nvPicPr>
+          <p:cNvPr id="35" name="Graphic 34">
+            <a:extLst>
+              <a:ext uri="{FF2B5EF4-FFF2-40B4-BE49-F238E27FC236}">
+                <a16:creationId xmlns:a16="http://schemas.microsoft.com/office/drawing/2014/main" id="{A6E0F614-BDAC-9740-BD05-BB532355A7D4}"/>
+              </a:ext>
+            </a:extLst>
+          </p:cNvPr>
+          <p:cNvPicPr>
+            <a:picLocks noChangeAspect="1"/>
+          </p:cNvPicPr>
+          <p:nvPr/>
+        </p:nvPicPr>
+        <p:blipFill>
+          <a:blip r:embed="rId15">
+            <a:extLst>
+              <a:ext uri="{96DAC541-7B7A-43D3-8B79-37D633B846F1}">
+                <asvg:svgBlip xmlns:asvg="http://schemas.microsoft.com/office/drawing/2016/SVG/main" r:embed="rId16"/>
+              </a:ext>
+            </a:extLst>
+          </a:blip>
+          <a:stretch>
+            <a:fillRect/>
+          </a:stretch>
+        </p:blipFill>
+        <p:spPr>
+          <a:xfrm>
+            <a:off x="11113939" y="2660012"/>
+            <a:ext cx="787909" cy="787909"/>
+          </a:xfrm>
+          <a:prstGeom prst="rect">
+            <a:avLst/>
+          </a:prstGeom>
+        </p:spPr>
+      </p:pic>
+      <p:pic>
+        <p:nvPicPr>
+          <p:cNvPr id="36" name="Graphic 35">
+            <a:extLst>
+              <a:ext uri="{FF2B5EF4-FFF2-40B4-BE49-F238E27FC236}">
+                <a16:creationId xmlns:a16="http://schemas.microsoft.com/office/drawing/2014/main" id="{892CBE24-DA75-FD41-8C51-7C9EEA267ECA}"/>
+              </a:ext>
+            </a:extLst>
+          </p:cNvPr>
+          <p:cNvPicPr>
+            <a:picLocks noChangeAspect="1"/>
+          </p:cNvPicPr>
+          <p:nvPr/>
+        </p:nvPicPr>
+        <p:blipFill>
+          <a:blip r:embed="rId13">
+            <a:extLst>
+              <a:ext uri="{96DAC541-7B7A-43D3-8B79-37D633B846F1}">
+                <asvg:svgBlip xmlns:asvg="http://schemas.microsoft.com/office/drawing/2016/SVG/main" r:embed="rId14"/>
+              </a:ext>
+            </a:extLst>
+          </a:blip>
+          <a:stretch>
+            <a:fillRect/>
+          </a:stretch>
+        </p:blipFill>
+        <p:spPr>
+          <a:xfrm>
+            <a:off x="8976573" y="2681448"/>
+            <a:ext cx="787909" cy="787909"/>
+          </a:xfrm>
+          <a:prstGeom prst="rect">
+            <a:avLst/>
+          </a:prstGeom>
+        </p:spPr>
+      </p:pic>
+      <p:pic>
+        <p:nvPicPr>
+          <p:cNvPr id="37" name="Graphic 36">
+            <a:extLst>
+              <a:ext uri="{FF2B5EF4-FFF2-40B4-BE49-F238E27FC236}">
+                <a16:creationId xmlns:a16="http://schemas.microsoft.com/office/drawing/2014/main" id="{B068F642-9A1A-EA44-8E0F-3C18234809EE}"/>
+              </a:ext>
+            </a:extLst>
+          </p:cNvPr>
+          <p:cNvPicPr>
+            <a:picLocks noChangeAspect="1"/>
+          </p:cNvPicPr>
+          <p:nvPr/>
+        </p:nvPicPr>
+        <p:blipFill>
+          <a:blip r:embed="rId5">
+            <a:extLst>
+              <a:ext uri="{96DAC541-7B7A-43D3-8B79-37D633B846F1}">
+                <asvg:svgBlip xmlns:asvg="http://schemas.microsoft.com/office/drawing/2016/SVG/main" r:embed="rId6"/>
+              </a:ext>
+            </a:extLst>
+          </a:blip>
+          <a:stretch>
+            <a:fillRect/>
+          </a:stretch>
+        </p:blipFill>
+        <p:spPr>
+          <a:xfrm>
+            <a:off x="8883992" y="2261244"/>
+            <a:ext cx="330200" cy="330200"/>
+          </a:xfrm>
+          <a:prstGeom prst="rect">
+            <a:avLst/>
+          </a:prstGeom>
+        </p:spPr>
+      </p:pic>
+      <p:pic>
+        <p:nvPicPr>
+          <p:cNvPr id="40" name="Graphic 39">
+            <a:extLst>
+              <a:ext uri="{FF2B5EF4-FFF2-40B4-BE49-F238E27FC236}">
+                <a16:creationId xmlns:a16="http://schemas.microsoft.com/office/drawing/2014/main" id="{1D47B3D3-0216-B44B-8CC2-5760B1816B2E}"/>
+              </a:ext>
+            </a:extLst>
+          </p:cNvPr>
+          <p:cNvPicPr>
+            <a:picLocks noChangeAspect="1"/>
+          </p:cNvPicPr>
+          <p:nvPr/>
+        </p:nvPicPr>
+        <p:blipFill>
+          <a:blip r:embed="rId13">
+            <a:extLst>
+              <a:ext uri="{96DAC541-7B7A-43D3-8B79-37D633B846F1}">
+                <asvg:svgBlip xmlns:asvg="http://schemas.microsoft.com/office/drawing/2016/SVG/main" r:embed="rId14"/>
+              </a:ext>
+            </a:extLst>
+          </a:blip>
+          <a:stretch>
+            <a:fillRect/>
+          </a:stretch>
+        </p:blipFill>
+        <p:spPr>
+          <a:xfrm>
+            <a:off x="10030564" y="2664614"/>
+            <a:ext cx="787909" cy="787909"/>
+          </a:xfrm>
+          <a:prstGeom prst="rect">
+            <a:avLst/>
+          </a:prstGeom>
+        </p:spPr>
+      </p:pic>
+      <p:sp>
+        <p:nvSpPr>
+          <p:cNvPr id="41" name="TextBox 40">
+            <a:extLst>
+              <a:ext uri="{FF2B5EF4-FFF2-40B4-BE49-F238E27FC236}">
+                <a16:creationId xmlns:a16="http://schemas.microsoft.com/office/drawing/2014/main" id="{8BC26FDC-EA2C-064A-BF79-EE366342189A}"/>
+              </a:ext>
+            </a:extLst>
+          </p:cNvPr>
+          <p:cNvSpPr txBox="1"/>
+          <p:nvPr/>
+        </p:nvSpPr>
+        <p:spPr>
+          <a:xfrm>
+            <a:off x="8783785" y="3431850"/>
+            <a:ext cx="1180427" cy="307777"/>
+          </a:xfrm>
+          <a:prstGeom prst="rect">
+            <a:avLst/>
+          </a:prstGeom>
+          <a:noFill/>
+        </p:spPr>
+        <p:txBody>
+          <a:bodyPr wrap="square" rtlCol="0">
+            <a:spAutoFit/>
+          </a:bodyPr>
+          <a:lstStyle/>
+          <a:p>
+            <a:pPr algn="ctr"/>
+            <a:r>
+              <a:rPr lang="en-US" sz="1400" dirty="0"/>
+              <a:t>local proxy</a:t>
+            </a:r>
+          </a:p>
+        </p:txBody>
+      </p:sp>
+      <p:sp>
+        <p:nvSpPr>
+          <p:cNvPr id="43" name="TextBox 42">
+            <a:extLst>
+              <a:ext uri="{FF2B5EF4-FFF2-40B4-BE49-F238E27FC236}">
+                <a16:creationId xmlns:a16="http://schemas.microsoft.com/office/drawing/2014/main" id="{D82271DE-7611-6C4C-B40A-FAF5F3077C3D}"/>
+              </a:ext>
+            </a:extLst>
+          </p:cNvPr>
+          <p:cNvSpPr txBox="1"/>
+          <p:nvPr/>
+        </p:nvSpPr>
+        <p:spPr>
+          <a:xfrm>
+            <a:off x="9839968" y="3444077"/>
+            <a:ext cx="1180427" cy="307777"/>
+          </a:xfrm>
+          <a:prstGeom prst="rect">
+            <a:avLst/>
+          </a:prstGeom>
+          <a:noFill/>
+        </p:spPr>
+        <p:txBody>
+          <a:bodyPr wrap="square" rtlCol="0">
+            <a:spAutoFit/>
+          </a:bodyPr>
+          <a:lstStyle/>
+          <a:p>
+            <a:pPr algn="ctr"/>
+            <a:r>
+              <a:rPr lang="en-US" sz="1400" dirty="0"/>
+              <a:t>device </a:t>
+            </a:r>
+            <a:r>
+              <a:rPr lang="en-US" sz="1400" dirty="0" err="1"/>
+              <a:t>api</a:t>
+            </a:r>
+            <a:endParaRPr lang="en-US" sz="1400" dirty="0"/>
+          </a:p>
+        </p:txBody>
+      </p:sp>
+      <p:sp>
+        <p:nvSpPr>
+          <p:cNvPr id="44" name="TextBox 43">
+            <a:extLst>
+              <a:ext uri="{FF2B5EF4-FFF2-40B4-BE49-F238E27FC236}">
+                <a16:creationId xmlns:a16="http://schemas.microsoft.com/office/drawing/2014/main" id="{7F17F7E8-5C01-1341-91DB-0E6CC14E0E48}"/>
+              </a:ext>
+            </a:extLst>
+          </p:cNvPr>
+          <p:cNvSpPr txBox="1"/>
+          <p:nvPr/>
+        </p:nvSpPr>
+        <p:spPr>
+          <a:xfrm>
+            <a:off x="10891743" y="3495590"/>
+            <a:ext cx="1061268" cy="204749"/>
+          </a:xfrm>
+          <a:prstGeom prst="rect">
+            <a:avLst/>
+          </a:prstGeom>
+          <a:noFill/>
+        </p:spPr>
+        <p:txBody>
+          <a:bodyPr wrap="square" lIns="0" tIns="0" rIns="0" bIns="0" rtlCol="0" anchor="t">
+            <a:noAutofit/>
+          </a:bodyPr>
+          <a:lstStyle/>
+          <a:p>
+            <a:pPr algn="ctr"/>
+            <a:r>
+              <a:rPr lang="en-US" sz="1400" dirty="0"/>
+              <a:t>device agent</a:t>
+            </a:r>
+          </a:p>
+        </p:txBody>
+      </p:sp>
+      <p:cxnSp>
+        <p:nvCxnSpPr>
+          <p:cNvPr id="48" name="Straight Arrow Connector 26">
+            <a:extLst>
+              <a:ext uri="{FF2B5EF4-FFF2-40B4-BE49-F238E27FC236}">
+                <a16:creationId xmlns:a16="http://schemas.microsoft.com/office/drawing/2014/main" id="{2CDE0BD8-54D7-5743-845A-559BC757303A}"/>
+              </a:ext>
+            </a:extLst>
+          </p:cNvPr>
+          <p:cNvCxnSpPr>
+            <a:cxnSpLocks/>
+            <a:endCxn id="69" idx="3"/>
+          </p:cNvCxnSpPr>
+          <p:nvPr/>
+        </p:nvCxnSpPr>
+        <p:spPr>
+          <a:xfrm rot="10800000" flipV="1">
+            <a:off x="8219204" y="3772331"/>
+            <a:ext cx="3305869" cy="1732338"/>
+          </a:xfrm>
+          <a:prstGeom prst="bentConnector3">
+            <a:avLst>
+              <a:gd name="adj1" fmla="val -355"/>
+            </a:avLst>
+          </a:prstGeom>
+          <a:ln w="12700">
+            <a:solidFill>
+              <a:srgbClr val="8FA7C4"/>
+            </a:solidFill>
+            <a:headEnd type="none" w="med" len="sm"/>
+            <a:tailEnd type="arrow" w="med" len="sm"/>
+          </a:ln>
+        </p:spPr>
+        <p:style>
+          <a:lnRef idx="1">
+            <a:schemeClr val="accent1"/>
+          </a:lnRef>
+          <a:fillRef idx="0">
+            <a:schemeClr val="accent1"/>
+          </a:fillRef>
+          <a:effectRef idx="0">
+            <a:schemeClr val="accent1"/>
+          </a:effectRef>
+          <a:fontRef idx="minor">
+            <a:schemeClr val="tx1"/>
+          </a:fontRef>
+        </p:style>
+      </p:cxnSp>
     </p:spTree>
     <p:extLst>
       <p:ext uri="{BB962C8B-B14F-4D97-AF65-F5344CB8AC3E}">
@@ -17345,14 +18202,20 @@
           <a:p>
             <a:pPr algn="l"/>
             <a:r>
-              <a:rPr lang="en-US" sz="1200" dirty="0">
+              <a:rPr lang="en-US" sz="1200">
                 <a:ln w="0"/>
                 <a:solidFill>
                   <a:schemeClr val="accent1"/>
                 </a:solidFill>
               </a:rPr>
-              <a:t>EC2 instance contents</a:t>
-            </a:r>
+              <a:t>EC2 Secure Tunnel Demo</a:t>
+            </a:r>
+            <a:endParaRPr lang="en-US" sz="1200" dirty="0">
+              <a:ln w="0"/>
+              <a:solidFill>
+                <a:schemeClr val="accent1"/>
+              </a:solidFill>
+            </a:endParaRPr>
           </a:p>
         </p:txBody>
       </p:sp>
@@ -19973,7 +20836,7 @@
                   <a:schemeClr val="accent1"/>
                 </a:solidFill>
               </a:rPr>
-              <a:t>EC2 instance contents</a:t>
+              <a:t>EC@ Secure Tunnel Demo</a:t>
             </a:r>
           </a:p>
         </p:txBody>
@@ -22262,7 +23125,6 @@
           </a:bodyPr>
           <a:lstStyle/>
           <a:p>
-            <a:pPr algn="l"/>
             <a:r>
               <a:rPr lang="en-US" sz="1200" dirty="0">
                 <a:ln w="0"/>
@@ -22270,7 +23132,7 @@
                   <a:schemeClr val="accent1"/>
                 </a:solidFill>
               </a:rPr>
-              <a:t>EC2 instance contents</a:t>
+              <a:t>EC2 Secure Tunnel Demo</a:t>
             </a:r>
           </a:p>
         </p:txBody>
@@ -24369,6 +25231,5490 @@
     <p:extLst>
       <p:ext uri="{BB962C8B-B14F-4D97-AF65-F5344CB8AC3E}">
         <p14:creationId xmlns:p14="http://schemas.microsoft.com/office/powerpoint/2010/main" val="2827375132"/>
+      </p:ext>
+    </p:extLst>
+  </p:cSld>
+  <p:clrMapOvr>
+    <a:masterClrMapping/>
+  </p:clrMapOvr>
+  <p:timing>
+    <p:tnLst>
+      <p:par>
+        <p:cTn id="1" dur="indefinite" restart="never" nodeType="tmRoot">
+          <p:childTnLst>
+            <p:seq concurrent="1" nextAc="seek">
+              <p:cTn id="2" dur="indefinite" nodeType="mainSeq">
+                <p:childTnLst>
+                  <p:par>
+                    <p:cTn id="3" fill="hold">
+                      <p:stCondLst>
+                        <p:cond delay="indefinite"/>
+                        <p:cond evt="onBegin" delay="0">
+                          <p:tn val="2"/>
+                        </p:cond>
+                      </p:stCondLst>
+                      <p:childTnLst>
+                        <p:par>
+                          <p:cTn id="4" fill="hold">
+                            <p:stCondLst>
+                              <p:cond delay="0"/>
+                            </p:stCondLst>
+                            <p:childTnLst>
+                              <p:par>
+                                <p:cTn id="5" presetID="1" presetClass="entr" presetSubtype="0" fill="hold" grpId="0" nodeType="withEffect">
+                                  <p:stCondLst>
+                                    <p:cond delay="500"/>
+                                  </p:stCondLst>
+                                  <p:childTnLst>
+                                    <p:set>
+                                      <p:cBhvr>
+                                        <p:cTn id="6" dur="1" fill="hold">
+                                          <p:stCondLst>
+                                            <p:cond delay="0"/>
+                                          </p:stCondLst>
+                                        </p:cTn>
+                                        <p:tgtEl>
+                                          <p:spTgt spid="78"/>
+                                        </p:tgtEl>
+                                        <p:attrNameLst>
+                                          <p:attrName>style.visibility</p:attrName>
+                                        </p:attrNameLst>
+                                      </p:cBhvr>
+                                      <p:to>
+                                        <p:strVal val="visible"/>
+                                      </p:to>
+                                    </p:set>
+                                  </p:childTnLst>
+                                </p:cTn>
+                              </p:par>
+                              <p:par>
+                                <p:cTn id="7" presetID="1" presetClass="entr" presetSubtype="0" fill="hold" nodeType="withEffect">
+                                  <p:stCondLst>
+                                    <p:cond delay="0"/>
+                                  </p:stCondLst>
+                                  <p:childTnLst>
+                                    <p:set>
+                                      <p:cBhvr>
+                                        <p:cTn id="8" dur="1" fill="hold">
+                                          <p:stCondLst>
+                                            <p:cond delay="0"/>
+                                          </p:stCondLst>
+                                        </p:cTn>
+                                        <p:tgtEl>
+                                          <p:spTgt spid="79"/>
+                                        </p:tgtEl>
+                                        <p:attrNameLst>
+                                          <p:attrName>style.visibility</p:attrName>
+                                        </p:attrNameLst>
+                                      </p:cBhvr>
+                                      <p:to>
+                                        <p:strVal val="visible"/>
+                                      </p:to>
+                                    </p:set>
+                                  </p:childTnLst>
+                                </p:cTn>
+                              </p:par>
+                              <p:par>
+                                <p:cTn id="9" presetID="1" presetClass="entr" presetSubtype="0" fill="hold" grpId="0" nodeType="withEffect">
+                                  <p:stCondLst>
+                                    <p:cond delay="500"/>
+                                  </p:stCondLst>
+                                  <p:childTnLst>
+                                    <p:set>
+                                      <p:cBhvr>
+                                        <p:cTn id="10" dur="1" fill="hold">
+                                          <p:stCondLst>
+                                            <p:cond delay="0"/>
+                                          </p:stCondLst>
+                                        </p:cTn>
+                                        <p:tgtEl>
+                                          <p:spTgt spid="83"/>
+                                        </p:tgtEl>
+                                        <p:attrNameLst>
+                                          <p:attrName>style.visibility</p:attrName>
+                                        </p:attrNameLst>
+                                      </p:cBhvr>
+                                      <p:to>
+                                        <p:strVal val="visible"/>
+                                      </p:to>
+                                    </p:set>
+                                  </p:childTnLst>
+                                </p:cTn>
+                              </p:par>
+                              <p:par>
+                                <p:cTn id="11" presetID="1" presetClass="entr" presetSubtype="0" fill="hold" grpId="0" nodeType="withEffect">
+                                  <p:stCondLst>
+                                    <p:cond delay="500"/>
+                                  </p:stCondLst>
+                                  <p:childTnLst>
+                                    <p:set>
+                                      <p:cBhvr>
+                                        <p:cTn id="12" dur="1" fill="hold">
+                                          <p:stCondLst>
+                                            <p:cond delay="0"/>
+                                          </p:stCondLst>
+                                        </p:cTn>
+                                        <p:tgtEl>
+                                          <p:spTgt spid="84"/>
+                                        </p:tgtEl>
+                                        <p:attrNameLst>
+                                          <p:attrName>style.visibility</p:attrName>
+                                        </p:attrNameLst>
+                                      </p:cBhvr>
+                                      <p:to>
+                                        <p:strVal val="visible"/>
+                                      </p:to>
+                                    </p:set>
+                                  </p:childTnLst>
+                                </p:cTn>
+                              </p:par>
+                              <p:par>
+                                <p:cTn id="13" presetID="1" presetClass="entr" presetSubtype="0" fill="hold" grpId="0" nodeType="withEffect">
+                                  <p:stCondLst>
+                                    <p:cond delay="500"/>
+                                  </p:stCondLst>
+                                  <p:childTnLst>
+                                    <p:set>
+                                      <p:cBhvr>
+                                        <p:cTn id="14" dur="1" fill="hold">
+                                          <p:stCondLst>
+                                            <p:cond delay="0"/>
+                                          </p:stCondLst>
+                                        </p:cTn>
+                                        <p:tgtEl>
+                                          <p:spTgt spid="85"/>
+                                        </p:tgtEl>
+                                        <p:attrNameLst>
+                                          <p:attrName>style.visibility</p:attrName>
+                                        </p:attrNameLst>
+                                      </p:cBhvr>
+                                      <p:to>
+                                        <p:strVal val="visible"/>
+                                      </p:to>
+                                    </p:set>
+                                  </p:childTnLst>
+                                </p:cTn>
+                              </p:par>
+                              <p:par>
+                                <p:cTn id="15" presetID="1" presetClass="entr" presetSubtype="0" fill="hold" grpId="0" nodeType="withEffect">
+                                  <p:stCondLst>
+                                    <p:cond delay="500"/>
+                                  </p:stCondLst>
+                                  <p:childTnLst>
+                                    <p:set>
+                                      <p:cBhvr>
+                                        <p:cTn id="16" dur="1" fill="hold">
+                                          <p:stCondLst>
+                                            <p:cond delay="0"/>
+                                          </p:stCondLst>
+                                        </p:cTn>
+                                        <p:tgtEl>
+                                          <p:spTgt spid="88"/>
+                                        </p:tgtEl>
+                                        <p:attrNameLst>
+                                          <p:attrName>style.visibility</p:attrName>
+                                        </p:attrNameLst>
+                                      </p:cBhvr>
+                                      <p:to>
+                                        <p:strVal val="visible"/>
+                                      </p:to>
+                                    </p:set>
+                                  </p:childTnLst>
+                                </p:cTn>
+                              </p:par>
+                              <p:par>
+                                <p:cTn id="17" presetID="1" presetClass="entr" presetSubtype="0" fill="hold" nodeType="withEffect">
+                                  <p:stCondLst>
+                                    <p:cond delay="0"/>
+                                  </p:stCondLst>
+                                  <p:childTnLst>
+                                    <p:set>
+                                      <p:cBhvr>
+                                        <p:cTn id="18" dur="1" fill="hold">
+                                          <p:stCondLst>
+                                            <p:cond delay="0"/>
+                                          </p:stCondLst>
+                                        </p:cTn>
+                                        <p:tgtEl>
+                                          <p:spTgt spid="89"/>
+                                        </p:tgtEl>
+                                        <p:attrNameLst>
+                                          <p:attrName>style.visibility</p:attrName>
+                                        </p:attrNameLst>
+                                      </p:cBhvr>
+                                      <p:to>
+                                        <p:strVal val="visible"/>
+                                      </p:to>
+                                    </p:set>
+                                  </p:childTnLst>
+                                </p:cTn>
+                              </p:par>
+                            </p:childTnLst>
+                          </p:cTn>
+                        </p:par>
+                      </p:childTnLst>
+                    </p:cTn>
+                  </p:par>
+                </p:childTnLst>
+              </p:cTn>
+              <p:prevCondLst>
+                <p:cond evt="onPrev" delay="0">
+                  <p:tgtEl>
+                    <p:sldTgt/>
+                  </p:tgtEl>
+                </p:cond>
+              </p:prevCondLst>
+              <p:nextCondLst>
+                <p:cond evt="onNext" delay="0">
+                  <p:tgtEl>
+                    <p:sldTgt/>
+                  </p:tgtEl>
+                </p:cond>
+              </p:nextCondLst>
+            </p:seq>
+          </p:childTnLst>
+        </p:cTn>
+      </p:par>
+    </p:tnLst>
+    <p:bldLst>
+      <p:bldP spid="85" grpId="0" animBg="1"/>
+      <p:bldP spid="84" grpId="0" animBg="1"/>
+      <p:bldP spid="83" grpId="0" animBg="1"/>
+      <p:bldP spid="78" grpId="0" animBg="1"/>
+      <p:bldP spid="88" grpId="0" animBg="1"/>
+    </p:bldLst>
+  </p:timing>
+</p:sld>
+</file>
+
+<file path=ppt/slides/slide8.xml><?xml version="1.0" encoding="utf-8"?>
+<p:sld xmlns:a="http://schemas.openxmlformats.org/drawingml/2006/main" xmlns:r="http://schemas.openxmlformats.org/officeDocument/2006/relationships" xmlns:p="http://schemas.openxmlformats.org/presentationml/2006/main">
+  <p:cSld>
+    <p:spTree>
+      <p:nvGrpSpPr>
+        <p:cNvPr id="1" name=""/>
+        <p:cNvGrpSpPr/>
+        <p:nvPr/>
+      </p:nvGrpSpPr>
+      <p:grpSpPr>
+        <a:xfrm>
+          <a:off x="0" y="0"/>
+          <a:ext cx="0" cy="0"/>
+          <a:chOff x="0" y="0"/>
+          <a:chExt cx="0" cy="0"/>
+        </a:xfrm>
+      </p:grpSpPr>
+      <p:sp>
+        <p:nvSpPr>
+          <p:cNvPr id="22" name="Rectangle 21">
+            <a:extLst>
+              <a:ext uri="{FF2B5EF4-FFF2-40B4-BE49-F238E27FC236}">
+                <a16:creationId xmlns:a16="http://schemas.microsoft.com/office/drawing/2014/main" id="{FFA5A827-A9DD-AB47-8F53-AFA65D2B125B}"/>
+              </a:ext>
+            </a:extLst>
+          </p:cNvPr>
+          <p:cNvSpPr/>
+          <p:nvPr/>
+        </p:nvSpPr>
+        <p:spPr>
+          <a:xfrm>
+            <a:off x="5189404" y="1792272"/>
+            <a:ext cx="4195584" cy="2409058"/>
+          </a:xfrm>
+          <a:prstGeom prst="rect">
+            <a:avLst/>
+          </a:prstGeom>
+          <a:noFill/>
+          <a:ln w="12700">
+            <a:solidFill>
+              <a:srgbClr val="418926"/>
+            </a:solidFill>
+          </a:ln>
+        </p:spPr>
+        <p:style>
+          <a:lnRef idx="2">
+            <a:schemeClr val="accent1">
+              <a:shade val="50000"/>
+            </a:schemeClr>
+          </a:lnRef>
+          <a:fillRef idx="1">
+            <a:schemeClr val="accent1"/>
+          </a:fillRef>
+          <a:effectRef idx="0">
+            <a:schemeClr val="accent1"/>
+          </a:effectRef>
+          <a:fontRef idx="minor">
+            <a:schemeClr val="lt1"/>
+          </a:fontRef>
+        </p:style>
+        <p:txBody>
+          <a:bodyPr rot="0" spcFirstLastPara="0" vertOverflow="overflow" horzOverflow="overflow" vert="horz" wrap="square" lIns="457200" tIns="91440" rIns="91440" bIns="45720" numCol="1" spcCol="0" rtlCol="0" fromWordArt="0" anchor="t" anchorCtr="0" forceAA="0" compatLnSpc="1">
+            <a:prstTxWarp prst="textNoShape">
+              <a:avLst/>
+            </a:prstTxWarp>
+            <a:noAutofit/>
+          </a:bodyPr>
+          <a:lstStyle/>
+          <a:p>
+            <a:pPr algn="l"/>
+            <a:r>
+              <a:rPr lang="en-US" sz="1200" dirty="0">
+                <a:ln w="0"/>
+                <a:solidFill>
+                  <a:srgbClr val="FF5745"/>
+                </a:solidFill>
+              </a:rPr>
+              <a:t>AWS IoT Core</a:t>
+            </a:r>
+          </a:p>
+        </p:txBody>
+      </p:sp>
+      <p:sp>
+        <p:nvSpPr>
+          <p:cNvPr id="16" name="Rectangle 15">
+            <a:extLst>
+              <a:ext uri="{FF2B5EF4-FFF2-40B4-BE49-F238E27FC236}">
+                <a16:creationId xmlns:a16="http://schemas.microsoft.com/office/drawing/2014/main" id="{3DF38C01-2B5C-C74F-B288-E5C4C9CD109A}"/>
+              </a:ext>
+            </a:extLst>
+          </p:cNvPr>
+          <p:cNvSpPr/>
+          <p:nvPr/>
+        </p:nvSpPr>
+        <p:spPr>
+          <a:xfrm>
+            <a:off x="1086162" y="2370077"/>
+            <a:ext cx="3523938" cy="1583348"/>
+          </a:xfrm>
+          <a:prstGeom prst="rect">
+            <a:avLst/>
+          </a:prstGeom>
+          <a:noFill/>
+          <a:ln w="12700">
+            <a:solidFill>
+              <a:schemeClr val="accent1"/>
+            </a:solidFill>
+          </a:ln>
+        </p:spPr>
+        <p:style>
+          <a:lnRef idx="2">
+            <a:schemeClr val="accent1">
+              <a:shade val="50000"/>
+            </a:schemeClr>
+          </a:lnRef>
+          <a:fillRef idx="1">
+            <a:schemeClr val="accent1"/>
+          </a:fillRef>
+          <a:effectRef idx="0">
+            <a:schemeClr val="accent1"/>
+          </a:effectRef>
+          <a:fontRef idx="minor">
+            <a:schemeClr val="lt1"/>
+          </a:fontRef>
+        </p:style>
+        <p:txBody>
+          <a:bodyPr rot="0" spcFirstLastPara="0" vertOverflow="overflow" horzOverflow="overflow" vert="horz" wrap="square" lIns="457200" tIns="91440" rIns="91440" bIns="45720" numCol="1" spcCol="0" rtlCol="0" fromWordArt="0" anchor="t" anchorCtr="0" forceAA="0" compatLnSpc="1">
+            <a:prstTxWarp prst="textNoShape">
+              <a:avLst/>
+            </a:prstTxWarp>
+            <a:noAutofit/>
+          </a:bodyPr>
+          <a:lstStyle/>
+          <a:p>
+            <a:pPr algn="l"/>
+            <a:r>
+              <a:rPr lang="en-US" sz="1200" dirty="0">
+                <a:ln w="0"/>
+                <a:solidFill>
+                  <a:schemeClr val="accent1"/>
+                </a:solidFill>
+              </a:rPr>
+              <a:t>EC2 instance contents</a:t>
+            </a:r>
+          </a:p>
+        </p:txBody>
+      </p:sp>
+      <p:sp>
+        <p:nvSpPr>
+          <p:cNvPr id="6" name="Rectangle 5">
+            <a:extLst>
+              <a:ext uri="{FF2B5EF4-FFF2-40B4-BE49-F238E27FC236}">
+                <a16:creationId xmlns:a16="http://schemas.microsoft.com/office/drawing/2014/main" id="{6EC1D34F-5DF2-6940-AA98-C1F7A9563946}"/>
+              </a:ext>
+            </a:extLst>
+          </p:cNvPr>
+          <p:cNvSpPr/>
+          <p:nvPr/>
+        </p:nvSpPr>
+        <p:spPr>
+          <a:xfrm>
+            <a:off x="755963" y="1777503"/>
+            <a:ext cx="4195584" cy="2409058"/>
+          </a:xfrm>
+          <a:prstGeom prst="rect">
+            <a:avLst/>
+          </a:prstGeom>
+          <a:noFill/>
+          <a:ln w="12700">
+            <a:solidFill>
+              <a:schemeClr val="accent6"/>
+            </a:solidFill>
+          </a:ln>
+        </p:spPr>
+        <p:style>
+          <a:lnRef idx="2">
+            <a:schemeClr val="accent1">
+              <a:shade val="50000"/>
+            </a:schemeClr>
+          </a:lnRef>
+          <a:fillRef idx="1">
+            <a:schemeClr val="accent1"/>
+          </a:fillRef>
+          <a:effectRef idx="0">
+            <a:schemeClr val="accent1"/>
+          </a:effectRef>
+          <a:fontRef idx="minor">
+            <a:schemeClr val="lt1"/>
+          </a:fontRef>
+        </p:style>
+        <p:txBody>
+          <a:bodyPr rot="0" spcFirstLastPara="0" vertOverflow="overflow" horzOverflow="overflow" vert="horz" wrap="square" lIns="457200" tIns="91440" rIns="91440" bIns="45720" numCol="1" spcCol="0" rtlCol="0" fromWordArt="0" anchor="t" anchorCtr="0" forceAA="0" compatLnSpc="1">
+            <a:prstTxWarp prst="textNoShape">
+              <a:avLst/>
+            </a:prstTxWarp>
+            <a:noAutofit/>
+          </a:bodyPr>
+          <a:lstStyle/>
+          <a:p>
+            <a:pPr algn="l"/>
+            <a:r>
+              <a:rPr lang="en-US" sz="1200" dirty="0">
+                <a:ln w="0"/>
+                <a:solidFill>
+                  <a:schemeClr val="accent6"/>
+                </a:solidFill>
+              </a:rPr>
+              <a:t>Operator VPC</a:t>
+            </a:r>
+          </a:p>
+        </p:txBody>
+      </p:sp>
+      <p:sp>
+        <p:nvSpPr>
+          <p:cNvPr id="85" name="Rectangle 84">
+            <a:extLst>
+              <a:ext uri="{FF2B5EF4-FFF2-40B4-BE49-F238E27FC236}">
+                <a16:creationId xmlns:a16="http://schemas.microsoft.com/office/drawing/2014/main" id="{701B42EA-FE20-7348-816B-67AE7CA9BCCA}"/>
+              </a:ext>
+            </a:extLst>
+          </p:cNvPr>
+          <p:cNvSpPr/>
+          <p:nvPr/>
+        </p:nvSpPr>
+        <p:spPr>
+          <a:xfrm rot="5400000">
+            <a:off x="1211060" y="4203900"/>
+            <a:ext cx="1110533" cy="228409"/>
+          </a:xfrm>
+          <a:prstGeom prst="rect">
+            <a:avLst/>
+          </a:prstGeom>
+          <a:solidFill>
+            <a:srgbClr val="D3F0F9"/>
+          </a:solidFill>
+          <a:ln>
+            <a:noFill/>
+          </a:ln>
+          <a:effectLst/>
+        </p:spPr>
+        <p:style>
+          <a:lnRef idx="1">
+            <a:schemeClr val="accent1"/>
+          </a:lnRef>
+          <a:fillRef idx="3">
+            <a:schemeClr val="accent1"/>
+          </a:fillRef>
+          <a:effectRef idx="2">
+            <a:schemeClr val="accent1"/>
+          </a:effectRef>
+          <a:fontRef idx="minor">
+            <a:schemeClr val="lt1"/>
+          </a:fontRef>
+        </p:style>
+        <p:txBody>
+          <a:bodyPr rtlCol="0" anchor="ctr"/>
+          <a:lstStyle/>
+          <a:p>
+            <a:pPr algn="ctr"/>
+            <a:endParaRPr lang="en-US" dirty="0"/>
+          </a:p>
+        </p:txBody>
+      </p:sp>
+      <p:sp>
+        <p:nvSpPr>
+          <p:cNvPr id="10" name="Rectangle 9">
+            <a:extLst>
+              <a:ext uri="{FF2B5EF4-FFF2-40B4-BE49-F238E27FC236}">
+                <a16:creationId xmlns:a16="http://schemas.microsoft.com/office/drawing/2014/main" id="{03B0C1E4-A403-D14A-AAE6-10A7057CB0F7}"/>
+              </a:ext>
+            </a:extLst>
+          </p:cNvPr>
+          <p:cNvSpPr/>
+          <p:nvPr/>
+        </p:nvSpPr>
+        <p:spPr>
+          <a:xfrm>
+            <a:off x="9907059" y="2372470"/>
+            <a:ext cx="3371548" cy="1580955"/>
+          </a:xfrm>
+          <a:prstGeom prst="rect">
+            <a:avLst/>
+          </a:prstGeom>
+          <a:noFill/>
+          <a:ln w="12700">
+            <a:solidFill>
+              <a:schemeClr val="accent1"/>
+            </a:solidFill>
+          </a:ln>
+        </p:spPr>
+        <p:style>
+          <a:lnRef idx="2">
+            <a:schemeClr val="accent1">
+              <a:shade val="50000"/>
+            </a:schemeClr>
+          </a:lnRef>
+          <a:fillRef idx="1">
+            <a:schemeClr val="accent1"/>
+          </a:fillRef>
+          <a:effectRef idx="0">
+            <a:schemeClr val="accent1"/>
+          </a:effectRef>
+          <a:fontRef idx="minor">
+            <a:schemeClr val="lt1"/>
+          </a:fontRef>
+        </p:style>
+        <p:txBody>
+          <a:bodyPr rot="0" spcFirstLastPara="0" vertOverflow="overflow" horzOverflow="overflow" vert="horz" wrap="square" lIns="457200" tIns="91440" rIns="91440" bIns="45720" numCol="1" spcCol="0" rtlCol="0" fromWordArt="0" anchor="t" anchorCtr="0" forceAA="0" compatLnSpc="1">
+            <a:prstTxWarp prst="textNoShape">
+              <a:avLst/>
+            </a:prstTxWarp>
+            <a:noAutofit/>
+          </a:bodyPr>
+          <a:lstStyle/>
+          <a:p>
+            <a:r>
+              <a:rPr lang="en-US" sz="1200" dirty="0">
+                <a:ln w="0"/>
+                <a:solidFill>
+                  <a:schemeClr val="accent1"/>
+                </a:solidFill>
+              </a:rPr>
+              <a:t>EC2 Secure Tunnel Multiplex Demo</a:t>
+            </a:r>
+          </a:p>
+        </p:txBody>
+      </p:sp>
+      <p:sp>
+        <p:nvSpPr>
+          <p:cNvPr id="4" name="Rectangle 3">
+            <a:extLst>
+              <a:ext uri="{FF2B5EF4-FFF2-40B4-BE49-F238E27FC236}">
+                <a16:creationId xmlns:a16="http://schemas.microsoft.com/office/drawing/2014/main" id="{2AF86E18-C11F-EB4C-B6C5-B705F96A7A87}"/>
+              </a:ext>
+            </a:extLst>
+          </p:cNvPr>
+          <p:cNvSpPr/>
+          <p:nvPr/>
+        </p:nvSpPr>
+        <p:spPr>
+          <a:xfrm>
+            <a:off x="9628785" y="1812736"/>
+            <a:ext cx="3915451" cy="2409057"/>
+          </a:xfrm>
+          <a:prstGeom prst="rect">
+            <a:avLst/>
+          </a:prstGeom>
+          <a:noFill/>
+          <a:ln w="12700">
+            <a:solidFill>
+              <a:schemeClr val="accent6"/>
+            </a:solidFill>
+          </a:ln>
+        </p:spPr>
+        <p:style>
+          <a:lnRef idx="2">
+            <a:schemeClr val="accent1">
+              <a:shade val="50000"/>
+            </a:schemeClr>
+          </a:lnRef>
+          <a:fillRef idx="1">
+            <a:schemeClr val="accent1"/>
+          </a:fillRef>
+          <a:effectRef idx="0">
+            <a:schemeClr val="accent1"/>
+          </a:effectRef>
+          <a:fontRef idx="minor">
+            <a:schemeClr val="lt1"/>
+          </a:fontRef>
+        </p:style>
+        <p:txBody>
+          <a:bodyPr rot="0" spcFirstLastPara="0" vertOverflow="overflow" horzOverflow="overflow" vert="horz" wrap="square" lIns="457200" tIns="91440" rIns="91440" bIns="45720" numCol="1" spcCol="0" rtlCol="0" fromWordArt="0" anchor="t" anchorCtr="0" forceAA="0" compatLnSpc="1">
+            <a:prstTxWarp prst="textNoShape">
+              <a:avLst/>
+            </a:prstTxWarp>
+            <a:noAutofit/>
+          </a:bodyPr>
+          <a:lstStyle/>
+          <a:p>
+            <a:pPr algn="l"/>
+            <a:r>
+              <a:rPr lang="en-US" sz="1200" dirty="0">
+                <a:ln w="0"/>
+                <a:solidFill>
+                  <a:schemeClr val="accent6"/>
+                </a:solidFill>
+              </a:rPr>
+              <a:t>Device VPC</a:t>
+            </a:r>
+          </a:p>
+        </p:txBody>
+      </p:sp>
+      <p:sp>
+        <p:nvSpPr>
+          <p:cNvPr id="84" name="Rectangle 83">
+            <a:extLst>
+              <a:ext uri="{FF2B5EF4-FFF2-40B4-BE49-F238E27FC236}">
+                <a16:creationId xmlns:a16="http://schemas.microsoft.com/office/drawing/2014/main" id="{33A67670-8F3B-2940-82D1-E4F9726FE2EA}"/>
+              </a:ext>
+            </a:extLst>
+          </p:cNvPr>
+          <p:cNvSpPr/>
+          <p:nvPr/>
+        </p:nvSpPr>
+        <p:spPr>
+          <a:xfrm rot="5400000">
+            <a:off x="12093184" y="4335245"/>
+            <a:ext cx="1110533" cy="228409"/>
+          </a:xfrm>
+          <a:prstGeom prst="rect">
+            <a:avLst/>
+          </a:prstGeom>
+          <a:solidFill>
+            <a:srgbClr val="D3F0F9"/>
+          </a:solidFill>
+          <a:ln>
+            <a:noFill/>
+          </a:ln>
+          <a:effectLst/>
+        </p:spPr>
+        <p:style>
+          <a:lnRef idx="1">
+            <a:schemeClr val="accent1"/>
+          </a:lnRef>
+          <a:fillRef idx="3">
+            <a:schemeClr val="accent1"/>
+          </a:fillRef>
+          <a:effectRef idx="2">
+            <a:schemeClr val="accent1"/>
+          </a:effectRef>
+          <a:fontRef idx="minor">
+            <a:schemeClr val="lt1"/>
+          </a:fontRef>
+        </p:style>
+        <p:txBody>
+          <a:bodyPr rtlCol="0" anchor="ctr"/>
+          <a:lstStyle/>
+          <a:p>
+            <a:pPr algn="ctr"/>
+            <a:endParaRPr lang="en-US" dirty="0"/>
+          </a:p>
+        </p:txBody>
+      </p:sp>
+      <p:sp>
+        <p:nvSpPr>
+          <p:cNvPr id="83" name="Rectangle 82">
+            <a:extLst>
+              <a:ext uri="{FF2B5EF4-FFF2-40B4-BE49-F238E27FC236}">
+                <a16:creationId xmlns:a16="http://schemas.microsoft.com/office/drawing/2014/main" id="{098330D2-2B8E-BC49-BF8A-F5E6CD31ADB5}"/>
+              </a:ext>
+            </a:extLst>
+          </p:cNvPr>
+          <p:cNvSpPr/>
+          <p:nvPr/>
+        </p:nvSpPr>
+        <p:spPr>
+          <a:xfrm>
+            <a:off x="1652122" y="4776307"/>
+            <a:ext cx="4380379" cy="228409"/>
+          </a:xfrm>
+          <a:prstGeom prst="rect">
+            <a:avLst/>
+          </a:prstGeom>
+          <a:solidFill>
+            <a:srgbClr val="D3F0F9"/>
+          </a:solidFill>
+          <a:ln>
+            <a:noFill/>
+          </a:ln>
+          <a:effectLst/>
+        </p:spPr>
+        <p:style>
+          <a:lnRef idx="1">
+            <a:schemeClr val="accent1"/>
+          </a:lnRef>
+          <a:fillRef idx="3">
+            <a:schemeClr val="accent1"/>
+          </a:fillRef>
+          <a:effectRef idx="2">
+            <a:schemeClr val="accent1"/>
+          </a:effectRef>
+          <a:fontRef idx="minor">
+            <a:schemeClr val="lt1"/>
+          </a:fontRef>
+        </p:style>
+        <p:txBody>
+          <a:bodyPr rtlCol="0" anchor="ctr"/>
+          <a:lstStyle/>
+          <a:p>
+            <a:pPr algn="ctr"/>
+            <a:endParaRPr lang="en-US" dirty="0"/>
+          </a:p>
+        </p:txBody>
+      </p:sp>
+      <p:sp>
+        <p:nvSpPr>
+          <p:cNvPr id="2" name="Title 1">
+            <a:extLst>
+              <a:ext uri="{FF2B5EF4-FFF2-40B4-BE49-F238E27FC236}">
+                <a16:creationId xmlns:a16="http://schemas.microsoft.com/office/drawing/2014/main" id="{05A28F45-E2E9-6141-A33F-875111AD7622}"/>
+              </a:ext>
+            </a:extLst>
+          </p:cNvPr>
+          <p:cNvSpPr>
+            <a:spLocks noGrp="1"/>
+          </p:cNvSpPr>
+          <p:nvPr>
+            <p:ph type="title"/>
+          </p:nvPr>
+        </p:nvSpPr>
+        <p:spPr>
+          <a:xfrm>
+            <a:off x="548639" y="183898"/>
+            <a:ext cx="13514832" cy="904122"/>
+          </a:xfrm>
+        </p:spPr>
+        <p:txBody>
+          <a:bodyPr/>
+          <a:lstStyle/>
+          <a:p>
+            <a:r>
+              <a:rPr lang="en-US" dirty="0"/>
+              <a:t>SSH</a:t>
+            </a:r>
+          </a:p>
+        </p:txBody>
+      </p:sp>
+      <p:pic>
+        <p:nvPicPr>
+          <p:cNvPr id="5" name="Graphic 4">
+            <a:extLst>
+              <a:ext uri="{FF2B5EF4-FFF2-40B4-BE49-F238E27FC236}">
+                <a16:creationId xmlns:a16="http://schemas.microsoft.com/office/drawing/2014/main" id="{455B254A-DE87-7E42-8DD7-4F803CE55D4A}"/>
+              </a:ext>
+            </a:extLst>
+          </p:cNvPr>
+          <p:cNvPicPr>
+            <a:picLocks noChangeAspect="1"/>
+          </p:cNvPicPr>
+          <p:nvPr/>
+        </p:nvPicPr>
+        <p:blipFill>
+          <a:blip r:embed="rId3">
+            <a:extLst>
+              <a:ext uri="{96DAC541-7B7A-43D3-8B79-37D633B846F1}">
+                <asvg:svgBlip xmlns:asvg="http://schemas.microsoft.com/office/drawing/2016/SVG/main" r:embed="rId4"/>
+              </a:ext>
+            </a:extLst>
+          </a:blip>
+          <a:stretch>
+            <a:fillRect/>
+          </a:stretch>
+        </p:blipFill>
+        <p:spPr>
+          <a:xfrm>
+            <a:off x="9628787" y="1812737"/>
+            <a:ext cx="330200" cy="330200"/>
+          </a:xfrm>
+          <a:prstGeom prst="rect">
+            <a:avLst/>
+          </a:prstGeom>
+        </p:spPr>
+      </p:pic>
+      <p:pic>
+        <p:nvPicPr>
+          <p:cNvPr id="7" name="Graphic 6">
+            <a:extLst>
+              <a:ext uri="{FF2B5EF4-FFF2-40B4-BE49-F238E27FC236}">
+                <a16:creationId xmlns:a16="http://schemas.microsoft.com/office/drawing/2014/main" id="{3A860373-5E4B-5842-BE62-9B34FF75DF29}"/>
+              </a:ext>
+            </a:extLst>
+          </p:cNvPr>
+          <p:cNvPicPr>
+            <a:picLocks noChangeAspect="1"/>
+          </p:cNvPicPr>
+          <p:nvPr/>
+        </p:nvPicPr>
+        <p:blipFill>
+          <a:blip r:embed="rId3">
+            <a:extLst>
+              <a:ext uri="{96DAC541-7B7A-43D3-8B79-37D633B846F1}">
+                <asvg:svgBlip xmlns:asvg="http://schemas.microsoft.com/office/drawing/2016/SVG/main" r:embed="rId4"/>
+              </a:ext>
+            </a:extLst>
+          </a:blip>
+          <a:stretch>
+            <a:fillRect/>
+          </a:stretch>
+        </p:blipFill>
+        <p:spPr>
+          <a:xfrm>
+            <a:off x="755962" y="1777503"/>
+            <a:ext cx="330200" cy="330200"/>
+          </a:xfrm>
+          <a:prstGeom prst="rect">
+            <a:avLst/>
+          </a:prstGeom>
+        </p:spPr>
+      </p:pic>
+      <p:sp>
+        <p:nvSpPr>
+          <p:cNvPr id="9" name="TextBox 8">
+            <a:extLst>
+              <a:ext uri="{FF2B5EF4-FFF2-40B4-BE49-F238E27FC236}">
+                <a16:creationId xmlns:a16="http://schemas.microsoft.com/office/drawing/2014/main" id="{B26B2C15-7C1A-FB40-83B5-AFF4E34D3B22}"/>
+              </a:ext>
+            </a:extLst>
+          </p:cNvPr>
+          <p:cNvSpPr txBox="1"/>
+          <p:nvPr/>
+        </p:nvSpPr>
+        <p:spPr>
+          <a:xfrm>
+            <a:off x="9996792" y="3591826"/>
+            <a:ext cx="1061268" cy="204749"/>
+          </a:xfrm>
+          <a:prstGeom prst="rect">
+            <a:avLst/>
+          </a:prstGeom>
+          <a:noFill/>
+        </p:spPr>
+        <p:txBody>
+          <a:bodyPr wrap="square" lIns="0" tIns="0" rIns="0" bIns="0" rtlCol="0" anchor="t">
+            <a:noAutofit/>
+          </a:bodyPr>
+          <a:lstStyle/>
+          <a:p>
+            <a:pPr algn="ctr"/>
+            <a:r>
+              <a:rPr lang="en-US" sz="1400" dirty="0"/>
+              <a:t>device agent</a:t>
+            </a:r>
+          </a:p>
+        </p:txBody>
+      </p:sp>
+      <p:pic>
+        <p:nvPicPr>
+          <p:cNvPr id="11" name="Graphic 10">
+            <a:extLst>
+              <a:ext uri="{FF2B5EF4-FFF2-40B4-BE49-F238E27FC236}">
+                <a16:creationId xmlns:a16="http://schemas.microsoft.com/office/drawing/2014/main" id="{8550801C-45E6-4646-BF4C-A5B80F2EA011}"/>
+              </a:ext>
+            </a:extLst>
+          </p:cNvPr>
+          <p:cNvPicPr>
+            <a:picLocks noChangeAspect="1"/>
+          </p:cNvPicPr>
+          <p:nvPr/>
+        </p:nvPicPr>
+        <p:blipFill>
+          <a:blip r:embed="rId5">
+            <a:extLst>
+              <a:ext uri="{96DAC541-7B7A-43D3-8B79-37D633B846F1}">
+                <asvg:svgBlip xmlns:asvg="http://schemas.microsoft.com/office/drawing/2016/SVG/main" r:embed="rId6"/>
+              </a:ext>
+            </a:extLst>
+          </a:blip>
+          <a:stretch>
+            <a:fillRect/>
+          </a:stretch>
+        </p:blipFill>
+        <p:spPr>
+          <a:xfrm>
+            <a:off x="9907059" y="2372471"/>
+            <a:ext cx="330200" cy="330200"/>
+          </a:xfrm>
+          <a:prstGeom prst="rect">
+            <a:avLst/>
+          </a:prstGeom>
+        </p:spPr>
+      </p:pic>
+      <p:sp>
+        <p:nvSpPr>
+          <p:cNvPr id="13" name="TextBox 12">
+            <a:extLst>
+              <a:ext uri="{FF2B5EF4-FFF2-40B4-BE49-F238E27FC236}">
+                <a16:creationId xmlns:a16="http://schemas.microsoft.com/office/drawing/2014/main" id="{9E7B7CBD-AC80-3042-B2AD-C88A22C75FAB}"/>
+              </a:ext>
+            </a:extLst>
+          </p:cNvPr>
+          <p:cNvSpPr txBox="1"/>
+          <p:nvPr/>
+        </p:nvSpPr>
+        <p:spPr>
+          <a:xfrm>
+            <a:off x="2853001" y="3519282"/>
+            <a:ext cx="1506552" cy="307777"/>
+          </a:xfrm>
+          <a:prstGeom prst="rect">
+            <a:avLst/>
+          </a:prstGeom>
+          <a:noFill/>
+        </p:spPr>
+        <p:txBody>
+          <a:bodyPr wrap="square" rtlCol="0">
+            <a:spAutoFit/>
+          </a:bodyPr>
+          <a:lstStyle/>
+          <a:p>
+            <a:pPr algn="ctr"/>
+            <a:r>
+              <a:rPr lang="en-US" sz="1400" dirty="0"/>
+              <a:t>AWS Cloud9</a:t>
+            </a:r>
+          </a:p>
+        </p:txBody>
+      </p:sp>
+      <p:pic>
+        <p:nvPicPr>
+          <p:cNvPr id="14" name="Graphic 13">
+            <a:extLst>
+              <a:ext uri="{FF2B5EF4-FFF2-40B4-BE49-F238E27FC236}">
+                <a16:creationId xmlns:a16="http://schemas.microsoft.com/office/drawing/2014/main" id="{D0FFD2A5-01BF-6149-9005-E89CF879499D}"/>
+              </a:ext>
+            </a:extLst>
+          </p:cNvPr>
+          <p:cNvPicPr>
+            <a:picLocks noChangeAspect="1"/>
+          </p:cNvPicPr>
+          <p:nvPr/>
+        </p:nvPicPr>
+        <p:blipFill>
+          <a:blip r:embed="rId7">
+            <a:extLst>
+              <a:ext uri="{96DAC541-7B7A-43D3-8B79-37D633B846F1}">
+                <asvg:svgBlip xmlns:asvg="http://schemas.microsoft.com/office/drawing/2016/SVG/main" r:embed="rId8"/>
+              </a:ext>
+            </a:extLst>
+          </a:blip>
+          <a:stretch>
+            <a:fillRect/>
+          </a:stretch>
+        </p:blipFill>
+        <p:spPr>
+          <a:xfrm>
+            <a:off x="3250677" y="2787390"/>
+            <a:ext cx="711200" cy="711200"/>
+          </a:xfrm>
+          <a:prstGeom prst="rect">
+            <a:avLst/>
+          </a:prstGeom>
+        </p:spPr>
+      </p:pic>
+      <p:pic>
+        <p:nvPicPr>
+          <p:cNvPr id="17" name="Graphic 16">
+            <a:extLst>
+              <a:ext uri="{FF2B5EF4-FFF2-40B4-BE49-F238E27FC236}">
+                <a16:creationId xmlns:a16="http://schemas.microsoft.com/office/drawing/2014/main" id="{527B4E0E-6779-7A40-87E7-CAA98DC3EB33}"/>
+              </a:ext>
+            </a:extLst>
+          </p:cNvPr>
+          <p:cNvPicPr>
+            <a:picLocks noChangeAspect="1"/>
+          </p:cNvPicPr>
+          <p:nvPr/>
+        </p:nvPicPr>
+        <p:blipFill>
+          <a:blip r:embed="rId5">
+            <a:extLst>
+              <a:ext uri="{96DAC541-7B7A-43D3-8B79-37D633B846F1}">
+                <asvg:svgBlip xmlns:asvg="http://schemas.microsoft.com/office/drawing/2016/SVG/main" r:embed="rId6"/>
+              </a:ext>
+            </a:extLst>
+          </a:blip>
+          <a:stretch>
+            <a:fillRect/>
+          </a:stretch>
+        </p:blipFill>
+        <p:spPr>
+          <a:xfrm>
+            <a:off x="1086163" y="2370076"/>
+            <a:ext cx="330200" cy="330200"/>
+          </a:xfrm>
+          <a:prstGeom prst="rect">
+            <a:avLst/>
+          </a:prstGeom>
+        </p:spPr>
+      </p:pic>
+      <p:sp>
+        <p:nvSpPr>
+          <p:cNvPr id="18" name="Rectangle 17">
+            <a:extLst>
+              <a:ext uri="{FF2B5EF4-FFF2-40B4-BE49-F238E27FC236}">
+                <a16:creationId xmlns:a16="http://schemas.microsoft.com/office/drawing/2014/main" id="{8C303FE8-05A8-0940-B22E-030485B41620}"/>
+              </a:ext>
+            </a:extLst>
+          </p:cNvPr>
+          <p:cNvSpPr/>
+          <p:nvPr/>
+        </p:nvSpPr>
+        <p:spPr>
+          <a:xfrm>
+            <a:off x="536762" y="1014266"/>
+            <a:ext cx="13337675" cy="4365811"/>
+          </a:xfrm>
+          <a:prstGeom prst="rect">
+            <a:avLst/>
+          </a:prstGeom>
+          <a:noFill/>
+          <a:ln w="12700">
+            <a:solidFill>
+              <a:srgbClr val="FAFAFA"/>
+            </a:solidFill>
+          </a:ln>
+        </p:spPr>
+        <p:style>
+          <a:lnRef idx="2">
+            <a:schemeClr val="accent1">
+              <a:shade val="50000"/>
+            </a:schemeClr>
+          </a:lnRef>
+          <a:fillRef idx="1">
+            <a:schemeClr val="accent1"/>
+          </a:fillRef>
+          <a:effectRef idx="0">
+            <a:schemeClr val="accent1"/>
+          </a:effectRef>
+          <a:fontRef idx="minor">
+            <a:schemeClr val="lt1"/>
+          </a:fontRef>
+        </p:style>
+        <p:txBody>
+          <a:bodyPr rot="0" spcFirstLastPara="0" vertOverflow="overflow" horzOverflow="overflow" vert="horz" wrap="square" lIns="457200" tIns="91440" rIns="91440" bIns="45720" numCol="1" spcCol="0" rtlCol="0" fromWordArt="0" anchor="t" anchorCtr="0" forceAA="0" compatLnSpc="1">
+            <a:prstTxWarp prst="textNoShape">
+              <a:avLst/>
+            </a:prstTxWarp>
+            <a:noAutofit/>
+          </a:bodyPr>
+          <a:lstStyle/>
+          <a:p>
+            <a:pPr algn="l"/>
+            <a:r>
+              <a:rPr lang="en-US" sz="1200" dirty="0">
+                <a:solidFill>
+                  <a:srgbClr val="FAFAFA"/>
+                </a:solidFill>
+              </a:rPr>
+              <a:t>AWS Cloud</a:t>
+            </a:r>
+          </a:p>
+        </p:txBody>
+      </p:sp>
+      <p:pic>
+        <p:nvPicPr>
+          <p:cNvPr id="19" name="Graphic 18">
+            <a:extLst>
+              <a:ext uri="{FF2B5EF4-FFF2-40B4-BE49-F238E27FC236}">
+                <a16:creationId xmlns:a16="http://schemas.microsoft.com/office/drawing/2014/main" id="{70EEFEA1-DD08-1E4E-B40B-387B419B449D}"/>
+              </a:ext>
+            </a:extLst>
+          </p:cNvPr>
+          <p:cNvPicPr>
+            <a:picLocks noChangeAspect="1"/>
+          </p:cNvPicPr>
+          <p:nvPr/>
+        </p:nvPicPr>
+        <p:blipFill>
+          <a:blip r:embed="rId9">
+            <a:extLst>
+              <a:ext uri="{96DAC541-7B7A-43D3-8B79-37D633B846F1}">
+                <asvg:svgBlip xmlns:asvg="http://schemas.microsoft.com/office/drawing/2016/SVG/main" r:embed="rId10"/>
+              </a:ext>
+            </a:extLst>
+          </a:blip>
+          <a:stretch>
+            <a:fillRect/>
+          </a:stretch>
+        </p:blipFill>
+        <p:spPr>
+          <a:xfrm>
+            <a:off x="536764" y="1014267"/>
+            <a:ext cx="330200" cy="330200"/>
+          </a:xfrm>
+          <a:prstGeom prst="rect">
+            <a:avLst/>
+          </a:prstGeom>
+        </p:spPr>
+      </p:pic>
+      <p:pic>
+        <p:nvPicPr>
+          <p:cNvPr id="24" name="Graphic 23">
+            <a:extLst>
+              <a:ext uri="{FF2B5EF4-FFF2-40B4-BE49-F238E27FC236}">
+                <a16:creationId xmlns:a16="http://schemas.microsoft.com/office/drawing/2014/main" id="{2DE8E22B-C86A-374D-931D-54E3D271922C}"/>
+              </a:ext>
+            </a:extLst>
+          </p:cNvPr>
+          <p:cNvPicPr>
+            <a:picLocks noChangeAspect="1"/>
+          </p:cNvPicPr>
+          <p:nvPr/>
+        </p:nvPicPr>
+        <p:blipFill>
+          <a:blip r:embed="rId11">
+            <a:extLst>
+              <a:ext uri="{96DAC541-7B7A-43D3-8B79-37D633B846F1}">
+                <asvg:svgBlip xmlns:asvg="http://schemas.microsoft.com/office/drawing/2016/SVG/main" r:embed="rId12"/>
+              </a:ext>
+            </a:extLst>
+          </a:blip>
+          <a:stretch>
+            <a:fillRect/>
+          </a:stretch>
+        </p:blipFill>
+        <p:spPr>
+          <a:xfrm>
+            <a:off x="5189072" y="1792271"/>
+            <a:ext cx="330200" cy="446135"/>
+          </a:xfrm>
+          <a:prstGeom prst="rect">
+            <a:avLst/>
+          </a:prstGeom>
+        </p:spPr>
+      </p:pic>
+      <p:sp>
+        <p:nvSpPr>
+          <p:cNvPr id="26" name="TextBox 25">
+            <a:extLst>
+              <a:ext uri="{FF2B5EF4-FFF2-40B4-BE49-F238E27FC236}">
+                <a16:creationId xmlns:a16="http://schemas.microsoft.com/office/drawing/2014/main" id="{4DBAC102-7287-ED4F-8B4F-C59DB714327C}"/>
+              </a:ext>
+            </a:extLst>
+          </p:cNvPr>
+          <p:cNvSpPr txBox="1"/>
+          <p:nvPr/>
+        </p:nvSpPr>
+        <p:spPr>
+          <a:xfrm>
+            <a:off x="5496667" y="3455310"/>
+            <a:ext cx="659293" cy="276999"/>
+          </a:xfrm>
+          <a:prstGeom prst="rect">
+            <a:avLst/>
+          </a:prstGeom>
+          <a:noFill/>
+        </p:spPr>
+        <p:txBody>
+          <a:bodyPr wrap="square" rtlCol="0">
+            <a:spAutoFit/>
+          </a:bodyPr>
+          <a:lstStyle/>
+          <a:p>
+            <a:pPr algn="ctr"/>
+            <a:r>
+              <a:rPr lang="en-US" sz="1200" dirty="0"/>
+              <a:t>tunnel</a:t>
+            </a:r>
+          </a:p>
+        </p:txBody>
+      </p:sp>
+      <p:sp>
+        <p:nvSpPr>
+          <p:cNvPr id="54" name="TextBox 53">
+            <a:extLst>
+              <a:ext uri="{FF2B5EF4-FFF2-40B4-BE49-F238E27FC236}">
+                <a16:creationId xmlns:a16="http://schemas.microsoft.com/office/drawing/2014/main" id="{E22189B5-FCD3-144F-BA14-5875F4C5E888}"/>
+              </a:ext>
+            </a:extLst>
+          </p:cNvPr>
+          <p:cNvSpPr txBox="1"/>
+          <p:nvPr/>
+        </p:nvSpPr>
+        <p:spPr>
+          <a:xfrm>
+            <a:off x="1167514" y="3481182"/>
+            <a:ext cx="1180427" cy="307777"/>
+          </a:xfrm>
+          <a:prstGeom prst="rect">
+            <a:avLst/>
+          </a:prstGeom>
+          <a:noFill/>
+        </p:spPr>
+        <p:txBody>
+          <a:bodyPr wrap="square" rtlCol="0">
+            <a:spAutoFit/>
+          </a:bodyPr>
+          <a:lstStyle/>
+          <a:p>
+            <a:pPr algn="ctr"/>
+            <a:r>
+              <a:rPr lang="en-US" sz="1400" dirty="0"/>
+              <a:t>local proxy</a:t>
+            </a:r>
+          </a:p>
+        </p:txBody>
+      </p:sp>
+      <p:pic>
+        <p:nvPicPr>
+          <p:cNvPr id="55" name="Graphic 54">
+            <a:extLst>
+              <a:ext uri="{FF2B5EF4-FFF2-40B4-BE49-F238E27FC236}">
+                <a16:creationId xmlns:a16="http://schemas.microsoft.com/office/drawing/2014/main" id="{C4DD3522-DD9D-AF4D-B66F-413650060C5A}"/>
+              </a:ext>
+            </a:extLst>
+          </p:cNvPr>
+          <p:cNvPicPr>
+            <a:picLocks noChangeAspect="1"/>
+          </p:cNvPicPr>
+          <p:nvPr/>
+        </p:nvPicPr>
+        <p:blipFill>
+          <a:blip r:embed="rId13">
+            <a:extLst>
+              <a:ext uri="{96DAC541-7B7A-43D3-8B79-37D633B846F1}">
+                <asvg:svgBlip xmlns:asvg="http://schemas.microsoft.com/office/drawing/2016/SVG/main" r:embed="rId14"/>
+              </a:ext>
+            </a:extLst>
+          </a:blip>
+          <a:stretch>
+            <a:fillRect/>
+          </a:stretch>
+        </p:blipFill>
+        <p:spPr>
+          <a:xfrm>
+            <a:off x="1351793" y="2749290"/>
+            <a:ext cx="787909" cy="787909"/>
+          </a:xfrm>
+          <a:prstGeom prst="rect">
+            <a:avLst/>
+          </a:prstGeom>
+        </p:spPr>
+      </p:pic>
+      <p:sp>
+        <p:nvSpPr>
+          <p:cNvPr id="57" name="TextBox 56">
+            <a:extLst>
+              <a:ext uri="{FF2B5EF4-FFF2-40B4-BE49-F238E27FC236}">
+                <a16:creationId xmlns:a16="http://schemas.microsoft.com/office/drawing/2014/main" id="{2143ED68-DA69-E546-9CF0-3BD538D3F0F3}"/>
+              </a:ext>
+            </a:extLst>
+          </p:cNvPr>
+          <p:cNvSpPr txBox="1"/>
+          <p:nvPr/>
+        </p:nvSpPr>
+        <p:spPr>
+          <a:xfrm>
+            <a:off x="12058240" y="3586404"/>
+            <a:ext cx="1180427" cy="307777"/>
+          </a:xfrm>
+          <a:prstGeom prst="rect">
+            <a:avLst/>
+          </a:prstGeom>
+          <a:noFill/>
+        </p:spPr>
+        <p:txBody>
+          <a:bodyPr wrap="square" rtlCol="0">
+            <a:spAutoFit/>
+          </a:bodyPr>
+          <a:lstStyle/>
+          <a:p>
+            <a:pPr algn="ctr"/>
+            <a:r>
+              <a:rPr lang="en-US" sz="1400" dirty="0"/>
+              <a:t>local proxy</a:t>
+            </a:r>
+          </a:p>
+        </p:txBody>
+      </p:sp>
+      <p:pic>
+        <p:nvPicPr>
+          <p:cNvPr id="60" name="Graphic 59">
+            <a:extLst>
+              <a:ext uri="{FF2B5EF4-FFF2-40B4-BE49-F238E27FC236}">
+                <a16:creationId xmlns:a16="http://schemas.microsoft.com/office/drawing/2014/main" id="{0DF9C51A-60AF-2E47-8447-4FECD9A9475D}"/>
+              </a:ext>
+            </a:extLst>
+          </p:cNvPr>
+          <p:cNvPicPr>
+            <a:picLocks noChangeAspect="1"/>
+          </p:cNvPicPr>
+          <p:nvPr/>
+        </p:nvPicPr>
+        <p:blipFill>
+          <a:blip r:embed="rId15">
+            <a:extLst>
+              <a:ext uri="{96DAC541-7B7A-43D3-8B79-37D633B846F1}">
+                <asvg:svgBlip xmlns:asvg="http://schemas.microsoft.com/office/drawing/2016/SVG/main" r:embed="rId16"/>
+              </a:ext>
+            </a:extLst>
+          </a:blip>
+          <a:stretch>
+            <a:fillRect/>
+          </a:stretch>
+        </p:blipFill>
+        <p:spPr>
+          <a:xfrm>
+            <a:off x="10131912" y="2835377"/>
+            <a:ext cx="787909" cy="787909"/>
+          </a:xfrm>
+          <a:prstGeom prst="rect">
+            <a:avLst/>
+          </a:prstGeom>
+        </p:spPr>
+      </p:pic>
+      <p:pic>
+        <p:nvPicPr>
+          <p:cNvPr id="61" name="Graphic 60">
+            <a:extLst>
+              <a:ext uri="{FF2B5EF4-FFF2-40B4-BE49-F238E27FC236}">
+                <a16:creationId xmlns:a16="http://schemas.microsoft.com/office/drawing/2014/main" id="{439C5718-88EE-6643-BC34-49C2CB29A156}"/>
+              </a:ext>
+            </a:extLst>
+          </p:cNvPr>
+          <p:cNvPicPr>
+            <a:picLocks noChangeAspect="1"/>
+          </p:cNvPicPr>
+          <p:nvPr/>
+        </p:nvPicPr>
+        <p:blipFill>
+          <a:blip r:embed="rId13">
+            <a:extLst>
+              <a:ext uri="{96DAC541-7B7A-43D3-8B79-37D633B846F1}">
+                <asvg:svgBlip xmlns:asvg="http://schemas.microsoft.com/office/drawing/2016/SVG/main" r:embed="rId14"/>
+              </a:ext>
+            </a:extLst>
+          </a:blip>
+          <a:stretch>
+            <a:fillRect/>
+          </a:stretch>
+        </p:blipFill>
+        <p:spPr>
+          <a:xfrm>
+            <a:off x="12244292" y="2844565"/>
+            <a:ext cx="787909" cy="787909"/>
+          </a:xfrm>
+          <a:prstGeom prst="rect">
+            <a:avLst/>
+          </a:prstGeom>
+        </p:spPr>
+      </p:pic>
+      <p:pic>
+        <p:nvPicPr>
+          <p:cNvPr id="64" name="Picture 63">
+            <a:extLst>
+              <a:ext uri="{FF2B5EF4-FFF2-40B4-BE49-F238E27FC236}">
+                <a16:creationId xmlns:a16="http://schemas.microsoft.com/office/drawing/2014/main" id="{1F22C267-507F-7847-975F-71A1363BDA92}"/>
+              </a:ext>
+            </a:extLst>
+          </p:cNvPr>
+          <p:cNvPicPr>
+            <a:picLocks noChangeAspect="1"/>
+          </p:cNvPicPr>
+          <p:nvPr/>
+        </p:nvPicPr>
+        <p:blipFill>
+          <a:blip r:embed="rId17"/>
+          <a:stretch>
+            <a:fillRect/>
+          </a:stretch>
+        </p:blipFill>
+        <p:spPr>
+          <a:xfrm>
+            <a:off x="5482324" y="2752281"/>
+            <a:ext cx="687979" cy="793821"/>
+          </a:xfrm>
+          <a:prstGeom prst="rect">
+            <a:avLst/>
+          </a:prstGeom>
+        </p:spPr>
+      </p:pic>
+      <p:pic>
+        <p:nvPicPr>
+          <p:cNvPr id="68" name="Graphic 67">
+            <a:extLst>
+              <a:ext uri="{FF2B5EF4-FFF2-40B4-BE49-F238E27FC236}">
+                <a16:creationId xmlns:a16="http://schemas.microsoft.com/office/drawing/2014/main" id="{FAEC67E3-41BC-424E-9ABB-D46B6182C615}"/>
+              </a:ext>
+            </a:extLst>
+          </p:cNvPr>
+          <p:cNvPicPr>
+            <a:picLocks noChangeAspect="1"/>
+          </p:cNvPicPr>
+          <p:nvPr/>
+        </p:nvPicPr>
+        <p:blipFill>
+          <a:blip r:embed="rId18">
+            <a:extLst>
+              <a:ext uri="{96DAC541-7B7A-43D3-8B79-37D633B846F1}">
+                <asvg:svgBlip xmlns:asvg="http://schemas.microsoft.com/office/drawing/2016/SVG/main" r:embed="rId19"/>
+              </a:ext>
+            </a:extLst>
+          </a:blip>
+          <a:stretch>
+            <a:fillRect/>
+          </a:stretch>
+        </p:blipFill>
+        <p:spPr>
+          <a:xfrm>
+            <a:off x="7533806" y="2977741"/>
+            <a:ext cx="469900" cy="469900"/>
+          </a:xfrm>
+          <a:prstGeom prst="rect">
+            <a:avLst/>
+          </a:prstGeom>
+        </p:spPr>
+      </p:pic>
+      <p:sp>
+        <p:nvSpPr>
+          <p:cNvPr id="69" name="TextBox 68">
+            <a:extLst>
+              <a:ext uri="{FF2B5EF4-FFF2-40B4-BE49-F238E27FC236}">
+                <a16:creationId xmlns:a16="http://schemas.microsoft.com/office/drawing/2014/main" id="{B7CD34B4-0A93-7A49-B531-7BE2FFA4F068}"/>
+              </a:ext>
+            </a:extLst>
+          </p:cNvPr>
+          <p:cNvSpPr txBox="1"/>
+          <p:nvPr/>
+        </p:nvSpPr>
+        <p:spPr>
+          <a:xfrm>
+            <a:off x="6272459" y="3491804"/>
+            <a:ext cx="2992594" cy="191371"/>
+          </a:xfrm>
+          <a:prstGeom prst="rect">
+            <a:avLst/>
+          </a:prstGeom>
+          <a:noFill/>
+        </p:spPr>
+        <p:txBody>
+          <a:bodyPr wrap="square" lIns="0" tIns="0" rIns="0" bIns="0" rtlCol="0" anchor="t">
+            <a:noAutofit/>
+          </a:bodyPr>
+          <a:lstStyle/>
+          <a:p>
+            <a:pPr algn="ctr"/>
+            <a:r>
+              <a:rPr lang="en-US" sz="1200" dirty="0"/>
+              <a:t>$aws/things/</a:t>
+            </a:r>
+            <a:r>
+              <a:rPr lang="en-US" sz="1200" dirty="0">
+                <a:solidFill>
+                  <a:schemeClr val="accent1"/>
+                </a:solidFill>
+              </a:rPr>
+              <a:t>&lt;thingName&gt;</a:t>
+            </a:r>
+            <a:r>
+              <a:rPr lang="en-US" sz="1200" dirty="0"/>
+              <a:t>/tunnels/notify</a:t>
+            </a:r>
+            <a:endParaRPr lang="en-US" sz="2800" dirty="0"/>
+          </a:p>
+        </p:txBody>
+      </p:sp>
+      <p:sp>
+        <p:nvSpPr>
+          <p:cNvPr id="78" name="Rectangle 77">
+            <a:extLst>
+              <a:ext uri="{FF2B5EF4-FFF2-40B4-BE49-F238E27FC236}">
+                <a16:creationId xmlns:a16="http://schemas.microsoft.com/office/drawing/2014/main" id="{DB1B3187-3B57-F34D-9CB2-80541CECB878}"/>
+              </a:ext>
+            </a:extLst>
+          </p:cNvPr>
+          <p:cNvSpPr/>
+          <p:nvPr/>
+        </p:nvSpPr>
+        <p:spPr>
+          <a:xfrm>
+            <a:off x="5706785" y="4776308"/>
+            <a:ext cx="7037666" cy="228409"/>
+          </a:xfrm>
+          <a:prstGeom prst="rect">
+            <a:avLst/>
+          </a:prstGeom>
+          <a:solidFill>
+            <a:srgbClr val="D3F0F9"/>
+          </a:solidFill>
+          <a:ln>
+            <a:noFill/>
+          </a:ln>
+          <a:effectLst/>
+        </p:spPr>
+        <p:style>
+          <a:lnRef idx="1">
+            <a:schemeClr val="accent1"/>
+          </a:lnRef>
+          <a:fillRef idx="3">
+            <a:schemeClr val="accent1"/>
+          </a:fillRef>
+          <a:effectRef idx="2">
+            <a:schemeClr val="accent1"/>
+          </a:effectRef>
+          <a:fontRef idx="minor">
+            <a:schemeClr val="lt1"/>
+          </a:fontRef>
+        </p:style>
+        <p:txBody>
+          <a:bodyPr rtlCol="0" anchor="ctr"/>
+          <a:lstStyle/>
+          <a:p>
+            <a:pPr algn="ctr"/>
+            <a:endParaRPr lang="en-US" dirty="0"/>
+          </a:p>
+        </p:txBody>
+      </p:sp>
+      <p:cxnSp>
+        <p:nvCxnSpPr>
+          <p:cNvPr id="79" name="Straight Arrow Connector 78">
+            <a:extLst>
+              <a:ext uri="{FF2B5EF4-FFF2-40B4-BE49-F238E27FC236}">
+                <a16:creationId xmlns:a16="http://schemas.microsoft.com/office/drawing/2014/main" id="{9F2D36CD-A6B5-264D-8755-C0E9BC215596}"/>
+              </a:ext>
+            </a:extLst>
+          </p:cNvPr>
+          <p:cNvCxnSpPr>
+            <a:cxnSpLocks/>
+            <a:stCxn id="85" idx="1"/>
+            <a:endCxn id="57" idx="2"/>
+          </p:cNvCxnSpPr>
+          <p:nvPr/>
+        </p:nvCxnSpPr>
+        <p:spPr>
+          <a:xfrm rot="16200000" flipH="1">
+            <a:off x="7141718" y="-1612555"/>
+            <a:ext cx="131343" cy="10882128"/>
+          </a:xfrm>
+          <a:prstGeom prst="bentConnector3">
+            <a:avLst>
+              <a:gd name="adj1" fmla="val 867060"/>
+            </a:avLst>
+          </a:prstGeom>
+          <a:ln w="12700">
+            <a:solidFill>
+              <a:srgbClr val="0073BB"/>
+            </a:solidFill>
+            <a:prstDash val="dash"/>
+            <a:headEnd type="none" w="med" len="sm"/>
+            <a:tailEnd type="none" w="med" len="sm"/>
+          </a:ln>
+        </p:spPr>
+        <p:style>
+          <a:lnRef idx="1">
+            <a:schemeClr val="accent1"/>
+          </a:lnRef>
+          <a:fillRef idx="0">
+            <a:schemeClr val="accent1"/>
+          </a:fillRef>
+          <a:effectRef idx="0">
+            <a:schemeClr val="accent1"/>
+          </a:effectRef>
+          <a:fontRef idx="minor">
+            <a:schemeClr val="tx1"/>
+          </a:fontRef>
+        </p:style>
+      </p:cxnSp>
+      <p:sp>
+        <p:nvSpPr>
+          <p:cNvPr id="82" name="Rounded Rectangle 81">
+            <a:extLst>
+              <a:ext uri="{FF2B5EF4-FFF2-40B4-BE49-F238E27FC236}">
+                <a16:creationId xmlns:a16="http://schemas.microsoft.com/office/drawing/2014/main" id="{352E21AB-4387-3D40-9E2D-41484BAD8519}"/>
+              </a:ext>
+            </a:extLst>
+          </p:cNvPr>
+          <p:cNvSpPr/>
+          <p:nvPr/>
+        </p:nvSpPr>
+        <p:spPr>
+          <a:xfrm>
+            <a:off x="2639569" y="2715448"/>
+            <a:ext cx="308225" cy="330201"/>
+          </a:xfrm>
+          <a:prstGeom prst="roundRect">
+            <a:avLst/>
+          </a:prstGeom>
+          <a:solidFill>
+            <a:srgbClr val="683BC4"/>
+          </a:solidFill>
+          <a:ln>
+            <a:noFill/>
+          </a:ln>
+          <a:effectLst/>
+        </p:spPr>
+        <p:style>
+          <a:lnRef idx="1">
+            <a:schemeClr val="accent1"/>
+          </a:lnRef>
+          <a:fillRef idx="3">
+            <a:schemeClr val="accent1"/>
+          </a:fillRef>
+          <a:effectRef idx="2">
+            <a:schemeClr val="accent1"/>
+          </a:effectRef>
+          <a:fontRef idx="minor">
+            <a:schemeClr val="lt1"/>
+          </a:fontRef>
+        </p:style>
+        <p:txBody>
+          <a:bodyPr rtlCol="0" anchor="ctr"/>
+          <a:lstStyle/>
+          <a:p>
+            <a:pPr algn="ctr"/>
+            <a:r>
+              <a:rPr lang="en-US" sz="1200" b="1" dirty="0"/>
+              <a:t>1</a:t>
+            </a:r>
+          </a:p>
+        </p:txBody>
+      </p:sp>
+      <p:sp>
+        <p:nvSpPr>
+          <p:cNvPr id="88" name="Rectangle 87">
+            <a:extLst>
+              <a:ext uri="{FF2B5EF4-FFF2-40B4-BE49-F238E27FC236}">
+                <a16:creationId xmlns:a16="http://schemas.microsoft.com/office/drawing/2014/main" id="{800D71F5-C7BF-1A45-B77A-19600127A6EC}"/>
+              </a:ext>
+            </a:extLst>
+          </p:cNvPr>
+          <p:cNvSpPr/>
+          <p:nvPr/>
+        </p:nvSpPr>
+        <p:spPr>
+          <a:xfrm rot="5400000">
+            <a:off x="5272731" y="4161799"/>
+            <a:ext cx="1110533" cy="228409"/>
+          </a:xfrm>
+          <a:prstGeom prst="rect">
+            <a:avLst/>
+          </a:prstGeom>
+          <a:solidFill>
+            <a:srgbClr val="D3F0F9"/>
+          </a:solidFill>
+          <a:ln>
+            <a:noFill/>
+          </a:ln>
+          <a:effectLst/>
+        </p:spPr>
+        <p:style>
+          <a:lnRef idx="1">
+            <a:schemeClr val="accent1"/>
+          </a:lnRef>
+          <a:fillRef idx="3">
+            <a:schemeClr val="accent1"/>
+          </a:fillRef>
+          <a:effectRef idx="2">
+            <a:schemeClr val="accent1"/>
+          </a:effectRef>
+          <a:fontRef idx="minor">
+            <a:schemeClr val="lt1"/>
+          </a:fontRef>
+        </p:style>
+        <p:txBody>
+          <a:bodyPr rtlCol="0" anchor="ctr"/>
+          <a:lstStyle/>
+          <a:p>
+            <a:pPr algn="ctr"/>
+            <a:endParaRPr lang="en-US" dirty="0"/>
+          </a:p>
+        </p:txBody>
+      </p:sp>
+      <p:cxnSp>
+        <p:nvCxnSpPr>
+          <p:cNvPr id="89" name="Straight Arrow Connector 78">
+            <a:extLst>
+              <a:ext uri="{FF2B5EF4-FFF2-40B4-BE49-F238E27FC236}">
+                <a16:creationId xmlns:a16="http://schemas.microsoft.com/office/drawing/2014/main" id="{551B113A-2993-F447-BE72-98FFF9F2F03F}"/>
+              </a:ext>
+            </a:extLst>
+          </p:cNvPr>
+          <p:cNvCxnSpPr>
+            <a:cxnSpLocks/>
+            <a:stCxn id="26" idx="2"/>
+          </p:cNvCxnSpPr>
+          <p:nvPr/>
+        </p:nvCxnSpPr>
+        <p:spPr>
+          <a:xfrm>
+            <a:off x="5826314" y="3732309"/>
+            <a:ext cx="0" cy="1158202"/>
+          </a:xfrm>
+          <a:prstGeom prst="straightConnector1">
+            <a:avLst/>
+          </a:prstGeom>
+          <a:ln w="12700">
+            <a:solidFill>
+              <a:srgbClr val="0073BB"/>
+            </a:solidFill>
+            <a:prstDash val="dash"/>
+            <a:headEnd type="none" w="med" len="sm"/>
+            <a:tailEnd type="none" w="med" len="sm"/>
+          </a:ln>
+        </p:spPr>
+        <p:style>
+          <a:lnRef idx="1">
+            <a:schemeClr val="accent1"/>
+          </a:lnRef>
+          <a:fillRef idx="0">
+            <a:schemeClr val="accent1"/>
+          </a:fillRef>
+          <a:effectRef idx="0">
+            <a:schemeClr val="accent1"/>
+          </a:effectRef>
+          <a:fontRef idx="minor">
+            <a:schemeClr val="tx1"/>
+          </a:fontRef>
+        </p:style>
+      </p:cxnSp>
+      <p:cxnSp>
+        <p:nvCxnSpPr>
+          <p:cNvPr id="8" name="Straight Arrow Connector 7">
+            <a:extLst>
+              <a:ext uri="{FF2B5EF4-FFF2-40B4-BE49-F238E27FC236}">
+                <a16:creationId xmlns:a16="http://schemas.microsoft.com/office/drawing/2014/main" id="{DC986BE6-DE6E-664D-9535-F059A59A3470}"/>
+              </a:ext>
+            </a:extLst>
+          </p:cNvPr>
+          <p:cNvCxnSpPr>
+            <a:cxnSpLocks/>
+            <a:stCxn id="85" idx="1"/>
+            <a:endCxn id="26" idx="2"/>
+          </p:cNvCxnSpPr>
+          <p:nvPr/>
+        </p:nvCxnSpPr>
+        <p:spPr>
+          <a:xfrm rot="5400000" flipH="1" flipV="1">
+            <a:off x="3781056" y="1717580"/>
+            <a:ext cx="30529" cy="4059988"/>
+          </a:xfrm>
+          <a:prstGeom prst="bentConnector3">
+            <a:avLst>
+              <a:gd name="adj1" fmla="val -3693986"/>
+            </a:avLst>
+          </a:prstGeom>
+          <a:ln w="57150">
+            <a:solidFill>
+              <a:srgbClr val="FF0000"/>
+            </a:solidFill>
+            <a:headEnd type="none" w="med" len="med"/>
+            <a:tailEnd type="none" w="med" len="med"/>
+          </a:ln>
+        </p:spPr>
+        <p:style>
+          <a:lnRef idx="2">
+            <a:schemeClr val="accent1"/>
+          </a:lnRef>
+          <a:fillRef idx="0">
+            <a:schemeClr val="accent1"/>
+          </a:fillRef>
+          <a:effectRef idx="1">
+            <a:schemeClr val="accent1"/>
+          </a:effectRef>
+          <a:fontRef idx="minor">
+            <a:schemeClr val="tx1"/>
+          </a:fontRef>
+        </p:style>
+      </p:cxnSp>
+      <p:cxnSp>
+        <p:nvCxnSpPr>
+          <p:cNvPr id="93" name="Straight Arrow Connector 7">
+            <a:extLst>
+              <a:ext uri="{FF2B5EF4-FFF2-40B4-BE49-F238E27FC236}">
+                <a16:creationId xmlns:a16="http://schemas.microsoft.com/office/drawing/2014/main" id="{EB7182ED-41A8-9C4B-9509-42DADCFA9C22}"/>
+              </a:ext>
+            </a:extLst>
+          </p:cNvPr>
+          <p:cNvCxnSpPr>
+            <a:cxnSpLocks/>
+            <a:stCxn id="14" idx="1"/>
+            <a:endCxn id="55" idx="3"/>
+          </p:cNvCxnSpPr>
+          <p:nvPr/>
+        </p:nvCxnSpPr>
+        <p:spPr>
+          <a:xfrm flipH="1">
+            <a:off x="2139702" y="3142990"/>
+            <a:ext cx="1110975" cy="255"/>
+          </a:xfrm>
+          <a:prstGeom prst="straightConnector1">
+            <a:avLst/>
+          </a:prstGeom>
+          <a:ln w="57150">
+            <a:solidFill>
+              <a:srgbClr val="FF0000"/>
+            </a:solidFill>
+            <a:tailEnd type="triangle"/>
+          </a:ln>
+        </p:spPr>
+        <p:style>
+          <a:lnRef idx="2">
+            <a:schemeClr val="accent1"/>
+          </a:lnRef>
+          <a:fillRef idx="0">
+            <a:schemeClr val="accent1"/>
+          </a:fillRef>
+          <a:effectRef idx="1">
+            <a:schemeClr val="accent1"/>
+          </a:effectRef>
+          <a:fontRef idx="minor">
+            <a:schemeClr val="tx1"/>
+          </a:fontRef>
+        </p:style>
+      </p:cxnSp>
+      <p:cxnSp>
+        <p:nvCxnSpPr>
+          <p:cNvPr id="95" name="Straight Arrow Connector 7">
+            <a:extLst>
+              <a:ext uri="{FF2B5EF4-FFF2-40B4-BE49-F238E27FC236}">
+                <a16:creationId xmlns:a16="http://schemas.microsoft.com/office/drawing/2014/main" id="{2A3540AE-5D53-7349-B51B-DFE2E108F1CA}"/>
+              </a:ext>
+            </a:extLst>
+          </p:cNvPr>
+          <p:cNvCxnSpPr>
+            <a:cxnSpLocks/>
+            <a:stCxn id="61" idx="1"/>
+            <a:endCxn id="60" idx="3"/>
+          </p:cNvCxnSpPr>
+          <p:nvPr/>
+        </p:nvCxnSpPr>
+        <p:spPr>
+          <a:xfrm flipH="1" flipV="1">
+            <a:off x="10919821" y="3229332"/>
+            <a:ext cx="1324471" cy="9188"/>
+          </a:xfrm>
+          <a:prstGeom prst="straightConnector1">
+            <a:avLst/>
+          </a:prstGeom>
+          <a:ln w="57150">
+            <a:solidFill>
+              <a:srgbClr val="FF0000"/>
+            </a:solidFill>
+            <a:tailEnd type="triangle"/>
+          </a:ln>
+        </p:spPr>
+        <p:style>
+          <a:lnRef idx="2">
+            <a:schemeClr val="accent1"/>
+          </a:lnRef>
+          <a:fillRef idx="0">
+            <a:schemeClr val="accent1"/>
+          </a:fillRef>
+          <a:effectRef idx="1">
+            <a:schemeClr val="accent1"/>
+          </a:effectRef>
+          <a:fontRef idx="minor">
+            <a:schemeClr val="tx1"/>
+          </a:fontRef>
+        </p:style>
+      </p:cxnSp>
+      <p:sp>
+        <p:nvSpPr>
+          <p:cNvPr id="96" name="Rounded Rectangle 95">
+            <a:extLst>
+              <a:ext uri="{FF2B5EF4-FFF2-40B4-BE49-F238E27FC236}">
+                <a16:creationId xmlns:a16="http://schemas.microsoft.com/office/drawing/2014/main" id="{C2813BDE-DEB2-2649-B965-52EC10DF6434}"/>
+              </a:ext>
+            </a:extLst>
+          </p:cNvPr>
+          <p:cNvSpPr/>
+          <p:nvPr/>
+        </p:nvSpPr>
+        <p:spPr>
+          <a:xfrm>
+            <a:off x="3793961" y="4400946"/>
+            <a:ext cx="308225" cy="330201"/>
+          </a:xfrm>
+          <a:prstGeom prst="roundRect">
+            <a:avLst/>
+          </a:prstGeom>
+          <a:solidFill>
+            <a:srgbClr val="683BC4"/>
+          </a:solidFill>
+          <a:ln>
+            <a:noFill/>
+          </a:ln>
+          <a:effectLst/>
+        </p:spPr>
+        <p:style>
+          <a:lnRef idx="1">
+            <a:schemeClr val="accent1"/>
+          </a:lnRef>
+          <a:fillRef idx="3">
+            <a:schemeClr val="accent1"/>
+          </a:fillRef>
+          <a:effectRef idx="2">
+            <a:schemeClr val="accent1"/>
+          </a:effectRef>
+          <a:fontRef idx="minor">
+            <a:schemeClr val="lt1"/>
+          </a:fontRef>
+        </p:style>
+        <p:txBody>
+          <a:bodyPr rtlCol="0" anchor="ctr"/>
+          <a:lstStyle/>
+          <a:p>
+            <a:pPr algn="ctr"/>
+            <a:r>
+              <a:rPr lang="en-US" sz="1200" b="1" dirty="0"/>
+              <a:t>2</a:t>
+            </a:r>
+          </a:p>
+        </p:txBody>
+      </p:sp>
+      <p:sp>
+        <p:nvSpPr>
+          <p:cNvPr id="97" name="Rounded Rectangle 96">
+            <a:extLst>
+              <a:ext uri="{FF2B5EF4-FFF2-40B4-BE49-F238E27FC236}">
+                <a16:creationId xmlns:a16="http://schemas.microsoft.com/office/drawing/2014/main" id="{AC794871-34D4-784C-82C5-2AF997C8C09D}"/>
+              </a:ext>
+            </a:extLst>
+          </p:cNvPr>
+          <p:cNvSpPr/>
+          <p:nvPr/>
+        </p:nvSpPr>
+        <p:spPr>
+          <a:xfrm>
+            <a:off x="11533853" y="2827609"/>
+            <a:ext cx="308225" cy="330201"/>
+          </a:xfrm>
+          <a:prstGeom prst="roundRect">
+            <a:avLst/>
+          </a:prstGeom>
+          <a:solidFill>
+            <a:srgbClr val="683BC4"/>
+          </a:solidFill>
+          <a:ln>
+            <a:noFill/>
+          </a:ln>
+          <a:effectLst/>
+        </p:spPr>
+        <p:style>
+          <a:lnRef idx="1">
+            <a:schemeClr val="accent1"/>
+          </a:lnRef>
+          <a:fillRef idx="3">
+            <a:schemeClr val="accent1"/>
+          </a:fillRef>
+          <a:effectRef idx="2">
+            <a:schemeClr val="accent1"/>
+          </a:effectRef>
+          <a:fontRef idx="minor">
+            <a:schemeClr val="lt1"/>
+          </a:fontRef>
+        </p:style>
+        <p:txBody>
+          <a:bodyPr rtlCol="0" anchor="ctr"/>
+          <a:lstStyle/>
+          <a:p>
+            <a:pPr algn="ctr"/>
+            <a:r>
+              <a:rPr lang="en-US" sz="1200" b="1" dirty="0"/>
+              <a:t>3</a:t>
+            </a:r>
+          </a:p>
+        </p:txBody>
+      </p:sp>
+      <p:cxnSp>
+        <p:nvCxnSpPr>
+          <p:cNvPr id="99" name="Straight Arrow Connector 7">
+            <a:extLst>
+              <a:ext uri="{FF2B5EF4-FFF2-40B4-BE49-F238E27FC236}">
+                <a16:creationId xmlns:a16="http://schemas.microsoft.com/office/drawing/2014/main" id="{8B42C6A0-1703-A14A-8200-8FC6796AF1D4}"/>
+              </a:ext>
+            </a:extLst>
+          </p:cNvPr>
+          <p:cNvCxnSpPr>
+            <a:cxnSpLocks/>
+            <a:stCxn id="88" idx="1"/>
+            <a:endCxn id="84" idx="1"/>
+          </p:cNvCxnSpPr>
+          <p:nvPr/>
+        </p:nvCxnSpPr>
+        <p:spPr>
+          <a:xfrm rot="16200000" flipH="1">
+            <a:off x="9151500" y="397234"/>
+            <a:ext cx="173446" cy="6820453"/>
+          </a:xfrm>
+          <a:prstGeom prst="bentConnector3">
+            <a:avLst>
+              <a:gd name="adj1" fmla="val 677934"/>
+            </a:avLst>
+          </a:prstGeom>
+          <a:ln w="57150">
+            <a:solidFill>
+              <a:srgbClr val="FF0000"/>
+            </a:solidFill>
+            <a:tailEnd type="triangle"/>
+          </a:ln>
+        </p:spPr>
+        <p:style>
+          <a:lnRef idx="2">
+            <a:schemeClr val="accent1"/>
+          </a:lnRef>
+          <a:fillRef idx="0">
+            <a:schemeClr val="accent1"/>
+          </a:fillRef>
+          <a:effectRef idx="1">
+            <a:schemeClr val="accent1"/>
+          </a:effectRef>
+          <a:fontRef idx="minor">
+            <a:schemeClr val="tx1"/>
+          </a:fontRef>
+        </p:style>
+      </p:cxnSp>
+      <p:sp>
+        <p:nvSpPr>
+          <p:cNvPr id="100" name="Rectangle 99">
+            <a:extLst>
+              <a:ext uri="{FF2B5EF4-FFF2-40B4-BE49-F238E27FC236}">
+                <a16:creationId xmlns:a16="http://schemas.microsoft.com/office/drawing/2014/main" id="{23304320-1028-B84F-90E7-D5330B5CE140}"/>
+              </a:ext>
+            </a:extLst>
+          </p:cNvPr>
+          <p:cNvSpPr/>
+          <p:nvPr/>
+        </p:nvSpPr>
+        <p:spPr>
+          <a:xfrm>
+            <a:off x="2117277" y="5592354"/>
+            <a:ext cx="10334055" cy="1584119"/>
+          </a:xfrm>
+          <a:prstGeom prst="rect">
+            <a:avLst/>
+          </a:prstGeom>
+          <a:solidFill>
+            <a:srgbClr val="EAEDED"/>
+          </a:solidFill>
+          <a:ln>
+            <a:noFill/>
+          </a:ln>
+          <a:effectLst/>
+        </p:spPr>
+        <p:style>
+          <a:lnRef idx="1">
+            <a:schemeClr val="accent1"/>
+          </a:lnRef>
+          <a:fillRef idx="3">
+            <a:schemeClr val="accent1"/>
+          </a:fillRef>
+          <a:effectRef idx="2">
+            <a:schemeClr val="accent1"/>
+          </a:effectRef>
+          <a:fontRef idx="minor">
+            <a:schemeClr val="lt1"/>
+          </a:fontRef>
+        </p:style>
+        <p:txBody>
+          <a:bodyPr rtlCol="0" anchor="ctr"/>
+          <a:lstStyle/>
+          <a:p>
+            <a:pPr algn="ctr"/>
+            <a:endParaRPr lang="en-US" dirty="0"/>
+          </a:p>
+        </p:txBody>
+      </p:sp>
+      <p:sp>
+        <p:nvSpPr>
+          <p:cNvPr id="101" name="Rounded Rectangle 100">
+            <a:extLst>
+              <a:ext uri="{FF2B5EF4-FFF2-40B4-BE49-F238E27FC236}">
+                <a16:creationId xmlns:a16="http://schemas.microsoft.com/office/drawing/2014/main" id="{3ECEBE6F-AE6E-D94E-863A-46F6B560360D}"/>
+              </a:ext>
+            </a:extLst>
+          </p:cNvPr>
+          <p:cNvSpPr/>
+          <p:nvPr/>
+        </p:nvSpPr>
+        <p:spPr>
+          <a:xfrm>
+            <a:off x="2213176" y="5720689"/>
+            <a:ext cx="308225" cy="330201"/>
+          </a:xfrm>
+          <a:prstGeom prst="roundRect">
+            <a:avLst/>
+          </a:prstGeom>
+          <a:solidFill>
+            <a:srgbClr val="683BC4"/>
+          </a:solidFill>
+          <a:ln>
+            <a:noFill/>
+          </a:ln>
+          <a:effectLst/>
+        </p:spPr>
+        <p:style>
+          <a:lnRef idx="1">
+            <a:schemeClr val="accent1"/>
+          </a:lnRef>
+          <a:fillRef idx="3">
+            <a:schemeClr val="accent1"/>
+          </a:fillRef>
+          <a:effectRef idx="2">
+            <a:schemeClr val="accent1"/>
+          </a:effectRef>
+          <a:fontRef idx="minor">
+            <a:schemeClr val="lt1"/>
+          </a:fontRef>
+        </p:style>
+        <p:txBody>
+          <a:bodyPr rtlCol="0" anchor="ctr"/>
+          <a:lstStyle/>
+          <a:p>
+            <a:pPr algn="ctr"/>
+            <a:r>
+              <a:rPr lang="en-US" sz="1200" b="1" dirty="0"/>
+              <a:t>1</a:t>
+            </a:r>
+          </a:p>
+        </p:txBody>
+      </p:sp>
+      <p:sp>
+        <p:nvSpPr>
+          <p:cNvPr id="102" name="Rounded Rectangle 101">
+            <a:extLst>
+              <a:ext uri="{FF2B5EF4-FFF2-40B4-BE49-F238E27FC236}">
+                <a16:creationId xmlns:a16="http://schemas.microsoft.com/office/drawing/2014/main" id="{E923E2E6-F8D4-D041-BEEC-140B8E813618}"/>
+              </a:ext>
+            </a:extLst>
+          </p:cNvPr>
+          <p:cNvSpPr/>
+          <p:nvPr/>
+        </p:nvSpPr>
+        <p:spPr>
+          <a:xfrm>
+            <a:off x="2213176" y="6193379"/>
+            <a:ext cx="308225" cy="330201"/>
+          </a:xfrm>
+          <a:prstGeom prst="roundRect">
+            <a:avLst/>
+          </a:prstGeom>
+          <a:solidFill>
+            <a:srgbClr val="683BC4"/>
+          </a:solidFill>
+          <a:ln>
+            <a:noFill/>
+          </a:ln>
+          <a:effectLst/>
+        </p:spPr>
+        <p:style>
+          <a:lnRef idx="1">
+            <a:schemeClr val="accent1"/>
+          </a:lnRef>
+          <a:fillRef idx="3">
+            <a:schemeClr val="accent1"/>
+          </a:fillRef>
+          <a:effectRef idx="2">
+            <a:schemeClr val="accent1"/>
+          </a:effectRef>
+          <a:fontRef idx="minor">
+            <a:schemeClr val="lt1"/>
+          </a:fontRef>
+        </p:style>
+        <p:txBody>
+          <a:bodyPr rtlCol="0" anchor="ctr"/>
+          <a:lstStyle/>
+          <a:p>
+            <a:pPr algn="ctr"/>
+            <a:r>
+              <a:rPr lang="en-US" sz="1200" b="1" dirty="0"/>
+              <a:t>2</a:t>
+            </a:r>
+          </a:p>
+        </p:txBody>
+      </p:sp>
+      <p:sp>
+        <p:nvSpPr>
+          <p:cNvPr id="103" name="Rounded Rectangle 102">
+            <a:extLst>
+              <a:ext uri="{FF2B5EF4-FFF2-40B4-BE49-F238E27FC236}">
+                <a16:creationId xmlns:a16="http://schemas.microsoft.com/office/drawing/2014/main" id="{E0B782E8-2358-FB4A-8BDC-84204443C770}"/>
+              </a:ext>
+            </a:extLst>
+          </p:cNvPr>
+          <p:cNvSpPr/>
+          <p:nvPr/>
+        </p:nvSpPr>
+        <p:spPr>
+          <a:xfrm>
+            <a:off x="2213176" y="6684337"/>
+            <a:ext cx="308225" cy="330201"/>
+          </a:xfrm>
+          <a:prstGeom prst="roundRect">
+            <a:avLst/>
+          </a:prstGeom>
+          <a:solidFill>
+            <a:srgbClr val="683BC4"/>
+          </a:solidFill>
+          <a:ln>
+            <a:noFill/>
+          </a:ln>
+          <a:effectLst/>
+        </p:spPr>
+        <p:style>
+          <a:lnRef idx="1">
+            <a:schemeClr val="accent1"/>
+          </a:lnRef>
+          <a:fillRef idx="3">
+            <a:schemeClr val="accent1"/>
+          </a:fillRef>
+          <a:effectRef idx="2">
+            <a:schemeClr val="accent1"/>
+          </a:effectRef>
+          <a:fontRef idx="minor">
+            <a:schemeClr val="lt1"/>
+          </a:fontRef>
+        </p:style>
+        <p:txBody>
+          <a:bodyPr rtlCol="0" anchor="ctr"/>
+          <a:lstStyle/>
+          <a:p>
+            <a:pPr algn="ctr"/>
+            <a:r>
+              <a:rPr lang="en-US" sz="1200" b="1" dirty="0"/>
+              <a:t>3</a:t>
+            </a:r>
+          </a:p>
+        </p:txBody>
+      </p:sp>
+      <p:sp>
+        <p:nvSpPr>
+          <p:cNvPr id="104" name="TextBox 103">
+            <a:extLst>
+              <a:ext uri="{FF2B5EF4-FFF2-40B4-BE49-F238E27FC236}">
+                <a16:creationId xmlns:a16="http://schemas.microsoft.com/office/drawing/2014/main" id="{FA347066-3342-B649-AC9C-F0A10945B0CD}"/>
+              </a:ext>
+            </a:extLst>
+          </p:cNvPr>
+          <p:cNvSpPr txBox="1"/>
+          <p:nvPr/>
+        </p:nvSpPr>
+        <p:spPr>
+          <a:xfrm>
+            <a:off x="2532519" y="5800573"/>
+            <a:ext cx="8522225" cy="246221"/>
+          </a:xfrm>
+          <a:prstGeom prst="rect">
+            <a:avLst/>
+          </a:prstGeom>
+          <a:noFill/>
+        </p:spPr>
+        <p:txBody>
+          <a:bodyPr wrap="square" rtlCol="0">
+            <a:spAutoFit/>
+          </a:bodyPr>
+          <a:lstStyle/>
+          <a:p>
+            <a:pPr algn="l"/>
+            <a:r>
+              <a:rPr lang="en-US" sz="1000" dirty="0">
+                <a:solidFill>
+                  <a:schemeClr val="bg1"/>
+                </a:solidFill>
+                <a:latin typeface="Amazon Ember" panose="020B0603020204020204" pitchFamily="34" charset="0"/>
+                <a:ea typeface="Amazon Ember" panose="020B0603020204020204" pitchFamily="34" charset="0"/>
+                <a:cs typeface="Amazon Ember" panose="020B0603020204020204" pitchFamily="34" charset="0"/>
+              </a:rPr>
+              <a:t>The </a:t>
+            </a:r>
+            <a:r>
+              <a:rPr lang="en-US" sz="1000" b="1" dirty="0">
+                <a:solidFill>
+                  <a:schemeClr val="bg1"/>
+                </a:solidFill>
+                <a:latin typeface="Amazon Ember" panose="020B0603020204020204" pitchFamily="34" charset="0"/>
+                <a:ea typeface="Amazon Ember" panose="020B0603020204020204" pitchFamily="34" charset="0"/>
+                <a:cs typeface="Amazon Ember" panose="020B0603020204020204" pitchFamily="34" charset="0"/>
+              </a:rPr>
+              <a:t>local proxy is running in source mode</a:t>
+            </a:r>
+            <a:r>
+              <a:rPr lang="en-US" sz="1000" dirty="0">
+                <a:solidFill>
+                  <a:schemeClr val="bg1"/>
+                </a:solidFill>
+                <a:latin typeface="Amazon Ember" panose="020B0603020204020204" pitchFamily="34" charset="0"/>
+                <a:ea typeface="Amazon Ember" panose="020B0603020204020204" pitchFamily="34" charset="0"/>
+                <a:cs typeface="Amazon Ember" panose="020B0603020204020204" pitchFamily="34" charset="0"/>
+              </a:rPr>
+              <a:t> on cloud9, listening </a:t>
+            </a:r>
+            <a:r>
+              <a:rPr lang="en-US" sz="1000" b="1" dirty="0">
+                <a:solidFill>
+                  <a:schemeClr val="bg1"/>
+                </a:solidFill>
+                <a:latin typeface="Amazon Ember" panose="020B0603020204020204" pitchFamily="34" charset="0"/>
+                <a:ea typeface="Amazon Ember" panose="020B0603020204020204" pitchFamily="34" charset="0"/>
+                <a:cs typeface="Amazon Ember" panose="020B0603020204020204" pitchFamily="34" charset="0"/>
+              </a:rPr>
+              <a:t>on port 5555</a:t>
+            </a:r>
+            <a:r>
+              <a:rPr lang="en-US" sz="1000" dirty="0">
+                <a:solidFill>
+                  <a:schemeClr val="bg1"/>
+                </a:solidFill>
+                <a:latin typeface="Amazon Ember" panose="020B0603020204020204" pitchFamily="34" charset="0"/>
+                <a:ea typeface="Amazon Ember" panose="020B0603020204020204" pitchFamily="34" charset="0"/>
+                <a:cs typeface="Amazon Ember" panose="020B0603020204020204" pitchFamily="34" charset="0"/>
+              </a:rPr>
+              <a:t>. So, from Cloud9, we </a:t>
+            </a:r>
+            <a:r>
+              <a:rPr lang="en-US" sz="1000" b="1" dirty="0">
+                <a:solidFill>
+                  <a:schemeClr val="bg1"/>
+                </a:solidFill>
+                <a:latin typeface="Amazon Ember" panose="020B0603020204020204" pitchFamily="34" charset="0"/>
+                <a:ea typeface="Amazon Ember" panose="020B0603020204020204" pitchFamily="34" charset="0"/>
+                <a:cs typeface="Amazon Ember" panose="020B0603020204020204" pitchFamily="34" charset="0"/>
+              </a:rPr>
+              <a:t>SSH to localhost on port 5555</a:t>
+            </a:r>
+            <a:r>
+              <a:rPr lang="en-US" sz="1000" dirty="0">
+                <a:solidFill>
+                  <a:schemeClr val="bg1"/>
+                </a:solidFill>
+                <a:latin typeface="Amazon Ember" panose="020B0603020204020204" pitchFamily="34" charset="0"/>
+                <a:ea typeface="Amazon Ember" panose="020B0603020204020204" pitchFamily="34" charset="0"/>
+                <a:cs typeface="Amazon Ember" panose="020B0603020204020204" pitchFamily="34" charset="0"/>
+              </a:rPr>
+              <a:t>.</a:t>
+            </a:r>
+          </a:p>
+        </p:txBody>
+      </p:sp>
+      <p:sp>
+        <p:nvSpPr>
+          <p:cNvPr id="105" name="TextBox 104">
+            <a:extLst>
+              <a:ext uri="{FF2B5EF4-FFF2-40B4-BE49-F238E27FC236}">
+                <a16:creationId xmlns:a16="http://schemas.microsoft.com/office/drawing/2014/main" id="{0FC7E31A-62EF-C145-B53F-A319A26C675E}"/>
+              </a:ext>
+            </a:extLst>
+          </p:cNvPr>
+          <p:cNvSpPr txBox="1"/>
+          <p:nvPr/>
+        </p:nvSpPr>
+        <p:spPr>
+          <a:xfrm>
+            <a:off x="2532518" y="6744044"/>
+            <a:ext cx="9214394" cy="246221"/>
+          </a:xfrm>
+          <a:prstGeom prst="rect">
+            <a:avLst/>
+          </a:prstGeom>
+          <a:noFill/>
+        </p:spPr>
+        <p:txBody>
+          <a:bodyPr wrap="square" rtlCol="0">
+            <a:spAutoFit/>
+          </a:bodyPr>
+          <a:lstStyle/>
+          <a:p>
+            <a:pPr algn="l"/>
+            <a:r>
+              <a:rPr lang="en-US" sz="1000" dirty="0">
+                <a:solidFill>
+                  <a:schemeClr val="bg1"/>
+                </a:solidFill>
+                <a:latin typeface="Amazon Ember" panose="020B0603020204020204" pitchFamily="34" charset="0"/>
+                <a:ea typeface="Amazon Ember" panose="020B0603020204020204" pitchFamily="34" charset="0"/>
+                <a:cs typeface="Amazon Ember" panose="020B0603020204020204" pitchFamily="34" charset="0"/>
+              </a:rPr>
+              <a:t>Once the </a:t>
+            </a:r>
+            <a:r>
+              <a:rPr lang="en-US" sz="1000" b="1" dirty="0">
+                <a:solidFill>
+                  <a:schemeClr val="bg1"/>
+                </a:solidFill>
+                <a:latin typeface="Amazon Ember" panose="020B0603020204020204" pitchFamily="34" charset="0"/>
+                <a:ea typeface="Amazon Ember" panose="020B0603020204020204" pitchFamily="34" charset="0"/>
+                <a:cs typeface="Amazon Ember" panose="020B0603020204020204" pitchFamily="34" charset="0"/>
+              </a:rPr>
+              <a:t>request arrive on the local proxy running on destination mode </a:t>
+            </a:r>
+            <a:r>
+              <a:rPr lang="en-US" sz="1000" dirty="0">
+                <a:solidFill>
+                  <a:schemeClr val="bg1"/>
+                </a:solidFill>
+                <a:latin typeface="Amazon Ember" panose="020B0603020204020204" pitchFamily="34" charset="0"/>
+                <a:ea typeface="Amazon Ember" panose="020B0603020204020204" pitchFamily="34" charset="0"/>
+                <a:cs typeface="Amazon Ember" panose="020B0603020204020204" pitchFamily="34" charset="0"/>
+              </a:rPr>
+              <a:t>on the device, it </a:t>
+            </a:r>
+            <a:r>
+              <a:rPr lang="en-US" sz="1000" b="1" dirty="0">
+                <a:solidFill>
+                  <a:schemeClr val="bg1"/>
+                </a:solidFill>
+                <a:latin typeface="Amazon Ember" panose="020B0603020204020204" pitchFamily="34" charset="0"/>
+                <a:ea typeface="Amazon Ember" panose="020B0603020204020204" pitchFamily="34" charset="0"/>
+                <a:cs typeface="Amazon Ember" panose="020B0603020204020204" pitchFamily="34" charset="0"/>
+              </a:rPr>
+              <a:t>is forwarded to the local SSH daemon running on port 22.</a:t>
+            </a:r>
+          </a:p>
+        </p:txBody>
+      </p:sp>
+      <p:sp>
+        <p:nvSpPr>
+          <p:cNvPr id="106" name="TextBox 105">
+            <a:extLst>
+              <a:ext uri="{FF2B5EF4-FFF2-40B4-BE49-F238E27FC236}">
+                <a16:creationId xmlns:a16="http://schemas.microsoft.com/office/drawing/2014/main" id="{C7AD16E4-829E-8943-A1D2-77ABDDA8D52C}"/>
+              </a:ext>
+            </a:extLst>
+          </p:cNvPr>
+          <p:cNvSpPr txBox="1"/>
+          <p:nvPr/>
+        </p:nvSpPr>
+        <p:spPr>
+          <a:xfrm>
+            <a:off x="2532518" y="6193379"/>
+            <a:ext cx="9563391" cy="246221"/>
+          </a:xfrm>
+          <a:prstGeom prst="rect">
+            <a:avLst/>
+          </a:prstGeom>
+          <a:noFill/>
+        </p:spPr>
+        <p:txBody>
+          <a:bodyPr wrap="square" rtlCol="0">
+            <a:spAutoFit/>
+          </a:bodyPr>
+          <a:lstStyle/>
+          <a:p>
+            <a:pPr algn="l"/>
+            <a:r>
+              <a:rPr lang="en-US" sz="1000" dirty="0">
+                <a:solidFill>
+                  <a:schemeClr val="bg1"/>
+                </a:solidFill>
+                <a:latin typeface="Amazon Ember" panose="020B0603020204020204" pitchFamily="34" charset="0"/>
+                <a:ea typeface="Amazon Ember" panose="020B0603020204020204" pitchFamily="34" charset="0"/>
+                <a:cs typeface="Amazon Ember" panose="020B0603020204020204" pitchFamily="34" charset="0"/>
+              </a:rPr>
+              <a:t>The </a:t>
+            </a:r>
+            <a:r>
+              <a:rPr lang="en-US" sz="1000" b="1" dirty="0">
+                <a:solidFill>
+                  <a:schemeClr val="bg1"/>
+                </a:solidFill>
+                <a:latin typeface="Amazon Ember" panose="020B0603020204020204" pitchFamily="34" charset="0"/>
+                <a:ea typeface="Amazon Ember" panose="020B0603020204020204" pitchFamily="34" charset="0"/>
+                <a:cs typeface="Amazon Ember" panose="020B0603020204020204" pitchFamily="34" charset="0"/>
+              </a:rPr>
+              <a:t>connection is enabled by the currently open AWS IoT Secure Tunnel</a:t>
+            </a:r>
+            <a:r>
+              <a:rPr lang="en-US" sz="1000" dirty="0">
+                <a:solidFill>
+                  <a:schemeClr val="bg1"/>
+                </a:solidFill>
+                <a:latin typeface="Amazon Ember" panose="020B0603020204020204" pitchFamily="34" charset="0"/>
+                <a:ea typeface="Amazon Ember" panose="020B0603020204020204" pitchFamily="34" charset="0"/>
+                <a:cs typeface="Amazon Ember" panose="020B0603020204020204" pitchFamily="34" charset="0"/>
+              </a:rPr>
+              <a:t>, and </a:t>
+            </a:r>
+            <a:r>
+              <a:rPr lang="en-US" sz="1000" b="1" dirty="0">
+                <a:solidFill>
+                  <a:schemeClr val="bg1"/>
+                </a:solidFill>
+                <a:latin typeface="Amazon Ember" panose="020B0603020204020204" pitchFamily="34" charset="0"/>
+                <a:ea typeface="Amazon Ember" panose="020B0603020204020204" pitchFamily="34" charset="0"/>
+                <a:cs typeface="Amazon Ember" panose="020B0603020204020204" pitchFamily="34" charset="0"/>
+              </a:rPr>
+              <a:t>goes</a:t>
+            </a:r>
+            <a:r>
+              <a:rPr lang="en-US" sz="1000" dirty="0">
+                <a:solidFill>
+                  <a:schemeClr val="bg1"/>
+                </a:solidFill>
+                <a:latin typeface="Amazon Ember" panose="020B0603020204020204" pitchFamily="34" charset="0"/>
+                <a:ea typeface="Amazon Ember" panose="020B0603020204020204" pitchFamily="34" charset="0"/>
+                <a:cs typeface="Amazon Ember" panose="020B0603020204020204" pitchFamily="34" charset="0"/>
+              </a:rPr>
+              <a:t> all the </a:t>
+            </a:r>
+            <a:r>
+              <a:rPr lang="en-US" sz="1000" b="1" dirty="0">
+                <a:solidFill>
+                  <a:schemeClr val="bg1"/>
+                </a:solidFill>
+                <a:latin typeface="Amazon Ember" panose="020B0603020204020204" pitchFamily="34" charset="0"/>
+                <a:ea typeface="Amazon Ember" panose="020B0603020204020204" pitchFamily="34" charset="0"/>
+                <a:cs typeface="Amazon Ember" panose="020B0603020204020204" pitchFamily="34" charset="0"/>
+              </a:rPr>
+              <a:t>way to the local proxy running on destination mode on the device</a:t>
+            </a:r>
+            <a:r>
+              <a:rPr lang="en-US" sz="1000" dirty="0">
+                <a:solidFill>
+                  <a:schemeClr val="bg1"/>
+                </a:solidFill>
+                <a:latin typeface="Amazon Ember" panose="020B0603020204020204" pitchFamily="34" charset="0"/>
+                <a:ea typeface="Amazon Ember" panose="020B0603020204020204" pitchFamily="34" charset="0"/>
+                <a:cs typeface="Amazon Ember" panose="020B0603020204020204" pitchFamily="34" charset="0"/>
+              </a:rPr>
+              <a:t>.</a:t>
+            </a:r>
+          </a:p>
+        </p:txBody>
+      </p:sp>
+      <p:sp>
+        <p:nvSpPr>
+          <p:cNvPr id="48" name="Rectangular Callout 47">
+            <a:extLst>
+              <a:ext uri="{FF2B5EF4-FFF2-40B4-BE49-F238E27FC236}">
+                <a16:creationId xmlns:a16="http://schemas.microsoft.com/office/drawing/2014/main" id="{E8C51A7C-2B5B-EC4B-9C49-D70D2F0F6BF8}"/>
+              </a:ext>
+            </a:extLst>
+          </p:cNvPr>
+          <p:cNvSpPr/>
+          <p:nvPr/>
+        </p:nvSpPr>
+        <p:spPr>
+          <a:xfrm>
+            <a:off x="11179039" y="4111956"/>
+            <a:ext cx="1165811" cy="612648"/>
+          </a:xfrm>
+          <a:prstGeom prst="wedgeRectCallout">
+            <a:avLst>
+              <a:gd name="adj1" fmla="val 48265"/>
+              <a:gd name="adj2" fmla="val -92351"/>
+            </a:avLst>
+          </a:prstGeom>
+          <a:solidFill>
+            <a:schemeClr val="accent1"/>
+          </a:solidFill>
+          <a:ln>
+            <a:noFill/>
+          </a:ln>
+          <a:effectLst/>
+        </p:spPr>
+        <p:style>
+          <a:lnRef idx="1">
+            <a:schemeClr val="accent1"/>
+          </a:lnRef>
+          <a:fillRef idx="3">
+            <a:schemeClr val="accent1"/>
+          </a:fillRef>
+          <a:effectRef idx="2">
+            <a:schemeClr val="accent1"/>
+          </a:effectRef>
+          <a:fontRef idx="minor">
+            <a:schemeClr val="lt1"/>
+          </a:fontRef>
+        </p:style>
+        <p:txBody>
+          <a:bodyPr rtlCol="0" anchor="ctr"/>
+          <a:lstStyle/>
+          <a:p>
+            <a:pPr algn="ctr"/>
+            <a:r>
+              <a:rPr lang="en-US" sz="1400" dirty="0"/>
+              <a:t>destination mode</a:t>
+            </a:r>
+          </a:p>
+        </p:txBody>
+      </p:sp>
+      <p:sp>
+        <p:nvSpPr>
+          <p:cNvPr id="49" name="Rectangular Callout 48">
+            <a:extLst>
+              <a:ext uri="{FF2B5EF4-FFF2-40B4-BE49-F238E27FC236}">
+                <a16:creationId xmlns:a16="http://schemas.microsoft.com/office/drawing/2014/main" id="{AC4C0EC6-7919-CB49-A70E-73F802156740}"/>
+              </a:ext>
+            </a:extLst>
+          </p:cNvPr>
+          <p:cNvSpPr/>
+          <p:nvPr/>
+        </p:nvSpPr>
+        <p:spPr>
+          <a:xfrm>
+            <a:off x="655516" y="4255752"/>
+            <a:ext cx="961308" cy="612648"/>
+          </a:xfrm>
+          <a:prstGeom prst="wedgeRectCallout">
+            <a:avLst>
+              <a:gd name="adj1" fmla="val 43509"/>
+              <a:gd name="adj2" fmla="val -120336"/>
+            </a:avLst>
+          </a:prstGeom>
+          <a:solidFill>
+            <a:schemeClr val="accent1"/>
+          </a:solidFill>
+          <a:ln>
+            <a:noFill/>
+          </a:ln>
+          <a:effectLst/>
+        </p:spPr>
+        <p:style>
+          <a:lnRef idx="1">
+            <a:schemeClr val="accent1"/>
+          </a:lnRef>
+          <a:fillRef idx="3">
+            <a:schemeClr val="accent1"/>
+          </a:fillRef>
+          <a:effectRef idx="2">
+            <a:schemeClr val="accent1"/>
+          </a:effectRef>
+          <a:fontRef idx="minor">
+            <a:schemeClr val="lt1"/>
+          </a:fontRef>
+        </p:style>
+        <p:txBody>
+          <a:bodyPr rtlCol="0" anchor="ctr"/>
+          <a:lstStyle/>
+          <a:p>
+            <a:pPr algn="ctr"/>
+            <a:r>
+              <a:rPr lang="en-US" sz="1400" dirty="0"/>
+              <a:t>source mode</a:t>
+            </a:r>
+          </a:p>
+        </p:txBody>
+      </p:sp>
+    </p:spTree>
+    <p:extLst>
+      <p:ext uri="{BB962C8B-B14F-4D97-AF65-F5344CB8AC3E}">
+        <p14:creationId xmlns:p14="http://schemas.microsoft.com/office/powerpoint/2010/main" val="4222880513"/>
+      </p:ext>
+    </p:extLst>
+  </p:cSld>
+  <p:clrMapOvr>
+    <a:masterClrMapping/>
+  </p:clrMapOvr>
+  <p:timing>
+    <p:tnLst>
+      <p:par>
+        <p:cTn id="1" dur="indefinite" restart="never" nodeType="tmRoot">
+          <p:childTnLst>
+            <p:seq concurrent="1" nextAc="seek">
+              <p:cTn id="2" dur="indefinite" nodeType="mainSeq">
+                <p:childTnLst>
+                  <p:par>
+                    <p:cTn id="3" fill="hold">
+                      <p:stCondLst>
+                        <p:cond delay="indefinite"/>
+                        <p:cond evt="onBegin" delay="0">
+                          <p:tn val="2"/>
+                        </p:cond>
+                      </p:stCondLst>
+                      <p:childTnLst>
+                        <p:par>
+                          <p:cTn id="4" fill="hold">
+                            <p:stCondLst>
+                              <p:cond delay="0"/>
+                            </p:stCondLst>
+                            <p:childTnLst>
+                              <p:par>
+                                <p:cTn id="5" presetID="1" presetClass="entr" presetSubtype="0" fill="hold" grpId="0" nodeType="withEffect">
+                                  <p:stCondLst>
+                                    <p:cond delay="500"/>
+                                  </p:stCondLst>
+                                  <p:childTnLst>
+                                    <p:set>
+                                      <p:cBhvr>
+                                        <p:cTn id="6" dur="1" fill="hold">
+                                          <p:stCondLst>
+                                            <p:cond delay="0"/>
+                                          </p:stCondLst>
+                                        </p:cTn>
+                                        <p:tgtEl>
+                                          <p:spTgt spid="78"/>
+                                        </p:tgtEl>
+                                        <p:attrNameLst>
+                                          <p:attrName>style.visibility</p:attrName>
+                                        </p:attrNameLst>
+                                      </p:cBhvr>
+                                      <p:to>
+                                        <p:strVal val="visible"/>
+                                      </p:to>
+                                    </p:set>
+                                  </p:childTnLst>
+                                </p:cTn>
+                              </p:par>
+                              <p:par>
+                                <p:cTn id="7" presetID="1" presetClass="entr" presetSubtype="0" fill="hold" nodeType="withEffect">
+                                  <p:stCondLst>
+                                    <p:cond delay="0"/>
+                                  </p:stCondLst>
+                                  <p:childTnLst>
+                                    <p:set>
+                                      <p:cBhvr>
+                                        <p:cTn id="8" dur="1" fill="hold">
+                                          <p:stCondLst>
+                                            <p:cond delay="0"/>
+                                          </p:stCondLst>
+                                        </p:cTn>
+                                        <p:tgtEl>
+                                          <p:spTgt spid="79"/>
+                                        </p:tgtEl>
+                                        <p:attrNameLst>
+                                          <p:attrName>style.visibility</p:attrName>
+                                        </p:attrNameLst>
+                                      </p:cBhvr>
+                                      <p:to>
+                                        <p:strVal val="visible"/>
+                                      </p:to>
+                                    </p:set>
+                                  </p:childTnLst>
+                                </p:cTn>
+                              </p:par>
+                              <p:par>
+                                <p:cTn id="9" presetID="1" presetClass="entr" presetSubtype="0" fill="hold" grpId="0" nodeType="withEffect">
+                                  <p:stCondLst>
+                                    <p:cond delay="500"/>
+                                  </p:stCondLst>
+                                  <p:childTnLst>
+                                    <p:set>
+                                      <p:cBhvr>
+                                        <p:cTn id="10" dur="1" fill="hold">
+                                          <p:stCondLst>
+                                            <p:cond delay="0"/>
+                                          </p:stCondLst>
+                                        </p:cTn>
+                                        <p:tgtEl>
+                                          <p:spTgt spid="83"/>
+                                        </p:tgtEl>
+                                        <p:attrNameLst>
+                                          <p:attrName>style.visibility</p:attrName>
+                                        </p:attrNameLst>
+                                      </p:cBhvr>
+                                      <p:to>
+                                        <p:strVal val="visible"/>
+                                      </p:to>
+                                    </p:set>
+                                  </p:childTnLst>
+                                </p:cTn>
+                              </p:par>
+                              <p:par>
+                                <p:cTn id="11" presetID="1" presetClass="entr" presetSubtype="0" fill="hold" grpId="0" nodeType="withEffect">
+                                  <p:stCondLst>
+                                    <p:cond delay="500"/>
+                                  </p:stCondLst>
+                                  <p:childTnLst>
+                                    <p:set>
+                                      <p:cBhvr>
+                                        <p:cTn id="12" dur="1" fill="hold">
+                                          <p:stCondLst>
+                                            <p:cond delay="0"/>
+                                          </p:stCondLst>
+                                        </p:cTn>
+                                        <p:tgtEl>
+                                          <p:spTgt spid="84"/>
+                                        </p:tgtEl>
+                                        <p:attrNameLst>
+                                          <p:attrName>style.visibility</p:attrName>
+                                        </p:attrNameLst>
+                                      </p:cBhvr>
+                                      <p:to>
+                                        <p:strVal val="visible"/>
+                                      </p:to>
+                                    </p:set>
+                                  </p:childTnLst>
+                                </p:cTn>
+                              </p:par>
+                              <p:par>
+                                <p:cTn id="13" presetID="1" presetClass="entr" presetSubtype="0" fill="hold" grpId="0" nodeType="withEffect">
+                                  <p:stCondLst>
+                                    <p:cond delay="500"/>
+                                  </p:stCondLst>
+                                  <p:childTnLst>
+                                    <p:set>
+                                      <p:cBhvr>
+                                        <p:cTn id="14" dur="1" fill="hold">
+                                          <p:stCondLst>
+                                            <p:cond delay="0"/>
+                                          </p:stCondLst>
+                                        </p:cTn>
+                                        <p:tgtEl>
+                                          <p:spTgt spid="85"/>
+                                        </p:tgtEl>
+                                        <p:attrNameLst>
+                                          <p:attrName>style.visibility</p:attrName>
+                                        </p:attrNameLst>
+                                      </p:cBhvr>
+                                      <p:to>
+                                        <p:strVal val="visible"/>
+                                      </p:to>
+                                    </p:set>
+                                  </p:childTnLst>
+                                </p:cTn>
+                              </p:par>
+                              <p:par>
+                                <p:cTn id="15" presetID="1" presetClass="entr" presetSubtype="0" fill="hold" grpId="0" nodeType="withEffect">
+                                  <p:stCondLst>
+                                    <p:cond delay="500"/>
+                                  </p:stCondLst>
+                                  <p:childTnLst>
+                                    <p:set>
+                                      <p:cBhvr>
+                                        <p:cTn id="16" dur="1" fill="hold">
+                                          <p:stCondLst>
+                                            <p:cond delay="0"/>
+                                          </p:stCondLst>
+                                        </p:cTn>
+                                        <p:tgtEl>
+                                          <p:spTgt spid="88"/>
+                                        </p:tgtEl>
+                                        <p:attrNameLst>
+                                          <p:attrName>style.visibility</p:attrName>
+                                        </p:attrNameLst>
+                                      </p:cBhvr>
+                                      <p:to>
+                                        <p:strVal val="visible"/>
+                                      </p:to>
+                                    </p:set>
+                                  </p:childTnLst>
+                                </p:cTn>
+                              </p:par>
+                              <p:par>
+                                <p:cTn id="17" presetID="1" presetClass="entr" presetSubtype="0" fill="hold" nodeType="withEffect">
+                                  <p:stCondLst>
+                                    <p:cond delay="0"/>
+                                  </p:stCondLst>
+                                  <p:childTnLst>
+                                    <p:set>
+                                      <p:cBhvr>
+                                        <p:cTn id="18" dur="1" fill="hold">
+                                          <p:stCondLst>
+                                            <p:cond delay="0"/>
+                                          </p:stCondLst>
+                                        </p:cTn>
+                                        <p:tgtEl>
+                                          <p:spTgt spid="89"/>
+                                        </p:tgtEl>
+                                        <p:attrNameLst>
+                                          <p:attrName>style.visibility</p:attrName>
+                                        </p:attrNameLst>
+                                      </p:cBhvr>
+                                      <p:to>
+                                        <p:strVal val="visible"/>
+                                      </p:to>
+                                    </p:set>
+                                  </p:childTnLst>
+                                </p:cTn>
+                              </p:par>
+                            </p:childTnLst>
+                          </p:cTn>
+                        </p:par>
+                      </p:childTnLst>
+                    </p:cTn>
+                  </p:par>
+                </p:childTnLst>
+              </p:cTn>
+              <p:prevCondLst>
+                <p:cond evt="onPrev" delay="0">
+                  <p:tgtEl>
+                    <p:sldTgt/>
+                  </p:tgtEl>
+                </p:cond>
+              </p:prevCondLst>
+              <p:nextCondLst>
+                <p:cond evt="onNext" delay="0">
+                  <p:tgtEl>
+                    <p:sldTgt/>
+                  </p:tgtEl>
+                </p:cond>
+              </p:nextCondLst>
+            </p:seq>
+          </p:childTnLst>
+        </p:cTn>
+      </p:par>
+    </p:tnLst>
+    <p:bldLst>
+      <p:bldP spid="85" grpId="0" animBg="1"/>
+      <p:bldP spid="84" grpId="0" animBg="1"/>
+      <p:bldP spid="83" grpId="0" animBg="1"/>
+      <p:bldP spid="78" grpId="0" animBg="1"/>
+      <p:bldP spid="88" grpId="0" animBg="1"/>
+    </p:bldLst>
+  </p:timing>
+</p:sld>
+</file>
+
+<file path=ppt/slides/slide9.xml><?xml version="1.0" encoding="utf-8"?>
+<p:sld xmlns:a="http://schemas.openxmlformats.org/drawingml/2006/main" xmlns:r="http://schemas.openxmlformats.org/officeDocument/2006/relationships" xmlns:p="http://schemas.openxmlformats.org/presentationml/2006/main">
+  <p:cSld>
+    <p:spTree>
+      <p:nvGrpSpPr>
+        <p:cNvPr id="1" name=""/>
+        <p:cNvGrpSpPr/>
+        <p:nvPr/>
+      </p:nvGrpSpPr>
+      <p:grpSpPr>
+        <a:xfrm>
+          <a:off x="0" y="0"/>
+          <a:ext cx="0" cy="0"/>
+          <a:chOff x="0" y="0"/>
+          <a:chExt cx="0" cy="0"/>
+        </a:xfrm>
+      </p:grpSpPr>
+      <p:sp>
+        <p:nvSpPr>
+          <p:cNvPr id="22" name="Rectangle 21">
+            <a:extLst>
+              <a:ext uri="{FF2B5EF4-FFF2-40B4-BE49-F238E27FC236}">
+                <a16:creationId xmlns:a16="http://schemas.microsoft.com/office/drawing/2014/main" id="{FFA5A827-A9DD-AB47-8F53-AFA65D2B125B}"/>
+              </a:ext>
+            </a:extLst>
+          </p:cNvPr>
+          <p:cNvSpPr/>
+          <p:nvPr/>
+        </p:nvSpPr>
+        <p:spPr>
+          <a:xfrm>
+            <a:off x="5189404" y="1792272"/>
+            <a:ext cx="4195584" cy="2409058"/>
+          </a:xfrm>
+          <a:prstGeom prst="rect">
+            <a:avLst/>
+          </a:prstGeom>
+          <a:noFill/>
+          <a:ln w="12700">
+            <a:solidFill>
+              <a:srgbClr val="418926"/>
+            </a:solidFill>
+          </a:ln>
+        </p:spPr>
+        <p:style>
+          <a:lnRef idx="2">
+            <a:schemeClr val="accent1">
+              <a:shade val="50000"/>
+            </a:schemeClr>
+          </a:lnRef>
+          <a:fillRef idx="1">
+            <a:schemeClr val="accent1"/>
+          </a:fillRef>
+          <a:effectRef idx="0">
+            <a:schemeClr val="accent1"/>
+          </a:effectRef>
+          <a:fontRef idx="minor">
+            <a:schemeClr val="lt1"/>
+          </a:fontRef>
+        </p:style>
+        <p:txBody>
+          <a:bodyPr rot="0" spcFirstLastPara="0" vertOverflow="overflow" horzOverflow="overflow" vert="horz" wrap="square" lIns="457200" tIns="91440" rIns="91440" bIns="45720" numCol="1" spcCol="0" rtlCol="0" fromWordArt="0" anchor="t" anchorCtr="0" forceAA="0" compatLnSpc="1">
+            <a:prstTxWarp prst="textNoShape">
+              <a:avLst/>
+            </a:prstTxWarp>
+            <a:noAutofit/>
+          </a:bodyPr>
+          <a:lstStyle/>
+          <a:p>
+            <a:pPr algn="l"/>
+            <a:r>
+              <a:rPr lang="en-US" sz="1200" dirty="0">
+                <a:ln w="0"/>
+                <a:solidFill>
+                  <a:srgbClr val="FF5745"/>
+                </a:solidFill>
+              </a:rPr>
+              <a:t>AWS IoT Core</a:t>
+            </a:r>
+          </a:p>
+        </p:txBody>
+      </p:sp>
+      <p:sp>
+        <p:nvSpPr>
+          <p:cNvPr id="16" name="Rectangle 15">
+            <a:extLst>
+              <a:ext uri="{FF2B5EF4-FFF2-40B4-BE49-F238E27FC236}">
+                <a16:creationId xmlns:a16="http://schemas.microsoft.com/office/drawing/2014/main" id="{3DF38C01-2B5C-C74F-B288-E5C4C9CD109A}"/>
+              </a:ext>
+            </a:extLst>
+          </p:cNvPr>
+          <p:cNvSpPr/>
+          <p:nvPr/>
+        </p:nvSpPr>
+        <p:spPr>
+          <a:xfrm>
+            <a:off x="1086162" y="2370077"/>
+            <a:ext cx="3523938" cy="1583348"/>
+          </a:xfrm>
+          <a:prstGeom prst="rect">
+            <a:avLst/>
+          </a:prstGeom>
+          <a:noFill/>
+          <a:ln w="12700">
+            <a:solidFill>
+              <a:schemeClr val="accent1"/>
+            </a:solidFill>
+          </a:ln>
+        </p:spPr>
+        <p:style>
+          <a:lnRef idx="2">
+            <a:schemeClr val="accent1">
+              <a:shade val="50000"/>
+            </a:schemeClr>
+          </a:lnRef>
+          <a:fillRef idx="1">
+            <a:schemeClr val="accent1"/>
+          </a:fillRef>
+          <a:effectRef idx="0">
+            <a:schemeClr val="accent1"/>
+          </a:effectRef>
+          <a:fontRef idx="minor">
+            <a:schemeClr val="lt1"/>
+          </a:fontRef>
+        </p:style>
+        <p:txBody>
+          <a:bodyPr rot="0" spcFirstLastPara="0" vertOverflow="overflow" horzOverflow="overflow" vert="horz" wrap="square" lIns="457200" tIns="91440" rIns="91440" bIns="45720" numCol="1" spcCol="0" rtlCol="0" fromWordArt="0" anchor="t" anchorCtr="0" forceAA="0" compatLnSpc="1">
+            <a:prstTxWarp prst="textNoShape">
+              <a:avLst/>
+            </a:prstTxWarp>
+            <a:noAutofit/>
+          </a:bodyPr>
+          <a:lstStyle/>
+          <a:p>
+            <a:pPr algn="l"/>
+            <a:r>
+              <a:rPr lang="en-US" sz="1200" dirty="0">
+                <a:ln w="0"/>
+                <a:solidFill>
+                  <a:schemeClr val="accent1"/>
+                </a:solidFill>
+              </a:rPr>
+              <a:t>EC2 instance contents</a:t>
+            </a:r>
+          </a:p>
+        </p:txBody>
+      </p:sp>
+      <p:sp>
+        <p:nvSpPr>
+          <p:cNvPr id="6" name="Rectangle 5">
+            <a:extLst>
+              <a:ext uri="{FF2B5EF4-FFF2-40B4-BE49-F238E27FC236}">
+                <a16:creationId xmlns:a16="http://schemas.microsoft.com/office/drawing/2014/main" id="{6EC1D34F-5DF2-6940-AA98-C1F7A9563946}"/>
+              </a:ext>
+            </a:extLst>
+          </p:cNvPr>
+          <p:cNvSpPr/>
+          <p:nvPr/>
+        </p:nvSpPr>
+        <p:spPr>
+          <a:xfrm>
+            <a:off x="755963" y="1777503"/>
+            <a:ext cx="4195584" cy="2409058"/>
+          </a:xfrm>
+          <a:prstGeom prst="rect">
+            <a:avLst/>
+          </a:prstGeom>
+          <a:noFill/>
+          <a:ln w="12700">
+            <a:solidFill>
+              <a:schemeClr val="accent6"/>
+            </a:solidFill>
+          </a:ln>
+        </p:spPr>
+        <p:style>
+          <a:lnRef idx="2">
+            <a:schemeClr val="accent1">
+              <a:shade val="50000"/>
+            </a:schemeClr>
+          </a:lnRef>
+          <a:fillRef idx="1">
+            <a:schemeClr val="accent1"/>
+          </a:fillRef>
+          <a:effectRef idx="0">
+            <a:schemeClr val="accent1"/>
+          </a:effectRef>
+          <a:fontRef idx="minor">
+            <a:schemeClr val="lt1"/>
+          </a:fontRef>
+        </p:style>
+        <p:txBody>
+          <a:bodyPr rot="0" spcFirstLastPara="0" vertOverflow="overflow" horzOverflow="overflow" vert="horz" wrap="square" lIns="457200" tIns="91440" rIns="91440" bIns="45720" numCol="1" spcCol="0" rtlCol="0" fromWordArt="0" anchor="t" anchorCtr="0" forceAA="0" compatLnSpc="1">
+            <a:prstTxWarp prst="textNoShape">
+              <a:avLst/>
+            </a:prstTxWarp>
+            <a:noAutofit/>
+          </a:bodyPr>
+          <a:lstStyle/>
+          <a:p>
+            <a:pPr algn="l"/>
+            <a:r>
+              <a:rPr lang="en-US" sz="1200" dirty="0">
+                <a:ln w="0"/>
+                <a:solidFill>
+                  <a:schemeClr val="accent6"/>
+                </a:solidFill>
+              </a:rPr>
+              <a:t>Operator VPC</a:t>
+            </a:r>
+          </a:p>
+        </p:txBody>
+      </p:sp>
+      <p:sp>
+        <p:nvSpPr>
+          <p:cNvPr id="85" name="Rectangle 84">
+            <a:extLst>
+              <a:ext uri="{FF2B5EF4-FFF2-40B4-BE49-F238E27FC236}">
+                <a16:creationId xmlns:a16="http://schemas.microsoft.com/office/drawing/2014/main" id="{701B42EA-FE20-7348-816B-67AE7CA9BCCA}"/>
+              </a:ext>
+            </a:extLst>
+          </p:cNvPr>
+          <p:cNvSpPr/>
+          <p:nvPr/>
+        </p:nvSpPr>
+        <p:spPr>
+          <a:xfrm rot="5400000">
+            <a:off x="1211060" y="4203900"/>
+            <a:ext cx="1110533" cy="228409"/>
+          </a:xfrm>
+          <a:prstGeom prst="rect">
+            <a:avLst/>
+          </a:prstGeom>
+          <a:solidFill>
+            <a:srgbClr val="D3F0F9"/>
+          </a:solidFill>
+          <a:ln>
+            <a:noFill/>
+          </a:ln>
+          <a:effectLst/>
+        </p:spPr>
+        <p:style>
+          <a:lnRef idx="1">
+            <a:schemeClr val="accent1"/>
+          </a:lnRef>
+          <a:fillRef idx="3">
+            <a:schemeClr val="accent1"/>
+          </a:fillRef>
+          <a:effectRef idx="2">
+            <a:schemeClr val="accent1"/>
+          </a:effectRef>
+          <a:fontRef idx="minor">
+            <a:schemeClr val="lt1"/>
+          </a:fontRef>
+        </p:style>
+        <p:txBody>
+          <a:bodyPr rtlCol="0" anchor="ctr"/>
+          <a:lstStyle/>
+          <a:p>
+            <a:pPr algn="ctr"/>
+            <a:endParaRPr lang="en-US" dirty="0"/>
+          </a:p>
+        </p:txBody>
+      </p:sp>
+      <p:sp>
+        <p:nvSpPr>
+          <p:cNvPr id="10" name="Rectangle 9">
+            <a:extLst>
+              <a:ext uri="{FF2B5EF4-FFF2-40B4-BE49-F238E27FC236}">
+                <a16:creationId xmlns:a16="http://schemas.microsoft.com/office/drawing/2014/main" id="{03B0C1E4-A403-D14A-AAE6-10A7057CB0F7}"/>
+              </a:ext>
+            </a:extLst>
+          </p:cNvPr>
+          <p:cNvSpPr/>
+          <p:nvPr/>
+        </p:nvSpPr>
+        <p:spPr>
+          <a:xfrm>
+            <a:off x="9775464" y="2372470"/>
+            <a:ext cx="3503143" cy="1580955"/>
+          </a:xfrm>
+          <a:prstGeom prst="rect">
+            <a:avLst/>
+          </a:prstGeom>
+          <a:noFill/>
+          <a:ln w="12700">
+            <a:solidFill>
+              <a:schemeClr val="accent1"/>
+            </a:solidFill>
+          </a:ln>
+        </p:spPr>
+        <p:style>
+          <a:lnRef idx="2">
+            <a:schemeClr val="accent1">
+              <a:shade val="50000"/>
+            </a:schemeClr>
+          </a:lnRef>
+          <a:fillRef idx="1">
+            <a:schemeClr val="accent1"/>
+          </a:fillRef>
+          <a:effectRef idx="0">
+            <a:schemeClr val="accent1"/>
+          </a:effectRef>
+          <a:fontRef idx="minor">
+            <a:schemeClr val="lt1"/>
+          </a:fontRef>
+        </p:style>
+        <p:txBody>
+          <a:bodyPr rot="0" spcFirstLastPara="0" vertOverflow="overflow" horzOverflow="overflow" vert="horz" wrap="square" lIns="457200" tIns="91440" rIns="91440" bIns="45720" numCol="1" spcCol="0" rtlCol="0" fromWordArt="0" anchor="t" anchorCtr="0" forceAA="0" compatLnSpc="1">
+            <a:prstTxWarp prst="textNoShape">
+              <a:avLst/>
+            </a:prstTxWarp>
+            <a:noAutofit/>
+          </a:bodyPr>
+          <a:lstStyle/>
+          <a:p>
+            <a:r>
+              <a:rPr lang="en-US" sz="1200" dirty="0">
+                <a:ln w="0"/>
+                <a:solidFill>
+                  <a:schemeClr val="accent1"/>
+                </a:solidFill>
+              </a:rPr>
+              <a:t>EC2 Secure Tunnel Multiplex Demo</a:t>
+            </a:r>
+          </a:p>
+          <a:p>
+            <a:pPr algn="l"/>
+            <a:endParaRPr lang="en-US" sz="1200" dirty="0">
+              <a:ln w="0"/>
+              <a:solidFill>
+                <a:schemeClr val="accent1"/>
+              </a:solidFill>
+            </a:endParaRPr>
+          </a:p>
+        </p:txBody>
+      </p:sp>
+      <p:sp>
+        <p:nvSpPr>
+          <p:cNvPr id="4" name="Rectangle 3">
+            <a:extLst>
+              <a:ext uri="{FF2B5EF4-FFF2-40B4-BE49-F238E27FC236}">
+                <a16:creationId xmlns:a16="http://schemas.microsoft.com/office/drawing/2014/main" id="{2AF86E18-C11F-EB4C-B6C5-B705F96A7A87}"/>
+              </a:ext>
+            </a:extLst>
+          </p:cNvPr>
+          <p:cNvSpPr/>
+          <p:nvPr/>
+        </p:nvSpPr>
+        <p:spPr>
+          <a:xfrm>
+            <a:off x="9628785" y="1812736"/>
+            <a:ext cx="3915451" cy="2409057"/>
+          </a:xfrm>
+          <a:prstGeom prst="rect">
+            <a:avLst/>
+          </a:prstGeom>
+          <a:noFill/>
+          <a:ln w="12700">
+            <a:solidFill>
+              <a:schemeClr val="accent6"/>
+            </a:solidFill>
+          </a:ln>
+        </p:spPr>
+        <p:style>
+          <a:lnRef idx="2">
+            <a:schemeClr val="accent1">
+              <a:shade val="50000"/>
+            </a:schemeClr>
+          </a:lnRef>
+          <a:fillRef idx="1">
+            <a:schemeClr val="accent1"/>
+          </a:fillRef>
+          <a:effectRef idx="0">
+            <a:schemeClr val="accent1"/>
+          </a:effectRef>
+          <a:fontRef idx="minor">
+            <a:schemeClr val="lt1"/>
+          </a:fontRef>
+        </p:style>
+        <p:txBody>
+          <a:bodyPr rot="0" spcFirstLastPara="0" vertOverflow="overflow" horzOverflow="overflow" vert="horz" wrap="square" lIns="457200" tIns="91440" rIns="91440" bIns="45720" numCol="1" spcCol="0" rtlCol="0" fromWordArt="0" anchor="t" anchorCtr="0" forceAA="0" compatLnSpc="1">
+            <a:prstTxWarp prst="textNoShape">
+              <a:avLst/>
+            </a:prstTxWarp>
+            <a:noAutofit/>
+          </a:bodyPr>
+          <a:lstStyle/>
+          <a:p>
+            <a:pPr algn="l"/>
+            <a:r>
+              <a:rPr lang="en-US" sz="1200" dirty="0">
+                <a:ln w="0"/>
+                <a:solidFill>
+                  <a:schemeClr val="accent6"/>
+                </a:solidFill>
+              </a:rPr>
+              <a:t>Device VPC</a:t>
+            </a:r>
+          </a:p>
+        </p:txBody>
+      </p:sp>
+      <p:sp>
+        <p:nvSpPr>
+          <p:cNvPr id="84" name="Rectangle 83">
+            <a:extLst>
+              <a:ext uri="{FF2B5EF4-FFF2-40B4-BE49-F238E27FC236}">
+                <a16:creationId xmlns:a16="http://schemas.microsoft.com/office/drawing/2014/main" id="{33A67670-8F3B-2940-82D1-E4F9726FE2EA}"/>
+              </a:ext>
+            </a:extLst>
+          </p:cNvPr>
+          <p:cNvSpPr/>
+          <p:nvPr/>
+        </p:nvSpPr>
+        <p:spPr>
+          <a:xfrm rot="5400000">
+            <a:off x="12093184" y="4335245"/>
+            <a:ext cx="1110533" cy="228409"/>
+          </a:xfrm>
+          <a:prstGeom prst="rect">
+            <a:avLst/>
+          </a:prstGeom>
+          <a:solidFill>
+            <a:srgbClr val="D3F0F9"/>
+          </a:solidFill>
+          <a:ln>
+            <a:noFill/>
+          </a:ln>
+          <a:effectLst/>
+        </p:spPr>
+        <p:style>
+          <a:lnRef idx="1">
+            <a:schemeClr val="accent1"/>
+          </a:lnRef>
+          <a:fillRef idx="3">
+            <a:schemeClr val="accent1"/>
+          </a:fillRef>
+          <a:effectRef idx="2">
+            <a:schemeClr val="accent1"/>
+          </a:effectRef>
+          <a:fontRef idx="minor">
+            <a:schemeClr val="lt1"/>
+          </a:fontRef>
+        </p:style>
+        <p:txBody>
+          <a:bodyPr rtlCol="0" anchor="ctr"/>
+          <a:lstStyle/>
+          <a:p>
+            <a:pPr algn="ctr"/>
+            <a:endParaRPr lang="en-US" dirty="0"/>
+          </a:p>
+        </p:txBody>
+      </p:sp>
+      <p:sp>
+        <p:nvSpPr>
+          <p:cNvPr id="83" name="Rectangle 82">
+            <a:extLst>
+              <a:ext uri="{FF2B5EF4-FFF2-40B4-BE49-F238E27FC236}">
+                <a16:creationId xmlns:a16="http://schemas.microsoft.com/office/drawing/2014/main" id="{098330D2-2B8E-BC49-BF8A-F5E6CD31ADB5}"/>
+              </a:ext>
+            </a:extLst>
+          </p:cNvPr>
+          <p:cNvSpPr/>
+          <p:nvPr/>
+        </p:nvSpPr>
+        <p:spPr>
+          <a:xfrm>
+            <a:off x="1652122" y="4776307"/>
+            <a:ext cx="4380379" cy="228409"/>
+          </a:xfrm>
+          <a:prstGeom prst="rect">
+            <a:avLst/>
+          </a:prstGeom>
+          <a:solidFill>
+            <a:srgbClr val="D3F0F9"/>
+          </a:solidFill>
+          <a:ln>
+            <a:noFill/>
+          </a:ln>
+          <a:effectLst/>
+        </p:spPr>
+        <p:style>
+          <a:lnRef idx="1">
+            <a:schemeClr val="accent1"/>
+          </a:lnRef>
+          <a:fillRef idx="3">
+            <a:schemeClr val="accent1"/>
+          </a:fillRef>
+          <a:effectRef idx="2">
+            <a:schemeClr val="accent1"/>
+          </a:effectRef>
+          <a:fontRef idx="minor">
+            <a:schemeClr val="lt1"/>
+          </a:fontRef>
+        </p:style>
+        <p:txBody>
+          <a:bodyPr rtlCol="0" anchor="ctr"/>
+          <a:lstStyle/>
+          <a:p>
+            <a:pPr algn="ctr"/>
+            <a:endParaRPr lang="en-US" dirty="0"/>
+          </a:p>
+        </p:txBody>
+      </p:sp>
+      <p:sp>
+        <p:nvSpPr>
+          <p:cNvPr id="2" name="Title 1">
+            <a:extLst>
+              <a:ext uri="{FF2B5EF4-FFF2-40B4-BE49-F238E27FC236}">
+                <a16:creationId xmlns:a16="http://schemas.microsoft.com/office/drawing/2014/main" id="{05A28F45-E2E9-6141-A33F-875111AD7622}"/>
+              </a:ext>
+            </a:extLst>
+          </p:cNvPr>
+          <p:cNvSpPr>
+            <a:spLocks noGrp="1"/>
+          </p:cNvSpPr>
+          <p:nvPr>
+            <p:ph type="title"/>
+          </p:nvPr>
+        </p:nvSpPr>
+        <p:spPr>
+          <a:xfrm>
+            <a:off x="548639" y="183898"/>
+            <a:ext cx="13514832" cy="904122"/>
+          </a:xfrm>
+        </p:spPr>
+        <p:txBody>
+          <a:bodyPr/>
+          <a:lstStyle/>
+          <a:p>
+            <a:r>
+              <a:rPr lang="en-US" dirty="0"/>
+              <a:t>Node Web API</a:t>
+            </a:r>
+          </a:p>
+        </p:txBody>
+      </p:sp>
+      <p:pic>
+        <p:nvPicPr>
+          <p:cNvPr id="5" name="Graphic 4">
+            <a:extLst>
+              <a:ext uri="{FF2B5EF4-FFF2-40B4-BE49-F238E27FC236}">
+                <a16:creationId xmlns:a16="http://schemas.microsoft.com/office/drawing/2014/main" id="{455B254A-DE87-7E42-8DD7-4F803CE55D4A}"/>
+              </a:ext>
+            </a:extLst>
+          </p:cNvPr>
+          <p:cNvPicPr>
+            <a:picLocks noChangeAspect="1"/>
+          </p:cNvPicPr>
+          <p:nvPr/>
+        </p:nvPicPr>
+        <p:blipFill>
+          <a:blip r:embed="rId3">
+            <a:extLst>
+              <a:ext uri="{96DAC541-7B7A-43D3-8B79-37D633B846F1}">
+                <asvg:svgBlip xmlns:asvg="http://schemas.microsoft.com/office/drawing/2016/SVG/main" r:embed="rId4"/>
+              </a:ext>
+            </a:extLst>
+          </a:blip>
+          <a:stretch>
+            <a:fillRect/>
+          </a:stretch>
+        </p:blipFill>
+        <p:spPr>
+          <a:xfrm>
+            <a:off x="9628787" y="1812737"/>
+            <a:ext cx="330200" cy="330200"/>
+          </a:xfrm>
+          <a:prstGeom prst="rect">
+            <a:avLst/>
+          </a:prstGeom>
+        </p:spPr>
+      </p:pic>
+      <p:pic>
+        <p:nvPicPr>
+          <p:cNvPr id="7" name="Graphic 6">
+            <a:extLst>
+              <a:ext uri="{FF2B5EF4-FFF2-40B4-BE49-F238E27FC236}">
+                <a16:creationId xmlns:a16="http://schemas.microsoft.com/office/drawing/2014/main" id="{3A860373-5E4B-5842-BE62-9B34FF75DF29}"/>
+              </a:ext>
+            </a:extLst>
+          </p:cNvPr>
+          <p:cNvPicPr>
+            <a:picLocks noChangeAspect="1"/>
+          </p:cNvPicPr>
+          <p:nvPr/>
+        </p:nvPicPr>
+        <p:blipFill>
+          <a:blip r:embed="rId3">
+            <a:extLst>
+              <a:ext uri="{96DAC541-7B7A-43D3-8B79-37D633B846F1}">
+                <asvg:svgBlip xmlns:asvg="http://schemas.microsoft.com/office/drawing/2016/SVG/main" r:embed="rId4"/>
+              </a:ext>
+            </a:extLst>
+          </a:blip>
+          <a:stretch>
+            <a:fillRect/>
+          </a:stretch>
+        </p:blipFill>
+        <p:spPr>
+          <a:xfrm>
+            <a:off x="755962" y="1777503"/>
+            <a:ext cx="330200" cy="330200"/>
+          </a:xfrm>
+          <a:prstGeom prst="rect">
+            <a:avLst/>
+          </a:prstGeom>
+        </p:spPr>
+      </p:pic>
+      <p:sp>
+        <p:nvSpPr>
+          <p:cNvPr id="9" name="TextBox 8">
+            <a:extLst>
+              <a:ext uri="{FF2B5EF4-FFF2-40B4-BE49-F238E27FC236}">
+                <a16:creationId xmlns:a16="http://schemas.microsoft.com/office/drawing/2014/main" id="{B26B2C15-7C1A-FB40-83B5-AFF4E34D3B22}"/>
+              </a:ext>
+            </a:extLst>
+          </p:cNvPr>
+          <p:cNvSpPr txBox="1"/>
+          <p:nvPr/>
+        </p:nvSpPr>
+        <p:spPr>
+          <a:xfrm>
+            <a:off x="10875074" y="3638834"/>
+            <a:ext cx="1061268" cy="204749"/>
+          </a:xfrm>
+          <a:prstGeom prst="rect">
+            <a:avLst/>
+          </a:prstGeom>
+          <a:noFill/>
+        </p:spPr>
+        <p:txBody>
+          <a:bodyPr wrap="square" lIns="0" tIns="0" rIns="0" bIns="0" rtlCol="0" anchor="t">
+            <a:noAutofit/>
+          </a:bodyPr>
+          <a:lstStyle/>
+          <a:p>
+            <a:pPr algn="ctr"/>
+            <a:r>
+              <a:rPr lang="en-US" sz="1400" dirty="0"/>
+              <a:t>device agent</a:t>
+            </a:r>
+          </a:p>
+        </p:txBody>
+      </p:sp>
+      <p:pic>
+        <p:nvPicPr>
+          <p:cNvPr id="11" name="Graphic 10">
+            <a:extLst>
+              <a:ext uri="{FF2B5EF4-FFF2-40B4-BE49-F238E27FC236}">
+                <a16:creationId xmlns:a16="http://schemas.microsoft.com/office/drawing/2014/main" id="{8550801C-45E6-4646-BF4C-A5B80F2EA011}"/>
+              </a:ext>
+            </a:extLst>
+          </p:cNvPr>
+          <p:cNvPicPr>
+            <a:picLocks noChangeAspect="1"/>
+          </p:cNvPicPr>
+          <p:nvPr/>
+        </p:nvPicPr>
+        <p:blipFill>
+          <a:blip r:embed="rId5">
+            <a:extLst>
+              <a:ext uri="{96DAC541-7B7A-43D3-8B79-37D633B846F1}">
+                <asvg:svgBlip xmlns:asvg="http://schemas.microsoft.com/office/drawing/2016/SVG/main" r:embed="rId6"/>
+              </a:ext>
+            </a:extLst>
+          </a:blip>
+          <a:stretch>
+            <a:fillRect/>
+          </a:stretch>
+        </p:blipFill>
+        <p:spPr>
+          <a:xfrm>
+            <a:off x="9793887" y="2372467"/>
+            <a:ext cx="330200" cy="330200"/>
+          </a:xfrm>
+          <a:prstGeom prst="rect">
+            <a:avLst/>
+          </a:prstGeom>
+        </p:spPr>
+      </p:pic>
+      <p:sp>
+        <p:nvSpPr>
+          <p:cNvPr id="13" name="TextBox 12">
+            <a:extLst>
+              <a:ext uri="{FF2B5EF4-FFF2-40B4-BE49-F238E27FC236}">
+                <a16:creationId xmlns:a16="http://schemas.microsoft.com/office/drawing/2014/main" id="{9E7B7CBD-AC80-3042-B2AD-C88A22C75FAB}"/>
+              </a:ext>
+            </a:extLst>
+          </p:cNvPr>
+          <p:cNvSpPr txBox="1"/>
+          <p:nvPr/>
+        </p:nvSpPr>
+        <p:spPr>
+          <a:xfrm>
+            <a:off x="2853001" y="3519282"/>
+            <a:ext cx="1506552" cy="307777"/>
+          </a:xfrm>
+          <a:prstGeom prst="rect">
+            <a:avLst/>
+          </a:prstGeom>
+          <a:noFill/>
+        </p:spPr>
+        <p:txBody>
+          <a:bodyPr wrap="square" rtlCol="0">
+            <a:spAutoFit/>
+          </a:bodyPr>
+          <a:lstStyle/>
+          <a:p>
+            <a:pPr algn="ctr"/>
+            <a:r>
+              <a:rPr lang="en-US" sz="1400" dirty="0"/>
+              <a:t>AWS Cloud9</a:t>
+            </a:r>
+          </a:p>
+        </p:txBody>
+      </p:sp>
+      <p:pic>
+        <p:nvPicPr>
+          <p:cNvPr id="14" name="Graphic 13">
+            <a:extLst>
+              <a:ext uri="{FF2B5EF4-FFF2-40B4-BE49-F238E27FC236}">
+                <a16:creationId xmlns:a16="http://schemas.microsoft.com/office/drawing/2014/main" id="{D0FFD2A5-01BF-6149-9005-E89CF879499D}"/>
+              </a:ext>
+            </a:extLst>
+          </p:cNvPr>
+          <p:cNvPicPr>
+            <a:picLocks noChangeAspect="1"/>
+          </p:cNvPicPr>
+          <p:nvPr/>
+        </p:nvPicPr>
+        <p:blipFill>
+          <a:blip r:embed="rId7">
+            <a:extLst>
+              <a:ext uri="{96DAC541-7B7A-43D3-8B79-37D633B846F1}">
+                <asvg:svgBlip xmlns:asvg="http://schemas.microsoft.com/office/drawing/2016/SVG/main" r:embed="rId8"/>
+              </a:ext>
+            </a:extLst>
+          </a:blip>
+          <a:stretch>
+            <a:fillRect/>
+          </a:stretch>
+        </p:blipFill>
+        <p:spPr>
+          <a:xfrm>
+            <a:off x="3250677" y="2787390"/>
+            <a:ext cx="711200" cy="711200"/>
+          </a:xfrm>
+          <a:prstGeom prst="rect">
+            <a:avLst/>
+          </a:prstGeom>
+        </p:spPr>
+      </p:pic>
+      <p:pic>
+        <p:nvPicPr>
+          <p:cNvPr id="17" name="Graphic 16">
+            <a:extLst>
+              <a:ext uri="{FF2B5EF4-FFF2-40B4-BE49-F238E27FC236}">
+                <a16:creationId xmlns:a16="http://schemas.microsoft.com/office/drawing/2014/main" id="{527B4E0E-6779-7A40-87E7-CAA98DC3EB33}"/>
+              </a:ext>
+            </a:extLst>
+          </p:cNvPr>
+          <p:cNvPicPr>
+            <a:picLocks noChangeAspect="1"/>
+          </p:cNvPicPr>
+          <p:nvPr/>
+        </p:nvPicPr>
+        <p:blipFill>
+          <a:blip r:embed="rId5">
+            <a:extLst>
+              <a:ext uri="{96DAC541-7B7A-43D3-8B79-37D633B846F1}">
+                <asvg:svgBlip xmlns:asvg="http://schemas.microsoft.com/office/drawing/2016/SVG/main" r:embed="rId6"/>
+              </a:ext>
+            </a:extLst>
+          </a:blip>
+          <a:stretch>
+            <a:fillRect/>
+          </a:stretch>
+        </p:blipFill>
+        <p:spPr>
+          <a:xfrm>
+            <a:off x="1086163" y="2370076"/>
+            <a:ext cx="330200" cy="330200"/>
+          </a:xfrm>
+          <a:prstGeom prst="rect">
+            <a:avLst/>
+          </a:prstGeom>
+        </p:spPr>
+      </p:pic>
+      <p:sp>
+        <p:nvSpPr>
+          <p:cNvPr id="18" name="Rectangle 17">
+            <a:extLst>
+              <a:ext uri="{FF2B5EF4-FFF2-40B4-BE49-F238E27FC236}">
+                <a16:creationId xmlns:a16="http://schemas.microsoft.com/office/drawing/2014/main" id="{8C303FE8-05A8-0940-B22E-030485B41620}"/>
+              </a:ext>
+            </a:extLst>
+          </p:cNvPr>
+          <p:cNvSpPr/>
+          <p:nvPr/>
+        </p:nvSpPr>
+        <p:spPr>
+          <a:xfrm>
+            <a:off x="536762" y="1014266"/>
+            <a:ext cx="13337675" cy="4365811"/>
+          </a:xfrm>
+          <a:prstGeom prst="rect">
+            <a:avLst/>
+          </a:prstGeom>
+          <a:noFill/>
+          <a:ln w="12700">
+            <a:solidFill>
+              <a:srgbClr val="FAFAFA"/>
+            </a:solidFill>
+          </a:ln>
+        </p:spPr>
+        <p:style>
+          <a:lnRef idx="2">
+            <a:schemeClr val="accent1">
+              <a:shade val="50000"/>
+            </a:schemeClr>
+          </a:lnRef>
+          <a:fillRef idx="1">
+            <a:schemeClr val="accent1"/>
+          </a:fillRef>
+          <a:effectRef idx="0">
+            <a:schemeClr val="accent1"/>
+          </a:effectRef>
+          <a:fontRef idx="minor">
+            <a:schemeClr val="lt1"/>
+          </a:fontRef>
+        </p:style>
+        <p:txBody>
+          <a:bodyPr rot="0" spcFirstLastPara="0" vertOverflow="overflow" horzOverflow="overflow" vert="horz" wrap="square" lIns="457200" tIns="91440" rIns="91440" bIns="45720" numCol="1" spcCol="0" rtlCol="0" fromWordArt="0" anchor="t" anchorCtr="0" forceAA="0" compatLnSpc="1">
+            <a:prstTxWarp prst="textNoShape">
+              <a:avLst/>
+            </a:prstTxWarp>
+            <a:noAutofit/>
+          </a:bodyPr>
+          <a:lstStyle/>
+          <a:p>
+            <a:pPr algn="l"/>
+            <a:r>
+              <a:rPr lang="en-US" sz="1200" dirty="0">
+                <a:solidFill>
+                  <a:srgbClr val="FAFAFA"/>
+                </a:solidFill>
+              </a:rPr>
+              <a:t>AWS Cloud</a:t>
+            </a:r>
+          </a:p>
+        </p:txBody>
+      </p:sp>
+      <p:pic>
+        <p:nvPicPr>
+          <p:cNvPr id="19" name="Graphic 18">
+            <a:extLst>
+              <a:ext uri="{FF2B5EF4-FFF2-40B4-BE49-F238E27FC236}">
+                <a16:creationId xmlns:a16="http://schemas.microsoft.com/office/drawing/2014/main" id="{70EEFEA1-DD08-1E4E-B40B-387B419B449D}"/>
+              </a:ext>
+            </a:extLst>
+          </p:cNvPr>
+          <p:cNvPicPr>
+            <a:picLocks noChangeAspect="1"/>
+          </p:cNvPicPr>
+          <p:nvPr/>
+        </p:nvPicPr>
+        <p:blipFill>
+          <a:blip r:embed="rId9">
+            <a:extLst>
+              <a:ext uri="{96DAC541-7B7A-43D3-8B79-37D633B846F1}">
+                <asvg:svgBlip xmlns:asvg="http://schemas.microsoft.com/office/drawing/2016/SVG/main" r:embed="rId10"/>
+              </a:ext>
+            </a:extLst>
+          </a:blip>
+          <a:stretch>
+            <a:fillRect/>
+          </a:stretch>
+        </p:blipFill>
+        <p:spPr>
+          <a:xfrm>
+            <a:off x="536764" y="1014267"/>
+            <a:ext cx="330200" cy="330200"/>
+          </a:xfrm>
+          <a:prstGeom prst="rect">
+            <a:avLst/>
+          </a:prstGeom>
+        </p:spPr>
+      </p:pic>
+      <p:pic>
+        <p:nvPicPr>
+          <p:cNvPr id="24" name="Graphic 23">
+            <a:extLst>
+              <a:ext uri="{FF2B5EF4-FFF2-40B4-BE49-F238E27FC236}">
+                <a16:creationId xmlns:a16="http://schemas.microsoft.com/office/drawing/2014/main" id="{2DE8E22B-C86A-374D-931D-54E3D271922C}"/>
+              </a:ext>
+            </a:extLst>
+          </p:cNvPr>
+          <p:cNvPicPr>
+            <a:picLocks noChangeAspect="1"/>
+          </p:cNvPicPr>
+          <p:nvPr/>
+        </p:nvPicPr>
+        <p:blipFill>
+          <a:blip r:embed="rId11">
+            <a:extLst>
+              <a:ext uri="{96DAC541-7B7A-43D3-8B79-37D633B846F1}">
+                <asvg:svgBlip xmlns:asvg="http://schemas.microsoft.com/office/drawing/2016/SVG/main" r:embed="rId12"/>
+              </a:ext>
+            </a:extLst>
+          </a:blip>
+          <a:stretch>
+            <a:fillRect/>
+          </a:stretch>
+        </p:blipFill>
+        <p:spPr>
+          <a:xfrm>
+            <a:off x="5189072" y="1792271"/>
+            <a:ext cx="330200" cy="446135"/>
+          </a:xfrm>
+          <a:prstGeom prst="rect">
+            <a:avLst/>
+          </a:prstGeom>
+        </p:spPr>
+      </p:pic>
+      <p:sp>
+        <p:nvSpPr>
+          <p:cNvPr id="26" name="TextBox 25">
+            <a:extLst>
+              <a:ext uri="{FF2B5EF4-FFF2-40B4-BE49-F238E27FC236}">
+                <a16:creationId xmlns:a16="http://schemas.microsoft.com/office/drawing/2014/main" id="{4DBAC102-7287-ED4F-8B4F-C59DB714327C}"/>
+              </a:ext>
+            </a:extLst>
+          </p:cNvPr>
+          <p:cNvSpPr txBox="1"/>
+          <p:nvPr/>
+        </p:nvSpPr>
+        <p:spPr>
+          <a:xfrm>
+            <a:off x="5496667" y="3455310"/>
+            <a:ext cx="659293" cy="276999"/>
+          </a:xfrm>
+          <a:prstGeom prst="rect">
+            <a:avLst/>
+          </a:prstGeom>
+          <a:noFill/>
+        </p:spPr>
+        <p:txBody>
+          <a:bodyPr wrap="square" rtlCol="0">
+            <a:spAutoFit/>
+          </a:bodyPr>
+          <a:lstStyle/>
+          <a:p>
+            <a:pPr algn="ctr"/>
+            <a:r>
+              <a:rPr lang="en-US" sz="1200" dirty="0"/>
+              <a:t>tunnel</a:t>
+            </a:r>
+          </a:p>
+        </p:txBody>
+      </p:sp>
+      <p:sp>
+        <p:nvSpPr>
+          <p:cNvPr id="54" name="TextBox 53">
+            <a:extLst>
+              <a:ext uri="{FF2B5EF4-FFF2-40B4-BE49-F238E27FC236}">
+                <a16:creationId xmlns:a16="http://schemas.microsoft.com/office/drawing/2014/main" id="{E22189B5-FCD3-144F-BA14-5875F4C5E888}"/>
+              </a:ext>
+            </a:extLst>
+          </p:cNvPr>
+          <p:cNvSpPr txBox="1"/>
+          <p:nvPr/>
+        </p:nvSpPr>
+        <p:spPr>
+          <a:xfrm>
+            <a:off x="1167514" y="3481182"/>
+            <a:ext cx="1180427" cy="307777"/>
+          </a:xfrm>
+          <a:prstGeom prst="rect">
+            <a:avLst/>
+          </a:prstGeom>
+          <a:noFill/>
+        </p:spPr>
+        <p:txBody>
+          <a:bodyPr wrap="square" rtlCol="0">
+            <a:spAutoFit/>
+          </a:bodyPr>
+          <a:lstStyle/>
+          <a:p>
+            <a:pPr algn="ctr"/>
+            <a:r>
+              <a:rPr lang="en-US" sz="1400" dirty="0"/>
+              <a:t>local proxy</a:t>
+            </a:r>
+          </a:p>
+        </p:txBody>
+      </p:sp>
+      <p:pic>
+        <p:nvPicPr>
+          <p:cNvPr id="55" name="Graphic 54">
+            <a:extLst>
+              <a:ext uri="{FF2B5EF4-FFF2-40B4-BE49-F238E27FC236}">
+                <a16:creationId xmlns:a16="http://schemas.microsoft.com/office/drawing/2014/main" id="{C4DD3522-DD9D-AF4D-B66F-413650060C5A}"/>
+              </a:ext>
+            </a:extLst>
+          </p:cNvPr>
+          <p:cNvPicPr>
+            <a:picLocks noChangeAspect="1"/>
+          </p:cNvPicPr>
+          <p:nvPr/>
+        </p:nvPicPr>
+        <p:blipFill>
+          <a:blip r:embed="rId13">
+            <a:extLst>
+              <a:ext uri="{96DAC541-7B7A-43D3-8B79-37D633B846F1}">
+                <asvg:svgBlip xmlns:asvg="http://schemas.microsoft.com/office/drawing/2016/SVG/main" r:embed="rId14"/>
+              </a:ext>
+            </a:extLst>
+          </a:blip>
+          <a:stretch>
+            <a:fillRect/>
+          </a:stretch>
+        </p:blipFill>
+        <p:spPr>
+          <a:xfrm>
+            <a:off x="1351793" y="2749290"/>
+            <a:ext cx="787909" cy="787909"/>
+          </a:xfrm>
+          <a:prstGeom prst="rect">
+            <a:avLst/>
+          </a:prstGeom>
+        </p:spPr>
+      </p:pic>
+      <p:sp>
+        <p:nvSpPr>
+          <p:cNvPr id="57" name="TextBox 56">
+            <a:extLst>
+              <a:ext uri="{FF2B5EF4-FFF2-40B4-BE49-F238E27FC236}">
+                <a16:creationId xmlns:a16="http://schemas.microsoft.com/office/drawing/2014/main" id="{2143ED68-DA69-E546-9CF0-3BD538D3F0F3}"/>
+              </a:ext>
+            </a:extLst>
+          </p:cNvPr>
+          <p:cNvSpPr txBox="1"/>
+          <p:nvPr/>
+        </p:nvSpPr>
+        <p:spPr>
+          <a:xfrm>
+            <a:off x="12058240" y="3586404"/>
+            <a:ext cx="1180427" cy="307777"/>
+          </a:xfrm>
+          <a:prstGeom prst="rect">
+            <a:avLst/>
+          </a:prstGeom>
+          <a:noFill/>
+        </p:spPr>
+        <p:txBody>
+          <a:bodyPr wrap="square" rtlCol="0">
+            <a:spAutoFit/>
+          </a:bodyPr>
+          <a:lstStyle/>
+          <a:p>
+            <a:pPr algn="ctr"/>
+            <a:r>
+              <a:rPr lang="en-US" sz="1400" dirty="0"/>
+              <a:t>local proxy</a:t>
+            </a:r>
+          </a:p>
+        </p:txBody>
+      </p:sp>
+      <p:pic>
+        <p:nvPicPr>
+          <p:cNvPr id="60" name="Graphic 59">
+            <a:extLst>
+              <a:ext uri="{FF2B5EF4-FFF2-40B4-BE49-F238E27FC236}">
+                <a16:creationId xmlns:a16="http://schemas.microsoft.com/office/drawing/2014/main" id="{0DF9C51A-60AF-2E47-8447-4FECD9A9475D}"/>
+              </a:ext>
+            </a:extLst>
+          </p:cNvPr>
+          <p:cNvPicPr>
+            <a:picLocks noChangeAspect="1"/>
+          </p:cNvPicPr>
+          <p:nvPr/>
+        </p:nvPicPr>
+        <p:blipFill>
+          <a:blip r:embed="rId15">
+            <a:extLst>
+              <a:ext uri="{96DAC541-7B7A-43D3-8B79-37D633B846F1}">
+                <asvg:svgBlip xmlns:asvg="http://schemas.microsoft.com/office/drawing/2016/SVG/main" r:embed="rId16"/>
+              </a:ext>
+            </a:extLst>
+          </a:blip>
+          <a:stretch>
+            <a:fillRect/>
+          </a:stretch>
+        </p:blipFill>
+        <p:spPr>
+          <a:xfrm>
+            <a:off x="11046873" y="2847161"/>
+            <a:ext cx="787909" cy="787909"/>
+          </a:xfrm>
+          <a:prstGeom prst="rect">
+            <a:avLst/>
+          </a:prstGeom>
+        </p:spPr>
+      </p:pic>
+      <p:pic>
+        <p:nvPicPr>
+          <p:cNvPr id="61" name="Graphic 60">
+            <a:extLst>
+              <a:ext uri="{FF2B5EF4-FFF2-40B4-BE49-F238E27FC236}">
+                <a16:creationId xmlns:a16="http://schemas.microsoft.com/office/drawing/2014/main" id="{439C5718-88EE-6643-BC34-49C2CB29A156}"/>
+              </a:ext>
+            </a:extLst>
+          </p:cNvPr>
+          <p:cNvPicPr>
+            <a:picLocks noChangeAspect="1"/>
+          </p:cNvPicPr>
+          <p:nvPr/>
+        </p:nvPicPr>
+        <p:blipFill>
+          <a:blip r:embed="rId13">
+            <a:extLst>
+              <a:ext uri="{96DAC541-7B7A-43D3-8B79-37D633B846F1}">
+                <asvg:svgBlip xmlns:asvg="http://schemas.microsoft.com/office/drawing/2016/SVG/main" r:embed="rId14"/>
+              </a:ext>
+            </a:extLst>
+          </a:blip>
+          <a:stretch>
+            <a:fillRect/>
+          </a:stretch>
+        </p:blipFill>
+        <p:spPr>
+          <a:xfrm>
+            <a:off x="12244292" y="2844565"/>
+            <a:ext cx="787909" cy="787909"/>
+          </a:xfrm>
+          <a:prstGeom prst="rect">
+            <a:avLst/>
+          </a:prstGeom>
+        </p:spPr>
+      </p:pic>
+      <p:pic>
+        <p:nvPicPr>
+          <p:cNvPr id="64" name="Picture 63">
+            <a:extLst>
+              <a:ext uri="{FF2B5EF4-FFF2-40B4-BE49-F238E27FC236}">
+                <a16:creationId xmlns:a16="http://schemas.microsoft.com/office/drawing/2014/main" id="{1F22C267-507F-7847-975F-71A1363BDA92}"/>
+              </a:ext>
+            </a:extLst>
+          </p:cNvPr>
+          <p:cNvPicPr>
+            <a:picLocks noChangeAspect="1"/>
+          </p:cNvPicPr>
+          <p:nvPr/>
+        </p:nvPicPr>
+        <p:blipFill>
+          <a:blip r:embed="rId17"/>
+          <a:stretch>
+            <a:fillRect/>
+          </a:stretch>
+        </p:blipFill>
+        <p:spPr>
+          <a:xfrm>
+            <a:off x="5482324" y="2752281"/>
+            <a:ext cx="687979" cy="793821"/>
+          </a:xfrm>
+          <a:prstGeom prst="rect">
+            <a:avLst/>
+          </a:prstGeom>
+        </p:spPr>
+      </p:pic>
+      <p:pic>
+        <p:nvPicPr>
+          <p:cNvPr id="68" name="Graphic 67">
+            <a:extLst>
+              <a:ext uri="{FF2B5EF4-FFF2-40B4-BE49-F238E27FC236}">
+                <a16:creationId xmlns:a16="http://schemas.microsoft.com/office/drawing/2014/main" id="{FAEC67E3-41BC-424E-9ABB-D46B6182C615}"/>
+              </a:ext>
+            </a:extLst>
+          </p:cNvPr>
+          <p:cNvPicPr>
+            <a:picLocks noChangeAspect="1"/>
+          </p:cNvPicPr>
+          <p:nvPr/>
+        </p:nvPicPr>
+        <p:blipFill>
+          <a:blip r:embed="rId18">
+            <a:extLst>
+              <a:ext uri="{96DAC541-7B7A-43D3-8B79-37D633B846F1}">
+                <asvg:svgBlip xmlns:asvg="http://schemas.microsoft.com/office/drawing/2016/SVG/main" r:embed="rId19"/>
+              </a:ext>
+            </a:extLst>
+          </a:blip>
+          <a:stretch>
+            <a:fillRect/>
+          </a:stretch>
+        </p:blipFill>
+        <p:spPr>
+          <a:xfrm>
+            <a:off x="7533806" y="2977741"/>
+            <a:ext cx="469900" cy="469900"/>
+          </a:xfrm>
+          <a:prstGeom prst="rect">
+            <a:avLst/>
+          </a:prstGeom>
+        </p:spPr>
+      </p:pic>
+      <p:sp>
+        <p:nvSpPr>
+          <p:cNvPr id="69" name="TextBox 68">
+            <a:extLst>
+              <a:ext uri="{FF2B5EF4-FFF2-40B4-BE49-F238E27FC236}">
+                <a16:creationId xmlns:a16="http://schemas.microsoft.com/office/drawing/2014/main" id="{B7CD34B4-0A93-7A49-B531-7BE2FFA4F068}"/>
+              </a:ext>
+            </a:extLst>
+          </p:cNvPr>
+          <p:cNvSpPr txBox="1"/>
+          <p:nvPr/>
+        </p:nvSpPr>
+        <p:spPr>
+          <a:xfrm>
+            <a:off x="6272459" y="3491804"/>
+            <a:ext cx="2992594" cy="191371"/>
+          </a:xfrm>
+          <a:prstGeom prst="rect">
+            <a:avLst/>
+          </a:prstGeom>
+          <a:noFill/>
+        </p:spPr>
+        <p:txBody>
+          <a:bodyPr wrap="square" lIns="0" tIns="0" rIns="0" bIns="0" rtlCol="0" anchor="t">
+            <a:noAutofit/>
+          </a:bodyPr>
+          <a:lstStyle/>
+          <a:p>
+            <a:pPr algn="ctr"/>
+            <a:r>
+              <a:rPr lang="en-US" sz="1200" dirty="0"/>
+              <a:t>$aws/things/</a:t>
+            </a:r>
+            <a:r>
+              <a:rPr lang="en-US" sz="1200" dirty="0">
+                <a:solidFill>
+                  <a:schemeClr val="accent1"/>
+                </a:solidFill>
+              </a:rPr>
+              <a:t>&lt;thingName&gt;</a:t>
+            </a:r>
+            <a:r>
+              <a:rPr lang="en-US" sz="1200" dirty="0"/>
+              <a:t>/tunnels/notify</a:t>
+            </a:r>
+            <a:endParaRPr lang="en-US" sz="2800" dirty="0"/>
+          </a:p>
+        </p:txBody>
+      </p:sp>
+      <p:sp>
+        <p:nvSpPr>
+          <p:cNvPr id="78" name="Rectangle 77">
+            <a:extLst>
+              <a:ext uri="{FF2B5EF4-FFF2-40B4-BE49-F238E27FC236}">
+                <a16:creationId xmlns:a16="http://schemas.microsoft.com/office/drawing/2014/main" id="{DB1B3187-3B57-F34D-9CB2-80541CECB878}"/>
+              </a:ext>
+            </a:extLst>
+          </p:cNvPr>
+          <p:cNvSpPr/>
+          <p:nvPr/>
+        </p:nvSpPr>
+        <p:spPr>
+          <a:xfrm>
+            <a:off x="5706785" y="4776308"/>
+            <a:ext cx="7037666" cy="228409"/>
+          </a:xfrm>
+          <a:prstGeom prst="rect">
+            <a:avLst/>
+          </a:prstGeom>
+          <a:solidFill>
+            <a:srgbClr val="D3F0F9"/>
+          </a:solidFill>
+          <a:ln>
+            <a:noFill/>
+          </a:ln>
+          <a:effectLst/>
+        </p:spPr>
+        <p:style>
+          <a:lnRef idx="1">
+            <a:schemeClr val="accent1"/>
+          </a:lnRef>
+          <a:fillRef idx="3">
+            <a:schemeClr val="accent1"/>
+          </a:fillRef>
+          <a:effectRef idx="2">
+            <a:schemeClr val="accent1"/>
+          </a:effectRef>
+          <a:fontRef idx="minor">
+            <a:schemeClr val="lt1"/>
+          </a:fontRef>
+        </p:style>
+        <p:txBody>
+          <a:bodyPr rtlCol="0" anchor="ctr"/>
+          <a:lstStyle/>
+          <a:p>
+            <a:pPr algn="ctr"/>
+            <a:endParaRPr lang="en-US" dirty="0"/>
+          </a:p>
+        </p:txBody>
+      </p:sp>
+      <p:cxnSp>
+        <p:nvCxnSpPr>
+          <p:cNvPr id="79" name="Straight Arrow Connector 78">
+            <a:extLst>
+              <a:ext uri="{FF2B5EF4-FFF2-40B4-BE49-F238E27FC236}">
+                <a16:creationId xmlns:a16="http://schemas.microsoft.com/office/drawing/2014/main" id="{9F2D36CD-A6B5-264D-8755-C0E9BC215596}"/>
+              </a:ext>
+            </a:extLst>
+          </p:cNvPr>
+          <p:cNvCxnSpPr>
+            <a:cxnSpLocks/>
+            <a:stCxn id="85" idx="1"/>
+            <a:endCxn id="57" idx="2"/>
+          </p:cNvCxnSpPr>
+          <p:nvPr/>
+        </p:nvCxnSpPr>
+        <p:spPr>
+          <a:xfrm rot="16200000" flipH="1">
+            <a:off x="7141718" y="-1612555"/>
+            <a:ext cx="131343" cy="10882128"/>
+          </a:xfrm>
+          <a:prstGeom prst="bentConnector3">
+            <a:avLst>
+              <a:gd name="adj1" fmla="val 867060"/>
+            </a:avLst>
+          </a:prstGeom>
+          <a:ln w="12700">
+            <a:solidFill>
+              <a:srgbClr val="0073BB"/>
+            </a:solidFill>
+            <a:prstDash val="dash"/>
+            <a:headEnd type="none" w="med" len="sm"/>
+            <a:tailEnd type="none" w="med" len="sm"/>
+          </a:ln>
+        </p:spPr>
+        <p:style>
+          <a:lnRef idx="1">
+            <a:schemeClr val="accent1"/>
+          </a:lnRef>
+          <a:fillRef idx="0">
+            <a:schemeClr val="accent1"/>
+          </a:fillRef>
+          <a:effectRef idx="0">
+            <a:schemeClr val="accent1"/>
+          </a:effectRef>
+          <a:fontRef idx="minor">
+            <a:schemeClr val="tx1"/>
+          </a:fontRef>
+        </p:style>
+      </p:cxnSp>
+      <p:sp>
+        <p:nvSpPr>
+          <p:cNvPr id="82" name="Rounded Rectangle 81">
+            <a:extLst>
+              <a:ext uri="{FF2B5EF4-FFF2-40B4-BE49-F238E27FC236}">
+                <a16:creationId xmlns:a16="http://schemas.microsoft.com/office/drawing/2014/main" id="{352E21AB-4387-3D40-9E2D-41484BAD8519}"/>
+              </a:ext>
+            </a:extLst>
+          </p:cNvPr>
+          <p:cNvSpPr/>
+          <p:nvPr/>
+        </p:nvSpPr>
+        <p:spPr>
+          <a:xfrm>
+            <a:off x="2639569" y="2715448"/>
+            <a:ext cx="308225" cy="330201"/>
+          </a:xfrm>
+          <a:prstGeom prst="roundRect">
+            <a:avLst/>
+          </a:prstGeom>
+          <a:solidFill>
+            <a:srgbClr val="683BC4"/>
+          </a:solidFill>
+          <a:ln>
+            <a:noFill/>
+          </a:ln>
+          <a:effectLst/>
+        </p:spPr>
+        <p:style>
+          <a:lnRef idx="1">
+            <a:schemeClr val="accent1"/>
+          </a:lnRef>
+          <a:fillRef idx="3">
+            <a:schemeClr val="accent1"/>
+          </a:fillRef>
+          <a:effectRef idx="2">
+            <a:schemeClr val="accent1"/>
+          </a:effectRef>
+          <a:fontRef idx="minor">
+            <a:schemeClr val="lt1"/>
+          </a:fontRef>
+        </p:style>
+        <p:txBody>
+          <a:bodyPr rtlCol="0" anchor="ctr"/>
+          <a:lstStyle/>
+          <a:p>
+            <a:pPr algn="ctr"/>
+            <a:r>
+              <a:rPr lang="en-US" sz="1200" b="1" dirty="0"/>
+              <a:t>1</a:t>
+            </a:r>
+          </a:p>
+        </p:txBody>
+      </p:sp>
+      <p:sp>
+        <p:nvSpPr>
+          <p:cNvPr id="88" name="Rectangle 87">
+            <a:extLst>
+              <a:ext uri="{FF2B5EF4-FFF2-40B4-BE49-F238E27FC236}">
+                <a16:creationId xmlns:a16="http://schemas.microsoft.com/office/drawing/2014/main" id="{800D71F5-C7BF-1A45-B77A-19600127A6EC}"/>
+              </a:ext>
+            </a:extLst>
+          </p:cNvPr>
+          <p:cNvSpPr/>
+          <p:nvPr/>
+        </p:nvSpPr>
+        <p:spPr>
+          <a:xfrm rot="5400000">
+            <a:off x="5272731" y="4161799"/>
+            <a:ext cx="1110533" cy="228409"/>
+          </a:xfrm>
+          <a:prstGeom prst="rect">
+            <a:avLst/>
+          </a:prstGeom>
+          <a:solidFill>
+            <a:srgbClr val="D3F0F9"/>
+          </a:solidFill>
+          <a:ln>
+            <a:noFill/>
+          </a:ln>
+          <a:effectLst/>
+        </p:spPr>
+        <p:style>
+          <a:lnRef idx="1">
+            <a:schemeClr val="accent1"/>
+          </a:lnRef>
+          <a:fillRef idx="3">
+            <a:schemeClr val="accent1"/>
+          </a:fillRef>
+          <a:effectRef idx="2">
+            <a:schemeClr val="accent1"/>
+          </a:effectRef>
+          <a:fontRef idx="minor">
+            <a:schemeClr val="lt1"/>
+          </a:fontRef>
+        </p:style>
+        <p:txBody>
+          <a:bodyPr rtlCol="0" anchor="ctr"/>
+          <a:lstStyle/>
+          <a:p>
+            <a:pPr algn="ctr"/>
+            <a:endParaRPr lang="en-US" dirty="0"/>
+          </a:p>
+        </p:txBody>
+      </p:sp>
+      <p:cxnSp>
+        <p:nvCxnSpPr>
+          <p:cNvPr id="89" name="Straight Arrow Connector 78">
+            <a:extLst>
+              <a:ext uri="{FF2B5EF4-FFF2-40B4-BE49-F238E27FC236}">
+                <a16:creationId xmlns:a16="http://schemas.microsoft.com/office/drawing/2014/main" id="{551B113A-2993-F447-BE72-98FFF9F2F03F}"/>
+              </a:ext>
+            </a:extLst>
+          </p:cNvPr>
+          <p:cNvCxnSpPr>
+            <a:cxnSpLocks/>
+            <a:stCxn id="26" idx="2"/>
+          </p:cNvCxnSpPr>
+          <p:nvPr/>
+        </p:nvCxnSpPr>
+        <p:spPr>
+          <a:xfrm>
+            <a:off x="5826314" y="3732309"/>
+            <a:ext cx="0" cy="1158202"/>
+          </a:xfrm>
+          <a:prstGeom prst="straightConnector1">
+            <a:avLst/>
+          </a:prstGeom>
+          <a:ln w="12700">
+            <a:solidFill>
+              <a:srgbClr val="0073BB"/>
+            </a:solidFill>
+            <a:prstDash val="dash"/>
+            <a:headEnd type="none" w="med" len="sm"/>
+            <a:tailEnd type="none" w="med" len="sm"/>
+          </a:ln>
+        </p:spPr>
+        <p:style>
+          <a:lnRef idx="1">
+            <a:schemeClr val="accent1"/>
+          </a:lnRef>
+          <a:fillRef idx="0">
+            <a:schemeClr val="accent1"/>
+          </a:fillRef>
+          <a:effectRef idx="0">
+            <a:schemeClr val="accent1"/>
+          </a:effectRef>
+          <a:fontRef idx="minor">
+            <a:schemeClr val="tx1"/>
+          </a:fontRef>
+        </p:style>
+      </p:cxnSp>
+      <p:cxnSp>
+        <p:nvCxnSpPr>
+          <p:cNvPr id="8" name="Straight Arrow Connector 7">
+            <a:extLst>
+              <a:ext uri="{FF2B5EF4-FFF2-40B4-BE49-F238E27FC236}">
+                <a16:creationId xmlns:a16="http://schemas.microsoft.com/office/drawing/2014/main" id="{DC986BE6-DE6E-664D-9535-F059A59A3470}"/>
+              </a:ext>
+            </a:extLst>
+          </p:cNvPr>
+          <p:cNvCxnSpPr>
+            <a:cxnSpLocks/>
+            <a:stCxn id="85" idx="1"/>
+            <a:endCxn id="26" idx="2"/>
+          </p:cNvCxnSpPr>
+          <p:nvPr/>
+        </p:nvCxnSpPr>
+        <p:spPr>
+          <a:xfrm rot="5400000" flipH="1" flipV="1">
+            <a:off x="3781056" y="1717580"/>
+            <a:ext cx="30529" cy="4059988"/>
+          </a:xfrm>
+          <a:prstGeom prst="bentConnector3">
+            <a:avLst>
+              <a:gd name="adj1" fmla="val -3693986"/>
+            </a:avLst>
+          </a:prstGeom>
+          <a:ln w="57150">
+            <a:solidFill>
+              <a:srgbClr val="FF0000"/>
+            </a:solidFill>
+            <a:headEnd type="none" w="med" len="med"/>
+            <a:tailEnd type="none" w="med" len="med"/>
+          </a:ln>
+        </p:spPr>
+        <p:style>
+          <a:lnRef idx="2">
+            <a:schemeClr val="accent1"/>
+          </a:lnRef>
+          <a:fillRef idx="0">
+            <a:schemeClr val="accent1"/>
+          </a:fillRef>
+          <a:effectRef idx="1">
+            <a:schemeClr val="accent1"/>
+          </a:effectRef>
+          <a:fontRef idx="minor">
+            <a:schemeClr val="tx1"/>
+          </a:fontRef>
+        </p:style>
+      </p:cxnSp>
+      <p:cxnSp>
+        <p:nvCxnSpPr>
+          <p:cNvPr id="93" name="Straight Arrow Connector 7">
+            <a:extLst>
+              <a:ext uri="{FF2B5EF4-FFF2-40B4-BE49-F238E27FC236}">
+                <a16:creationId xmlns:a16="http://schemas.microsoft.com/office/drawing/2014/main" id="{EB7182ED-41A8-9C4B-9509-42DADCFA9C22}"/>
+              </a:ext>
+            </a:extLst>
+          </p:cNvPr>
+          <p:cNvCxnSpPr>
+            <a:cxnSpLocks/>
+            <a:stCxn id="14" idx="1"/>
+            <a:endCxn id="55" idx="3"/>
+          </p:cNvCxnSpPr>
+          <p:nvPr/>
+        </p:nvCxnSpPr>
+        <p:spPr>
+          <a:xfrm flipH="1">
+            <a:off x="2139702" y="3142990"/>
+            <a:ext cx="1110975" cy="255"/>
+          </a:xfrm>
+          <a:prstGeom prst="straightConnector1">
+            <a:avLst/>
+          </a:prstGeom>
+          <a:ln w="57150">
+            <a:solidFill>
+              <a:srgbClr val="FF0000"/>
+            </a:solidFill>
+            <a:tailEnd type="triangle"/>
+          </a:ln>
+        </p:spPr>
+        <p:style>
+          <a:lnRef idx="2">
+            <a:schemeClr val="accent1"/>
+          </a:lnRef>
+          <a:fillRef idx="0">
+            <a:schemeClr val="accent1"/>
+          </a:fillRef>
+          <a:effectRef idx="1">
+            <a:schemeClr val="accent1"/>
+          </a:effectRef>
+          <a:fontRef idx="minor">
+            <a:schemeClr val="tx1"/>
+          </a:fontRef>
+        </p:style>
+      </p:cxnSp>
+      <p:cxnSp>
+        <p:nvCxnSpPr>
+          <p:cNvPr id="95" name="Straight Arrow Connector 7">
+            <a:extLst>
+              <a:ext uri="{FF2B5EF4-FFF2-40B4-BE49-F238E27FC236}">
+                <a16:creationId xmlns:a16="http://schemas.microsoft.com/office/drawing/2014/main" id="{2A3540AE-5D53-7349-B51B-DFE2E108F1CA}"/>
+              </a:ext>
+            </a:extLst>
+          </p:cNvPr>
+          <p:cNvCxnSpPr>
+            <a:cxnSpLocks/>
+            <a:stCxn id="61" idx="1"/>
+            <a:endCxn id="60" idx="3"/>
+          </p:cNvCxnSpPr>
+          <p:nvPr/>
+        </p:nvCxnSpPr>
+        <p:spPr>
+          <a:xfrm flipH="1">
+            <a:off x="11834782" y="3238520"/>
+            <a:ext cx="409510" cy="2596"/>
+          </a:xfrm>
+          <a:prstGeom prst="straightConnector1">
+            <a:avLst/>
+          </a:prstGeom>
+          <a:ln w="57150">
+            <a:solidFill>
+              <a:srgbClr val="FF0000"/>
+            </a:solidFill>
+            <a:tailEnd type="triangle"/>
+          </a:ln>
+        </p:spPr>
+        <p:style>
+          <a:lnRef idx="2">
+            <a:schemeClr val="accent1"/>
+          </a:lnRef>
+          <a:fillRef idx="0">
+            <a:schemeClr val="accent1"/>
+          </a:fillRef>
+          <a:effectRef idx="1">
+            <a:schemeClr val="accent1"/>
+          </a:effectRef>
+          <a:fontRef idx="minor">
+            <a:schemeClr val="tx1"/>
+          </a:fontRef>
+        </p:style>
+      </p:cxnSp>
+      <p:sp>
+        <p:nvSpPr>
+          <p:cNvPr id="96" name="Rounded Rectangle 95">
+            <a:extLst>
+              <a:ext uri="{FF2B5EF4-FFF2-40B4-BE49-F238E27FC236}">
+                <a16:creationId xmlns:a16="http://schemas.microsoft.com/office/drawing/2014/main" id="{C2813BDE-DEB2-2649-B965-52EC10DF6434}"/>
+              </a:ext>
+            </a:extLst>
+          </p:cNvPr>
+          <p:cNvSpPr/>
+          <p:nvPr/>
+        </p:nvSpPr>
+        <p:spPr>
+          <a:xfrm>
+            <a:off x="3793961" y="4400946"/>
+            <a:ext cx="308225" cy="330201"/>
+          </a:xfrm>
+          <a:prstGeom prst="roundRect">
+            <a:avLst/>
+          </a:prstGeom>
+          <a:solidFill>
+            <a:srgbClr val="683BC4"/>
+          </a:solidFill>
+          <a:ln>
+            <a:noFill/>
+          </a:ln>
+          <a:effectLst/>
+        </p:spPr>
+        <p:style>
+          <a:lnRef idx="1">
+            <a:schemeClr val="accent1"/>
+          </a:lnRef>
+          <a:fillRef idx="3">
+            <a:schemeClr val="accent1"/>
+          </a:fillRef>
+          <a:effectRef idx="2">
+            <a:schemeClr val="accent1"/>
+          </a:effectRef>
+          <a:fontRef idx="minor">
+            <a:schemeClr val="lt1"/>
+          </a:fontRef>
+        </p:style>
+        <p:txBody>
+          <a:bodyPr rtlCol="0" anchor="ctr"/>
+          <a:lstStyle/>
+          <a:p>
+            <a:pPr algn="ctr"/>
+            <a:r>
+              <a:rPr lang="en-US" sz="1200" b="1" dirty="0"/>
+              <a:t>2</a:t>
+            </a:r>
+          </a:p>
+        </p:txBody>
+      </p:sp>
+      <p:sp>
+        <p:nvSpPr>
+          <p:cNvPr id="97" name="Rounded Rectangle 96">
+            <a:extLst>
+              <a:ext uri="{FF2B5EF4-FFF2-40B4-BE49-F238E27FC236}">
+                <a16:creationId xmlns:a16="http://schemas.microsoft.com/office/drawing/2014/main" id="{AC794871-34D4-784C-82C5-2AF997C8C09D}"/>
+              </a:ext>
+            </a:extLst>
+          </p:cNvPr>
+          <p:cNvSpPr/>
+          <p:nvPr/>
+        </p:nvSpPr>
+        <p:spPr>
+          <a:xfrm>
+            <a:off x="11533853" y="2827609"/>
+            <a:ext cx="308225" cy="330201"/>
+          </a:xfrm>
+          <a:prstGeom prst="roundRect">
+            <a:avLst/>
+          </a:prstGeom>
+          <a:solidFill>
+            <a:srgbClr val="683BC4"/>
+          </a:solidFill>
+          <a:ln>
+            <a:noFill/>
+          </a:ln>
+          <a:effectLst/>
+        </p:spPr>
+        <p:style>
+          <a:lnRef idx="1">
+            <a:schemeClr val="accent1"/>
+          </a:lnRef>
+          <a:fillRef idx="3">
+            <a:schemeClr val="accent1"/>
+          </a:fillRef>
+          <a:effectRef idx="2">
+            <a:schemeClr val="accent1"/>
+          </a:effectRef>
+          <a:fontRef idx="minor">
+            <a:schemeClr val="lt1"/>
+          </a:fontRef>
+        </p:style>
+        <p:txBody>
+          <a:bodyPr rtlCol="0" anchor="ctr"/>
+          <a:lstStyle/>
+          <a:p>
+            <a:pPr algn="ctr"/>
+            <a:r>
+              <a:rPr lang="en-US" sz="1200" b="1" dirty="0"/>
+              <a:t>3</a:t>
+            </a:r>
+          </a:p>
+        </p:txBody>
+      </p:sp>
+      <p:cxnSp>
+        <p:nvCxnSpPr>
+          <p:cNvPr id="99" name="Straight Arrow Connector 7">
+            <a:extLst>
+              <a:ext uri="{FF2B5EF4-FFF2-40B4-BE49-F238E27FC236}">
+                <a16:creationId xmlns:a16="http://schemas.microsoft.com/office/drawing/2014/main" id="{8B42C6A0-1703-A14A-8200-8FC6796AF1D4}"/>
+              </a:ext>
+            </a:extLst>
+          </p:cNvPr>
+          <p:cNvCxnSpPr>
+            <a:cxnSpLocks/>
+            <a:stCxn id="88" idx="1"/>
+            <a:endCxn id="84" idx="1"/>
+          </p:cNvCxnSpPr>
+          <p:nvPr/>
+        </p:nvCxnSpPr>
+        <p:spPr>
+          <a:xfrm rot="16200000" flipH="1">
+            <a:off x="9151500" y="397234"/>
+            <a:ext cx="173446" cy="6820453"/>
+          </a:xfrm>
+          <a:prstGeom prst="bentConnector3">
+            <a:avLst>
+              <a:gd name="adj1" fmla="val 677934"/>
+            </a:avLst>
+          </a:prstGeom>
+          <a:ln w="57150">
+            <a:solidFill>
+              <a:srgbClr val="FF0000"/>
+            </a:solidFill>
+            <a:tailEnd type="triangle"/>
+          </a:ln>
+        </p:spPr>
+        <p:style>
+          <a:lnRef idx="2">
+            <a:schemeClr val="accent1"/>
+          </a:lnRef>
+          <a:fillRef idx="0">
+            <a:schemeClr val="accent1"/>
+          </a:fillRef>
+          <a:effectRef idx="1">
+            <a:schemeClr val="accent1"/>
+          </a:effectRef>
+          <a:fontRef idx="minor">
+            <a:schemeClr val="tx1"/>
+          </a:fontRef>
+        </p:style>
+      </p:cxnSp>
+      <p:sp>
+        <p:nvSpPr>
+          <p:cNvPr id="100" name="Rectangle 99">
+            <a:extLst>
+              <a:ext uri="{FF2B5EF4-FFF2-40B4-BE49-F238E27FC236}">
+                <a16:creationId xmlns:a16="http://schemas.microsoft.com/office/drawing/2014/main" id="{23304320-1028-B84F-90E7-D5330B5CE140}"/>
+              </a:ext>
+            </a:extLst>
+          </p:cNvPr>
+          <p:cNvSpPr/>
+          <p:nvPr/>
+        </p:nvSpPr>
+        <p:spPr>
+          <a:xfrm>
+            <a:off x="2117277" y="5592354"/>
+            <a:ext cx="10334055" cy="1584119"/>
+          </a:xfrm>
+          <a:prstGeom prst="rect">
+            <a:avLst/>
+          </a:prstGeom>
+          <a:solidFill>
+            <a:srgbClr val="EAEDED"/>
+          </a:solidFill>
+          <a:ln>
+            <a:noFill/>
+          </a:ln>
+          <a:effectLst/>
+        </p:spPr>
+        <p:style>
+          <a:lnRef idx="1">
+            <a:schemeClr val="accent1"/>
+          </a:lnRef>
+          <a:fillRef idx="3">
+            <a:schemeClr val="accent1"/>
+          </a:fillRef>
+          <a:effectRef idx="2">
+            <a:schemeClr val="accent1"/>
+          </a:effectRef>
+          <a:fontRef idx="minor">
+            <a:schemeClr val="lt1"/>
+          </a:fontRef>
+        </p:style>
+        <p:txBody>
+          <a:bodyPr rtlCol="0" anchor="ctr"/>
+          <a:lstStyle/>
+          <a:p>
+            <a:pPr algn="ctr"/>
+            <a:endParaRPr lang="en-US" dirty="0"/>
+          </a:p>
+        </p:txBody>
+      </p:sp>
+      <p:sp>
+        <p:nvSpPr>
+          <p:cNvPr id="101" name="Rounded Rectangle 100">
+            <a:extLst>
+              <a:ext uri="{FF2B5EF4-FFF2-40B4-BE49-F238E27FC236}">
+                <a16:creationId xmlns:a16="http://schemas.microsoft.com/office/drawing/2014/main" id="{3ECEBE6F-AE6E-D94E-863A-46F6B560360D}"/>
+              </a:ext>
+            </a:extLst>
+          </p:cNvPr>
+          <p:cNvSpPr/>
+          <p:nvPr/>
+        </p:nvSpPr>
+        <p:spPr>
+          <a:xfrm>
+            <a:off x="2213176" y="5720689"/>
+            <a:ext cx="308225" cy="330201"/>
+          </a:xfrm>
+          <a:prstGeom prst="roundRect">
+            <a:avLst/>
+          </a:prstGeom>
+          <a:solidFill>
+            <a:srgbClr val="683BC4"/>
+          </a:solidFill>
+          <a:ln>
+            <a:noFill/>
+          </a:ln>
+          <a:effectLst/>
+        </p:spPr>
+        <p:style>
+          <a:lnRef idx="1">
+            <a:schemeClr val="accent1"/>
+          </a:lnRef>
+          <a:fillRef idx="3">
+            <a:schemeClr val="accent1"/>
+          </a:fillRef>
+          <a:effectRef idx="2">
+            <a:schemeClr val="accent1"/>
+          </a:effectRef>
+          <a:fontRef idx="minor">
+            <a:schemeClr val="lt1"/>
+          </a:fontRef>
+        </p:style>
+        <p:txBody>
+          <a:bodyPr rtlCol="0" anchor="ctr"/>
+          <a:lstStyle/>
+          <a:p>
+            <a:pPr algn="ctr"/>
+            <a:r>
+              <a:rPr lang="en-US" sz="1200" b="1" dirty="0"/>
+              <a:t>1</a:t>
+            </a:r>
+          </a:p>
+        </p:txBody>
+      </p:sp>
+      <p:sp>
+        <p:nvSpPr>
+          <p:cNvPr id="102" name="Rounded Rectangle 101">
+            <a:extLst>
+              <a:ext uri="{FF2B5EF4-FFF2-40B4-BE49-F238E27FC236}">
+                <a16:creationId xmlns:a16="http://schemas.microsoft.com/office/drawing/2014/main" id="{E923E2E6-F8D4-D041-BEEC-140B8E813618}"/>
+              </a:ext>
+            </a:extLst>
+          </p:cNvPr>
+          <p:cNvSpPr/>
+          <p:nvPr/>
+        </p:nvSpPr>
+        <p:spPr>
+          <a:xfrm>
+            <a:off x="2213176" y="6193379"/>
+            <a:ext cx="308225" cy="330201"/>
+          </a:xfrm>
+          <a:prstGeom prst="roundRect">
+            <a:avLst/>
+          </a:prstGeom>
+          <a:solidFill>
+            <a:srgbClr val="683BC4"/>
+          </a:solidFill>
+          <a:ln>
+            <a:noFill/>
+          </a:ln>
+          <a:effectLst/>
+        </p:spPr>
+        <p:style>
+          <a:lnRef idx="1">
+            <a:schemeClr val="accent1"/>
+          </a:lnRef>
+          <a:fillRef idx="3">
+            <a:schemeClr val="accent1"/>
+          </a:fillRef>
+          <a:effectRef idx="2">
+            <a:schemeClr val="accent1"/>
+          </a:effectRef>
+          <a:fontRef idx="minor">
+            <a:schemeClr val="lt1"/>
+          </a:fontRef>
+        </p:style>
+        <p:txBody>
+          <a:bodyPr rtlCol="0" anchor="ctr"/>
+          <a:lstStyle/>
+          <a:p>
+            <a:pPr algn="ctr"/>
+            <a:r>
+              <a:rPr lang="en-US" sz="1200" b="1" dirty="0"/>
+              <a:t>2</a:t>
+            </a:r>
+          </a:p>
+        </p:txBody>
+      </p:sp>
+      <p:sp>
+        <p:nvSpPr>
+          <p:cNvPr id="103" name="Rounded Rectangle 102">
+            <a:extLst>
+              <a:ext uri="{FF2B5EF4-FFF2-40B4-BE49-F238E27FC236}">
+                <a16:creationId xmlns:a16="http://schemas.microsoft.com/office/drawing/2014/main" id="{E0B782E8-2358-FB4A-8BDC-84204443C770}"/>
+              </a:ext>
+            </a:extLst>
+          </p:cNvPr>
+          <p:cNvSpPr/>
+          <p:nvPr/>
+        </p:nvSpPr>
+        <p:spPr>
+          <a:xfrm>
+            <a:off x="2213176" y="6684337"/>
+            <a:ext cx="308225" cy="330201"/>
+          </a:xfrm>
+          <a:prstGeom prst="roundRect">
+            <a:avLst/>
+          </a:prstGeom>
+          <a:solidFill>
+            <a:srgbClr val="683BC4"/>
+          </a:solidFill>
+          <a:ln>
+            <a:noFill/>
+          </a:ln>
+          <a:effectLst/>
+        </p:spPr>
+        <p:style>
+          <a:lnRef idx="1">
+            <a:schemeClr val="accent1"/>
+          </a:lnRef>
+          <a:fillRef idx="3">
+            <a:schemeClr val="accent1"/>
+          </a:fillRef>
+          <a:effectRef idx="2">
+            <a:schemeClr val="accent1"/>
+          </a:effectRef>
+          <a:fontRef idx="minor">
+            <a:schemeClr val="lt1"/>
+          </a:fontRef>
+        </p:style>
+        <p:txBody>
+          <a:bodyPr rtlCol="0" anchor="ctr"/>
+          <a:lstStyle/>
+          <a:p>
+            <a:pPr algn="ctr"/>
+            <a:r>
+              <a:rPr lang="en-US" sz="1200" b="1" dirty="0"/>
+              <a:t>3</a:t>
+            </a:r>
+          </a:p>
+        </p:txBody>
+      </p:sp>
+      <p:sp>
+        <p:nvSpPr>
+          <p:cNvPr id="104" name="TextBox 103">
+            <a:extLst>
+              <a:ext uri="{FF2B5EF4-FFF2-40B4-BE49-F238E27FC236}">
+                <a16:creationId xmlns:a16="http://schemas.microsoft.com/office/drawing/2014/main" id="{FA347066-3342-B649-AC9C-F0A10945B0CD}"/>
+              </a:ext>
+            </a:extLst>
+          </p:cNvPr>
+          <p:cNvSpPr txBox="1"/>
+          <p:nvPr/>
+        </p:nvSpPr>
+        <p:spPr>
+          <a:xfrm>
+            <a:off x="2532519" y="5800573"/>
+            <a:ext cx="8522225" cy="246221"/>
+          </a:xfrm>
+          <a:prstGeom prst="rect">
+            <a:avLst/>
+          </a:prstGeom>
+          <a:noFill/>
+        </p:spPr>
+        <p:txBody>
+          <a:bodyPr wrap="square" rtlCol="0">
+            <a:spAutoFit/>
+          </a:bodyPr>
+          <a:lstStyle/>
+          <a:p>
+            <a:pPr algn="l"/>
+            <a:r>
+              <a:rPr lang="en-US" sz="1000" dirty="0">
+                <a:solidFill>
+                  <a:schemeClr val="bg1"/>
+                </a:solidFill>
+                <a:latin typeface="Amazon Ember" panose="020B0603020204020204" pitchFamily="34" charset="0"/>
+                <a:ea typeface="Amazon Ember" panose="020B0603020204020204" pitchFamily="34" charset="0"/>
+                <a:cs typeface="Amazon Ember" panose="020B0603020204020204" pitchFamily="34" charset="0"/>
+              </a:rPr>
+              <a:t>The </a:t>
+            </a:r>
+            <a:r>
+              <a:rPr lang="en-US" sz="1000" b="1" dirty="0">
+                <a:solidFill>
+                  <a:schemeClr val="bg1"/>
+                </a:solidFill>
+                <a:latin typeface="Amazon Ember" panose="020B0603020204020204" pitchFamily="34" charset="0"/>
+                <a:ea typeface="Amazon Ember" panose="020B0603020204020204" pitchFamily="34" charset="0"/>
+                <a:cs typeface="Amazon Ember" panose="020B0603020204020204" pitchFamily="34" charset="0"/>
+              </a:rPr>
+              <a:t>local proxy is running in source mode</a:t>
+            </a:r>
+            <a:r>
+              <a:rPr lang="en-US" sz="1000" dirty="0">
+                <a:solidFill>
+                  <a:schemeClr val="bg1"/>
+                </a:solidFill>
+                <a:latin typeface="Amazon Ember" panose="020B0603020204020204" pitchFamily="34" charset="0"/>
+                <a:ea typeface="Amazon Ember" panose="020B0603020204020204" pitchFamily="34" charset="0"/>
+                <a:cs typeface="Amazon Ember" panose="020B0603020204020204" pitchFamily="34" charset="0"/>
+              </a:rPr>
+              <a:t> on cloud9, listening </a:t>
+            </a:r>
+            <a:r>
+              <a:rPr lang="en-US" sz="1000" b="1" dirty="0">
+                <a:solidFill>
+                  <a:schemeClr val="bg1"/>
+                </a:solidFill>
+                <a:latin typeface="Amazon Ember" panose="020B0603020204020204" pitchFamily="34" charset="0"/>
+                <a:ea typeface="Amazon Ember" panose="020B0603020204020204" pitchFamily="34" charset="0"/>
+                <a:cs typeface="Amazon Ember" panose="020B0603020204020204" pitchFamily="34" charset="0"/>
+              </a:rPr>
+              <a:t>on port 3333</a:t>
+            </a:r>
+            <a:r>
+              <a:rPr lang="en-US" sz="1000" dirty="0">
+                <a:solidFill>
+                  <a:schemeClr val="bg1"/>
+                </a:solidFill>
+                <a:latin typeface="Amazon Ember" panose="020B0603020204020204" pitchFamily="34" charset="0"/>
+                <a:ea typeface="Amazon Ember" panose="020B0603020204020204" pitchFamily="34" charset="0"/>
+                <a:cs typeface="Amazon Ember" panose="020B0603020204020204" pitchFamily="34" charset="0"/>
+              </a:rPr>
+              <a:t>. So, from Cloud9, we </a:t>
+            </a:r>
+            <a:r>
+              <a:rPr lang="en-US" sz="1000" b="1" dirty="0">
+                <a:solidFill>
+                  <a:schemeClr val="bg1"/>
+                </a:solidFill>
+                <a:latin typeface="Amazon Ember" panose="020B0603020204020204" pitchFamily="34" charset="0"/>
+                <a:ea typeface="Amazon Ember" panose="020B0603020204020204" pitchFamily="34" charset="0"/>
+                <a:cs typeface="Amazon Ember" panose="020B0603020204020204" pitchFamily="34" charset="0"/>
+              </a:rPr>
+              <a:t> curl to localhost on port 333</a:t>
+            </a:r>
+            <a:r>
+              <a:rPr lang="en-US" sz="1000" dirty="0">
+                <a:solidFill>
+                  <a:schemeClr val="bg1"/>
+                </a:solidFill>
+                <a:latin typeface="Amazon Ember" panose="020B0603020204020204" pitchFamily="34" charset="0"/>
+                <a:ea typeface="Amazon Ember" panose="020B0603020204020204" pitchFamily="34" charset="0"/>
+                <a:cs typeface="Amazon Ember" panose="020B0603020204020204" pitchFamily="34" charset="0"/>
+              </a:rPr>
+              <a:t>.</a:t>
+            </a:r>
+          </a:p>
+        </p:txBody>
+      </p:sp>
+      <p:sp>
+        <p:nvSpPr>
+          <p:cNvPr id="105" name="TextBox 104">
+            <a:extLst>
+              <a:ext uri="{FF2B5EF4-FFF2-40B4-BE49-F238E27FC236}">
+                <a16:creationId xmlns:a16="http://schemas.microsoft.com/office/drawing/2014/main" id="{0FC7E31A-62EF-C145-B53F-A319A26C675E}"/>
+              </a:ext>
+            </a:extLst>
+          </p:cNvPr>
+          <p:cNvSpPr txBox="1"/>
+          <p:nvPr/>
+        </p:nvSpPr>
+        <p:spPr>
+          <a:xfrm>
+            <a:off x="2532518" y="6744044"/>
+            <a:ext cx="9214394" cy="246221"/>
+          </a:xfrm>
+          <a:prstGeom prst="rect">
+            <a:avLst/>
+          </a:prstGeom>
+          <a:noFill/>
+        </p:spPr>
+        <p:txBody>
+          <a:bodyPr wrap="square" rtlCol="0">
+            <a:spAutoFit/>
+          </a:bodyPr>
+          <a:lstStyle/>
+          <a:p>
+            <a:pPr algn="l"/>
+            <a:r>
+              <a:rPr lang="en-US" sz="1000" dirty="0">
+                <a:solidFill>
+                  <a:schemeClr val="bg1"/>
+                </a:solidFill>
+                <a:latin typeface="Amazon Ember" panose="020B0603020204020204" pitchFamily="34" charset="0"/>
+                <a:ea typeface="Amazon Ember" panose="020B0603020204020204" pitchFamily="34" charset="0"/>
+                <a:cs typeface="Amazon Ember" panose="020B0603020204020204" pitchFamily="34" charset="0"/>
+              </a:rPr>
+              <a:t>Once the </a:t>
+            </a:r>
+            <a:r>
+              <a:rPr lang="en-US" sz="1000" b="1" dirty="0">
+                <a:solidFill>
+                  <a:schemeClr val="bg1"/>
+                </a:solidFill>
+                <a:latin typeface="Amazon Ember" panose="020B0603020204020204" pitchFamily="34" charset="0"/>
+                <a:ea typeface="Amazon Ember" panose="020B0603020204020204" pitchFamily="34" charset="0"/>
+                <a:cs typeface="Amazon Ember" panose="020B0603020204020204" pitchFamily="34" charset="0"/>
+              </a:rPr>
+              <a:t>request arrive on the local proxy running on destination mode </a:t>
+            </a:r>
+            <a:r>
+              <a:rPr lang="en-US" sz="1000" dirty="0">
+                <a:solidFill>
+                  <a:schemeClr val="bg1"/>
+                </a:solidFill>
+                <a:latin typeface="Amazon Ember" panose="020B0603020204020204" pitchFamily="34" charset="0"/>
+                <a:ea typeface="Amazon Ember" panose="020B0603020204020204" pitchFamily="34" charset="0"/>
+                <a:cs typeface="Amazon Ember" panose="020B0603020204020204" pitchFamily="34" charset="0"/>
+              </a:rPr>
+              <a:t>on the device, it </a:t>
+            </a:r>
+            <a:r>
+              <a:rPr lang="en-US" sz="1000" b="1" dirty="0">
+                <a:solidFill>
+                  <a:schemeClr val="bg1"/>
+                </a:solidFill>
+                <a:latin typeface="Amazon Ember" panose="020B0603020204020204" pitchFamily="34" charset="0"/>
+                <a:ea typeface="Amazon Ember" panose="020B0603020204020204" pitchFamily="34" charset="0"/>
+                <a:cs typeface="Amazon Ember" panose="020B0603020204020204" pitchFamily="34" charset="0"/>
+              </a:rPr>
+              <a:t>is forwarded to the local node daemon running on port 8089.</a:t>
+            </a:r>
+          </a:p>
+        </p:txBody>
+      </p:sp>
+      <p:sp>
+        <p:nvSpPr>
+          <p:cNvPr id="106" name="TextBox 105">
+            <a:extLst>
+              <a:ext uri="{FF2B5EF4-FFF2-40B4-BE49-F238E27FC236}">
+                <a16:creationId xmlns:a16="http://schemas.microsoft.com/office/drawing/2014/main" id="{C7AD16E4-829E-8943-A1D2-77ABDDA8D52C}"/>
+              </a:ext>
+            </a:extLst>
+          </p:cNvPr>
+          <p:cNvSpPr txBox="1"/>
+          <p:nvPr/>
+        </p:nvSpPr>
+        <p:spPr>
+          <a:xfrm>
+            <a:off x="2532518" y="6193379"/>
+            <a:ext cx="9563391" cy="246221"/>
+          </a:xfrm>
+          <a:prstGeom prst="rect">
+            <a:avLst/>
+          </a:prstGeom>
+          <a:noFill/>
+        </p:spPr>
+        <p:txBody>
+          <a:bodyPr wrap="square" rtlCol="0">
+            <a:spAutoFit/>
+          </a:bodyPr>
+          <a:lstStyle/>
+          <a:p>
+            <a:pPr algn="l"/>
+            <a:r>
+              <a:rPr lang="en-US" sz="1000" dirty="0">
+                <a:solidFill>
+                  <a:schemeClr val="bg1"/>
+                </a:solidFill>
+                <a:latin typeface="Amazon Ember" panose="020B0603020204020204" pitchFamily="34" charset="0"/>
+                <a:ea typeface="Amazon Ember" panose="020B0603020204020204" pitchFamily="34" charset="0"/>
+                <a:cs typeface="Amazon Ember" panose="020B0603020204020204" pitchFamily="34" charset="0"/>
+              </a:rPr>
+              <a:t>The </a:t>
+            </a:r>
+            <a:r>
+              <a:rPr lang="en-US" sz="1000" b="1" dirty="0">
+                <a:solidFill>
+                  <a:schemeClr val="bg1"/>
+                </a:solidFill>
+                <a:latin typeface="Amazon Ember" panose="020B0603020204020204" pitchFamily="34" charset="0"/>
+                <a:ea typeface="Amazon Ember" panose="020B0603020204020204" pitchFamily="34" charset="0"/>
+                <a:cs typeface="Amazon Ember" panose="020B0603020204020204" pitchFamily="34" charset="0"/>
+              </a:rPr>
+              <a:t>connection is enabled by the currently open AWS IoT Secure Tunnel</a:t>
+            </a:r>
+            <a:r>
+              <a:rPr lang="en-US" sz="1000" dirty="0">
+                <a:solidFill>
+                  <a:schemeClr val="bg1"/>
+                </a:solidFill>
+                <a:latin typeface="Amazon Ember" panose="020B0603020204020204" pitchFamily="34" charset="0"/>
+                <a:ea typeface="Amazon Ember" panose="020B0603020204020204" pitchFamily="34" charset="0"/>
+                <a:cs typeface="Amazon Ember" panose="020B0603020204020204" pitchFamily="34" charset="0"/>
+              </a:rPr>
+              <a:t>, and </a:t>
+            </a:r>
+            <a:r>
+              <a:rPr lang="en-US" sz="1000" b="1" dirty="0">
+                <a:solidFill>
+                  <a:schemeClr val="bg1"/>
+                </a:solidFill>
+                <a:latin typeface="Amazon Ember" panose="020B0603020204020204" pitchFamily="34" charset="0"/>
+                <a:ea typeface="Amazon Ember" panose="020B0603020204020204" pitchFamily="34" charset="0"/>
+                <a:cs typeface="Amazon Ember" panose="020B0603020204020204" pitchFamily="34" charset="0"/>
+              </a:rPr>
+              <a:t>goes</a:t>
+            </a:r>
+            <a:r>
+              <a:rPr lang="en-US" sz="1000" dirty="0">
+                <a:solidFill>
+                  <a:schemeClr val="bg1"/>
+                </a:solidFill>
+                <a:latin typeface="Amazon Ember" panose="020B0603020204020204" pitchFamily="34" charset="0"/>
+                <a:ea typeface="Amazon Ember" panose="020B0603020204020204" pitchFamily="34" charset="0"/>
+                <a:cs typeface="Amazon Ember" panose="020B0603020204020204" pitchFamily="34" charset="0"/>
+              </a:rPr>
+              <a:t> all the </a:t>
+            </a:r>
+            <a:r>
+              <a:rPr lang="en-US" sz="1000" b="1" dirty="0">
+                <a:solidFill>
+                  <a:schemeClr val="bg1"/>
+                </a:solidFill>
+                <a:latin typeface="Amazon Ember" panose="020B0603020204020204" pitchFamily="34" charset="0"/>
+                <a:ea typeface="Amazon Ember" panose="020B0603020204020204" pitchFamily="34" charset="0"/>
+                <a:cs typeface="Amazon Ember" panose="020B0603020204020204" pitchFamily="34" charset="0"/>
+              </a:rPr>
+              <a:t>way to the local proxy running on destination mode on the device</a:t>
+            </a:r>
+            <a:r>
+              <a:rPr lang="en-US" sz="1000" dirty="0">
+                <a:solidFill>
+                  <a:schemeClr val="bg1"/>
+                </a:solidFill>
+                <a:latin typeface="Amazon Ember" panose="020B0603020204020204" pitchFamily="34" charset="0"/>
+                <a:ea typeface="Amazon Ember" panose="020B0603020204020204" pitchFamily="34" charset="0"/>
+                <a:cs typeface="Amazon Ember" panose="020B0603020204020204" pitchFamily="34" charset="0"/>
+              </a:rPr>
+              <a:t>.</a:t>
+            </a:r>
+          </a:p>
+        </p:txBody>
+      </p:sp>
+      <p:sp>
+        <p:nvSpPr>
+          <p:cNvPr id="48" name="Rectangular Callout 47">
+            <a:extLst>
+              <a:ext uri="{FF2B5EF4-FFF2-40B4-BE49-F238E27FC236}">
+                <a16:creationId xmlns:a16="http://schemas.microsoft.com/office/drawing/2014/main" id="{E8C51A7C-2B5B-EC4B-9C49-D70D2F0F6BF8}"/>
+              </a:ext>
+            </a:extLst>
+          </p:cNvPr>
+          <p:cNvSpPr/>
+          <p:nvPr/>
+        </p:nvSpPr>
+        <p:spPr>
+          <a:xfrm>
+            <a:off x="11179039" y="4111956"/>
+            <a:ext cx="1165811" cy="612648"/>
+          </a:xfrm>
+          <a:prstGeom prst="wedgeRectCallout">
+            <a:avLst>
+              <a:gd name="adj1" fmla="val 48265"/>
+              <a:gd name="adj2" fmla="val -92351"/>
+            </a:avLst>
+          </a:prstGeom>
+          <a:solidFill>
+            <a:schemeClr val="accent1"/>
+          </a:solidFill>
+          <a:ln>
+            <a:noFill/>
+          </a:ln>
+          <a:effectLst/>
+        </p:spPr>
+        <p:style>
+          <a:lnRef idx="1">
+            <a:schemeClr val="accent1"/>
+          </a:lnRef>
+          <a:fillRef idx="3">
+            <a:schemeClr val="accent1"/>
+          </a:fillRef>
+          <a:effectRef idx="2">
+            <a:schemeClr val="accent1"/>
+          </a:effectRef>
+          <a:fontRef idx="minor">
+            <a:schemeClr val="lt1"/>
+          </a:fontRef>
+        </p:style>
+        <p:txBody>
+          <a:bodyPr rtlCol="0" anchor="ctr"/>
+          <a:lstStyle/>
+          <a:p>
+            <a:pPr algn="ctr"/>
+            <a:r>
+              <a:rPr lang="en-US" sz="1400" dirty="0"/>
+              <a:t>destination mode</a:t>
+            </a:r>
+          </a:p>
+        </p:txBody>
+      </p:sp>
+      <p:sp>
+        <p:nvSpPr>
+          <p:cNvPr id="49" name="Rectangular Callout 48">
+            <a:extLst>
+              <a:ext uri="{FF2B5EF4-FFF2-40B4-BE49-F238E27FC236}">
+                <a16:creationId xmlns:a16="http://schemas.microsoft.com/office/drawing/2014/main" id="{AC4C0EC6-7919-CB49-A70E-73F802156740}"/>
+              </a:ext>
+            </a:extLst>
+          </p:cNvPr>
+          <p:cNvSpPr/>
+          <p:nvPr/>
+        </p:nvSpPr>
+        <p:spPr>
+          <a:xfrm>
+            <a:off x="655516" y="4255752"/>
+            <a:ext cx="961308" cy="612648"/>
+          </a:xfrm>
+          <a:prstGeom prst="wedgeRectCallout">
+            <a:avLst>
+              <a:gd name="adj1" fmla="val 43509"/>
+              <a:gd name="adj2" fmla="val -120336"/>
+            </a:avLst>
+          </a:prstGeom>
+          <a:solidFill>
+            <a:schemeClr val="accent1"/>
+          </a:solidFill>
+          <a:ln>
+            <a:noFill/>
+          </a:ln>
+          <a:effectLst/>
+        </p:spPr>
+        <p:style>
+          <a:lnRef idx="1">
+            <a:schemeClr val="accent1"/>
+          </a:lnRef>
+          <a:fillRef idx="3">
+            <a:schemeClr val="accent1"/>
+          </a:fillRef>
+          <a:effectRef idx="2">
+            <a:schemeClr val="accent1"/>
+          </a:effectRef>
+          <a:fontRef idx="minor">
+            <a:schemeClr val="lt1"/>
+          </a:fontRef>
+        </p:style>
+        <p:txBody>
+          <a:bodyPr rtlCol="0" anchor="ctr"/>
+          <a:lstStyle/>
+          <a:p>
+            <a:pPr algn="ctr"/>
+            <a:r>
+              <a:rPr lang="en-US" sz="1400" dirty="0"/>
+              <a:t>source mode</a:t>
+            </a:r>
+          </a:p>
+        </p:txBody>
+      </p:sp>
+      <p:pic>
+        <p:nvPicPr>
+          <p:cNvPr id="52" name="Graphic 51">
+            <a:extLst>
+              <a:ext uri="{FF2B5EF4-FFF2-40B4-BE49-F238E27FC236}">
+                <a16:creationId xmlns:a16="http://schemas.microsoft.com/office/drawing/2014/main" id="{8FA29240-3CC9-B448-A85E-02D4C4B1F299}"/>
+              </a:ext>
+            </a:extLst>
+          </p:cNvPr>
+          <p:cNvPicPr>
+            <a:picLocks noChangeAspect="1"/>
+          </p:cNvPicPr>
+          <p:nvPr/>
+        </p:nvPicPr>
+        <p:blipFill>
+          <a:blip r:embed="rId13">
+            <a:extLst>
+              <a:ext uri="{96DAC541-7B7A-43D3-8B79-37D633B846F1}">
+                <asvg:svgBlip xmlns:asvg="http://schemas.microsoft.com/office/drawing/2016/SVG/main" r:embed="rId14"/>
+              </a:ext>
+            </a:extLst>
+          </a:blip>
+          <a:stretch>
+            <a:fillRect/>
+          </a:stretch>
+        </p:blipFill>
+        <p:spPr>
+          <a:xfrm>
+            <a:off x="9902579" y="2885721"/>
+            <a:ext cx="787909" cy="787909"/>
+          </a:xfrm>
+          <a:prstGeom prst="rect">
+            <a:avLst/>
+          </a:prstGeom>
+        </p:spPr>
+      </p:pic>
+      <p:cxnSp>
+        <p:nvCxnSpPr>
+          <p:cNvPr id="53" name="Straight Arrow Connector 7">
+            <a:extLst>
+              <a:ext uri="{FF2B5EF4-FFF2-40B4-BE49-F238E27FC236}">
+                <a16:creationId xmlns:a16="http://schemas.microsoft.com/office/drawing/2014/main" id="{146B0E56-7B47-514D-BD05-1DF25D7F73FF}"/>
+              </a:ext>
+            </a:extLst>
+          </p:cNvPr>
+          <p:cNvCxnSpPr>
+            <a:cxnSpLocks/>
+          </p:cNvCxnSpPr>
+          <p:nvPr/>
+        </p:nvCxnSpPr>
+        <p:spPr>
+          <a:xfrm flipH="1" flipV="1">
+            <a:off x="10583323" y="3196474"/>
+            <a:ext cx="416742" cy="18856"/>
+          </a:xfrm>
+          <a:prstGeom prst="straightConnector1">
+            <a:avLst/>
+          </a:prstGeom>
+          <a:ln w="57150">
+            <a:solidFill>
+              <a:srgbClr val="FF0000"/>
+            </a:solidFill>
+            <a:tailEnd type="triangle"/>
+          </a:ln>
+        </p:spPr>
+        <p:style>
+          <a:lnRef idx="2">
+            <a:schemeClr val="accent1"/>
+          </a:lnRef>
+          <a:fillRef idx="0">
+            <a:schemeClr val="accent1"/>
+          </a:fillRef>
+          <a:effectRef idx="1">
+            <a:schemeClr val="accent1"/>
+          </a:effectRef>
+          <a:fontRef idx="minor">
+            <a:schemeClr val="tx1"/>
+          </a:fontRef>
+        </p:style>
+      </p:cxnSp>
+      <p:sp>
+        <p:nvSpPr>
+          <p:cNvPr id="58" name="TextBox 57">
+            <a:extLst>
+              <a:ext uri="{FF2B5EF4-FFF2-40B4-BE49-F238E27FC236}">
+                <a16:creationId xmlns:a16="http://schemas.microsoft.com/office/drawing/2014/main" id="{B762ABFA-D761-F34A-9DFB-8873B01E2150}"/>
+              </a:ext>
+            </a:extLst>
+          </p:cNvPr>
+          <p:cNvSpPr txBox="1"/>
+          <p:nvPr/>
+        </p:nvSpPr>
+        <p:spPr>
+          <a:xfrm>
+            <a:off x="9765744" y="3597898"/>
+            <a:ext cx="1180427" cy="307777"/>
+          </a:xfrm>
+          <a:prstGeom prst="rect">
+            <a:avLst/>
+          </a:prstGeom>
+          <a:noFill/>
+        </p:spPr>
+        <p:txBody>
+          <a:bodyPr wrap="square" rtlCol="0">
+            <a:spAutoFit/>
+          </a:bodyPr>
+          <a:lstStyle/>
+          <a:p>
+            <a:pPr algn="ctr"/>
+            <a:r>
+              <a:rPr lang="en-US" sz="1400" dirty="0"/>
+              <a:t>device </a:t>
+            </a:r>
+            <a:r>
+              <a:rPr lang="en-US" sz="1400" dirty="0" err="1"/>
+              <a:t>api</a:t>
+            </a:r>
+            <a:endParaRPr lang="en-US" sz="1400" dirty="0"/>
+          </a:p>
+        </p:txBody>
+      </p:sp>
+    </p:spTree>
+    <p:extLst>
+      <p:ext uri="{BB962C8B-B14F-4D97-AF65-F5344CB8AC3E}">
+        <p14:creationId xmlns:p14="http://schemas.microsoft.com/office/powerpoint/2010/main" val="3389987003"/>
       </p:ext>
     </p:extLst>
   </p:cSld>
@@ -25544,12 +31890,6 @@
 </file>
 
 <file path=customXml/item2.xml><?xml version="1.0" encoding="utf-8"?>
-<p:properties xmlns:p="http://schemas.microsoft.com/office/2006/metadata/properties" xmlns:xsi="http://www.w3.org/2001/XMLSchema-instance">
-  <documentManagement/>
-</p:properties>
-</file>
-
-<file path=customXml/item3.xml><?xml version="1.0" encoding="utf-8"?>
 <ct:contentTypeSchema xmlns:ct="http://schemas.microsoft.com/office/2006/metadata/contentType" xmlns:ma="http://schemas.microsoft.com/office/2006/metadata/properties/metaAttributes" ct:_="" ma:_="" ma:contentTypeName="Document" ma:contentTypeID="0x010100D26A3D6C04DFD740953BA1B2B9E62D60" ma:contentTypeVersion="0" ma:contentTypeDescription="Create a new document." ma:contentTypeScope="" ma:versionID="26617cd14cd3af163c0e97ff614e520a">
   <xsd:schema xmlns:xsd="http://www.w3.org/2001/XMLSchema" xmlns:xs="http://www.w3.org/2001/XMLSchema" xmlns:p="http://schemas.microsoft.com/office/2006/metadata/properties" targetNamespace="http://schemas.microsoft.com/office/2006/metadata/properties" ma:root="true" ma:fieldsID="c64490b4aec6201516c3a874156f37b2">
     <xsd:element name="properties">
@@ -25663,6 +32003,12 @@
 </ct:contentTypeSchema>
 </file>
 
+<file path=customXml/item3.xml><?xml version="1.0" encoding="utf-8"?>
+<p:properties xmlns:p="http://schemas.microsoft.com/office/2006/metadata/properties" xmlns:xsi="http://www.w3.org/2001/XMLSchema-instance">
+  <documentManagement/>
+</p:properties>
+</file>
+
 <file path=customXml/itemProps1.xml><?xml version="1.0" encoding="utf-8"?>
 <ds:datastoreItem xmlns:ds="http://schemas.openxmlformats.org/officeDocument/2006/customXml" ds:itemID="{705B35A6-8B52-46A5-AE45-B98C6459DC10}">
   <ds:schemaRefs>
@@ -25672,21 +32018,6 @@
 </file>
 
 <file path=customXml/itemProps2.xml><?xml version="1.0" encoding="utf-8"?>
-<ds:datastoreItem xmlns:ds="http://schemas.openxmlformats.org/officeDocument/2006/customXml" ds:itemID="{C597C89A-FD0C-431E-81F6-90225B937683}">
-  <ds:schemaRefs>
-    <ds:schemaRef ds:uri="http://schemas.microsoft.com/office/infopath/2007/PartnerControls"/>
-    <ds:schemaRef ds:uri="http://www.w3.org/XML/1998/namespace"/>
-    <ds:schemaRef ds:uri="http://schemas.microsoft.com/office/2006/documentManagement/types"/>
-    <ds:schemaRef ds:uri="http://purl.org/dc/dcmitype/"/>
-    <ds:schemaRef ds:uri="http://schemas.openxmlformats.org/package/2006/metadata/core-properties"/>
-    <ds:schemaRef ds:uri="http://purl.org/dc/terms/"/>
-    <ds:schemaRef ds:uri="http://schemas.microsoft.com/office/2006/metadata/properties"/>
-    <ds:schemaRef ds:uri="http://purl.org/dc/elements/1.1/"/>
-  </ds:schemaRefs>
-</ds:datastoreItem>
-</file>
-
-<file path=customXml/itemProps3.xml><?xml version="1.0" encoding="utf-8"?>
 <ds:datastoreItem xmlns:ds="http://schemas.openxmlformats.org/officeDocument/2006/customXml" ds:itemID="{51A3258A-222C-4488-825E-7520D001FB75}">
   <ds:schemaRefs>
     <ds:schemaRef ds:uri="http://schemas.microsoft.com/office/2006/metadata/contentType"/>
@@ -25700,4 +32031,19 @@
     <ds:schemaRef ds:uri="http://schemas.microsoft.com/office/infopath/2007/PartnerControls"/>
   </ds:schemaRefs>
 </ds:datastoreItem>
+</file>
+
+<file path=customXml/itemProps3.xml><?xml version="1.0" encoding="utf-8"?>
+<ds:datastoreItem xmlns:ds="http://schemas.openxmlformats.org/officeDocument/2006/customXml" ds:itemID="{C597C89A-FD0C-431E-81F6-90225B937683}">
+  <ds:schemaRefs>
+    <ds:schemaRef ds:uri="http://schemas.microsoft.com/office/infopath/2007/PartnerControls"/>
+    <ds:schemaRef ds:uri="http://www.w3.org/XML/1998/namespace"/>
+    <ds:schemaRef ds:uri="http://schemas.microsoft.com/office/2006/documentManagement/types"/>
+    <ds:schemaRef ds:uri="http://purl.org/dc/dcmitype/"/>
+    <ds:schemaRef ds:uri="http://schemas.openxmlformats.org/package/2006/metadata/core-properties"/>
+    <ds:schemaRef ds:uri="http://purl.org/dc/terms/"/>
+    <ds:schemaRef ds:uri="http://schemas.microsoft.com/office/2006/metadata/properties"/>
+    <ds:schemaRef ds:uri="http://purl.org/dc/elements/1.1/"/>
+  </ds:schemaRefs>
+</ds:datastoreItem>
 </file>
--- a/ppt/diagrams.pptx
+++ b/ppt/diagrams.pptx
@@ -366,7 +366,7 @@
           <a:p>
             <a:fld id="{D2887149-AF03-6142-908A-3DD284EAF54B}" type="datetimeFigureOut">
               <a:rPr lang="en-US" smtClean="0"/>
-              <a:t>2/10/21</a:t>
+              <a:t>2/12/21</a:t>
             </a:fld>
             <a:endParaRPr lang="en-US"/>
           </a:p>
@@ -548,7 +548,7 @@
             <a:fld id="{0B25AC41-3BEC-9247-8322-91B80C013F2D}" type="datetimeFigureOut">
               <a:rPr lang="en-US" smtClean="0"/>
               <a:pPr/>
-              <a:t>2/10/21</a:t>
+              <a:t>2/12/21</a:t>
             </a:fld>
             <a:endParaRPr lang="en-US" dirty="0"/>
           </a:p>
@@ -20830,13 +20830,22 @@
           <a:p>
             <a:pPr algn="l"/>
             <a:r>
+              <a:rPr lang="en-US" sz="1200">
+                <a:ln w="0"/>
+                <a:solidFill>
+                  <a:schemeClr val="accent1"/>
+                </a:solidFill>
+              </a:rPr>
+              <a:t>EC2 </a:t>
+            </a:r>
+            <a:r>
               <a:rPr lang="en-US" sz="1200" dirty="0">
                 <a:ln w="0"/>
                 <a:solidFill>
                   <a:schemeClr val="accent1"/>
                 </a:solidFill>
               </a:rPr>
-              <a:t>EC@ Secure Tunnel Demo</a:t>
+              <a:t>Secure Tunnel Demo</a:t>
             </a:r>
           </a:p>
         </p:txBody>
@@ -31881,15 +31890,6 @@
 </file>
 
 <file path=customXml/item1.xml><?xml version="1.0" encoding="utf-8"?>
-<?mso-contentType ?>
-<FormTemplates xmlns="http://schemas.microsoft.com/sharepoint/v3/contenttype/forms">
-  <Display>DocumentLibraryForm</Display>
-  <Edit>DocumentLibraryForm</Edit>
-  <New>DocumentLibraryForm</New>
-</FormTemplates>
-</file>
-
-<file path=customXml/item2.xml><?xml version="1.0" encoding="utf-8"?>
 <ct:contentTypeSchema xmlns:ct="http://schemas.microsoft.com/office/2006/metadata/contentType" xmlns:ma="http://schemas.microsoft.com/office/2006/metadata/properties/metaAttributes" ct:_="" ma:_="" ma:contentTypeName="Document" ma:contentTypeID="0x010100D26A3D6C04DFD740953BA1B2B9E62D60" ma:contentTypeVersion="0" ma:contentTypeDescription="Create a new document." ma:contentTypeScope="" ma:versionID="26617cd14cd3af163c0e97ff614e520a">
   <xsd:schema xmlns:xsd="http://www.w3.org/2001/XMLSchema" xmlns:xs="http://www.w3.org/2001/XMLSchema" xmlns:p="http://schemas.microsoft.com/office/2006/metadata/properties" targetNamespace="http://schemas.microsoft.com/office/2006/metadata/properties" ma:root="true" ma:fieldsID="c64490b4aec6201516c3a874156f37b2">
     <xsd:element name="properties">
@@ -32003,6 +32003,15 @@
 </ct:contentTypeSchema>
 </file>
 
+<file path=customXml/item2.xml><?xml version="1.0" encoding="utf-8"?>
+<?mso-contentType ?>
+<FormTemplates xmlns="http://schemas.microsoft.com/sharepoint/v3/contenttype/forms">
+  <Display>DocumentLibraryForm</Display>
+  <Edit>DocumentLibraryForm</Edit>
+  <New>DocumentLibraryForm</New>
+</FormTemplates>
+</file>
+
 <file path=customXml/item3.xml><?xml version="1.0" encoding="utf-8"?>
 <p:properties xmlns:p="http://schemas.microsoft.com/office/2006/metadata/properties" xmlns:xsi="http://www.w3.org/2001/XMLSchema-instance">
   <documentManagement/>
@@ -32010,14 +32019,6 @@
 </file>
 
 <file path=customXml/itemProps1.xml><?xml version="1.0" encoding="utf-8"?>
-<ds:datastoreItem xmlns:ds="http://schemas.openxmlformats.org/officeDocument/2006/customXml" ds:itemID="{705B35A6-8B52-46A5-AE45-B98C6459DC10}">
-  <ds:schemaRefs>
-    <ds:schemaRef ds:uri="http://schemas.microsoft.com/sharepoint/v3/contenttype/forms"/>
-  </ds:schemaRefs>
-</ds:datastoreItem>
-</file>
-
-<file path=customXml/itemProps2.xml><?xml version="1.0" encoding="utf-8"?>
 <ds:datastoreItem xmlns:ds="http://schemas.openxmlformats.org/officeDocument/2006/customXml" ds:itemID="{51A3258A-222C-4488-825E-7520D001FB75}">
   <ds:schemaRefs>
     <ds:schemaRef ds:uri="http://schemas.microsoft.com/office/2006/metadata/contentType"/>
@@ -32029,6 +32030,14 @@
     <ds:schemaRef ds:uri="http://purl.org/dc/terms/"/>
     <ds:schemaRef ds:uri="http://schemas.microsoft.com/internal/obd"/>
     <ds:schemaRef ds:uri="http://schemas.microsoft.com/office/infopath/2007/PartnerControls"/>
+  </ds:schemaRefs>
+</ds:datastoreItem>
+</file>
+
+<file path=customXml/itemProps2.xml><?xml version="1.0" encoding="utf-8"?>
+<ds:datastoreItem xmlns:ds="http://schemas.openxmlformats.org/officeDocument/2006/customXml" ds:itemID="{705B35A6-8B52-46A5-AE45-B98C6459DC10}">
+  <ds:schemaRefs>
+    <ds:schemaRef ds:uri="http://schemas.microsoft.com/sharepoint/v3/contenttype/forms"/>
   </ds:schemaRefs>
 </ds:datastoreItem>
 </file>

--- a/ppt/diagrams.pptx
+++ b/ppt/diagrams.pptx
@@ -17,8 +17,8 @@
     <p:sldId id="355" r:id="rId8"/>
     <p:sldId id="352" r:id="rId9"/>
     <p:sldId id="353" r:id="rId10"/>
-    <p:sldId id="354" r:id="rId11"/>
-    <p:sldId id="357" r:id="rId12"/>
+    <p:sldId id="357" r:id="rId11"/>
+    <p:sldId id="358" r:id="rId12"/>
     <p:sldId id="356" r:id="rId13"/>
   </p:sldIdLst>
   <p:sldSz cx="14630400" cy="8229600"/>
@@ -366,7 +366,7 @@
           <a:p>
             <a:fld id="{D2887149-AF03-6142-908A-3DD284EAF54B}" type="datetimeFigureOut">
               <a:rPr lang="en-US" smtClean="0"/>
-              <a:t>2/12/21</a:t>
+              <a:t>3/8/21</a:t>
             </a:fld>
             <a:endParaRPr lang="en-US"/>
           </a:p>
@@ -548,7 +548,7 @@
             <a:fld id="{0B25AC41-3BEC-9247-8322-91B80C013F2D}" type="datetimeFigureOut">
               <a:rPr lang="en-US" smtClean="0"/>
               <a:pPr/>
-              <a:t>2/12/21</a:t>
+              <a:t>3/8/21</a:t>
             </a:fld>
             <a:endParaRPr lang="en-US" dirty="0"/>
           </a:p>
@@ -1460,7 +1460,7 @@
     </p:spTree>
     <p:extLst>
       <p:ext uri="{BB962C8B-B14F-4D97-AF65-F5344CB8AC3E}">
-        <p14:creationId xmlns:p14="http://schemas.microsoft.com/office/powerpoint/2010/main" val="787186862"/>
+        <p14:creationId xmlns:p14="http://schemas.microsoft.com/office/powerpoint/2010/main" val="2644288064"/>
       </p:ext>
     </p:extLst>
   </p:cSld>
@@ -1545,7 +1545,7 @@
     </p:spTree>
     <p:extLst>
       <p:ext uri="{BB962C8B-B14F-4D97-AF65-F5344CB8AC3E}">
-        <p14:creationId xmlns:p14="http://schemas.microsoft.com/office/powerpoint/2010/main" val="2644288064"/>
+        <p14:creationId xmlns:p14="http://schemas.microsoft.com/office/powerpoint/2010/main" val="354885466"/>
       </p:ext>
     </p:extLst>
   </p:cSld>
@@ -23096,8 +23096,8 @@
         </p:nvSpPr>
         <p:spPr>
           <a:xfrm>
-            <a:off x="9907059" y="2372470"/>
-            <a:ext cx="3371548" cy="1580955"/>
+            <a:off x="9916429" y="2248772"/>
+            <a:ext cx="3371548" cy="2380951"/>
           </a:xfrm>
           <a:prstGeom prst="rect">
             <a:avLst/>
@@ -23141,7 +23141,7 @@
                   <a:schemeClr val="accent1"/>
                 </a:solidFill>
               </a:rPr>
-              <a:t>EC2 Secure Tunnel Demo</a:t>
+              <a:t>EC2 Secure Tunnel Multiplex Demo</a:t>
             </a:r>
           </a:p>
         </p:txBody>
@@ -23161,7 +23161,7 @@
         <p:spPr>
           <a:xfrm>
             <a:off x="9628785" y="1812736"/>
-            <a:ext cx="3915451" cy="2409057"/>
+            <a:ext cx="3915451" cy="2911868"/>
           </a:xfrm>
           <a:prstGeom prst="rect">
             <a:avLst/>
@@ -23341,7 +23341,7 @@
           <a:p>
             <a:r>
               <a:rPr lang="en-US" dirty="0"/>
-              <a:t>SSH</a:t>
+              <a:t>Multi-Plex Secure Tunneling</a:t>
             </a:r>
           </a:p>
         </p:txBody>
@@ -23432,8 +23432,8 @@
         </p:nvSpPr>
         <p:spPr>
           <a:xfrm>
-            <a:off x="9996792" y="3591826"/>
-            <a:ext cx="1061268" cy="204749"/>
+            <a:off x="9975811" y="3424026"/>
+            <a:ext cx="1714478" cy="213783"/>
           </a:xfrm>
           <a:prstGeom prst="rect">
             <a:avLst/>
@@ -23449,7 +23449,15 @@
             <a:pPr algn="ctr"/>
             <a:r>
               <a:rPr lang="en-US" sz="1400" dirty="0"/>
-              <a:t>device agent</a:t>
+              <a:t>device agent (</a:t>
+            </a:r>
+            <a:r>
+              <a:rPr lang="en-US" sz="1400" dirty="0" err="1"/>
+              <a:t>ssh</a:t>
+            </a:r>
+            <a:r>
+              <a:rPr lang="en-US" sz="1400" dirty="0"/>
+              <a:t>)</a:t>
             </a:r>
           </a:p>
         </p:txBody>
@@ -23482,7 +23490,7 @@
         </p:blipFill>
         <p:spPr>
           <a:xfrm>
-            <a:off x="9907059" y="2372471"/>
+            <a:off x="9916429" y="2264069"/>
             <a:ext cx="330200" cy="330200"/>
           </a:xfrm>
           <a:prstGeom prst="rect">
@@ -23906,7 +23914,7 @@
         </p:blipFill>
         <p:spPr>
           <a:xfrm>
-            <a:off x="10131912" y="2835377"/>
+            <a:off x="10133471" y="2615490"/>
             <a:ext cx="787909" cy="787909"/>
           </a:xfrm>
           <a:prstGeom prst="rect">
@@ -23942,7 +23950,7 @@
         </p:blipFill>
         <p:spPr>
           <a:xfrm>
-            <a:off x="12244292" y="2844565"/>
+            <a:off x="12254495" y="2599567"/>
             <a:ext cx="787909" cy="787909"/>
           </a:xfrm>
           <a:prstGeom prst="rect">
@@ -24329,14 +24337,12 @@
           </p:cNvPr>
           <p:cNvCxnSpPr>
             <a:cxnSpLocks/>
-            <a:stCxn id="85" idx="1"/>
-            <a:endCxn id="26" idx="2"/>
           </p:cNvCxnSpPr>
           <p:nvPr/>
         </p:nvCxnSpPr>
         <p:spPr>
           <a:xfrm rot="5400000" flipH="1" flipV="1">
-            <a:off x="3781056" y="1717580"/>
+            <a:off x="3728197" y="1730493"/>
             <a:ext cx="30529" cy="4059988"/>
           </a:xfrm>
           <a:prstGeom prst="bentConnector3">
@@ -24430,9 +24436,9 @@
           <p:nvPr/>
         </p:nvCxnSpPr>
         <p:spPr>
-          <a:xfrm flipH="1" flipV="1">
-            <a:off x="10919821" y="3229332"/>
-            <a:ext cx="1324471" cy="9188"/>
+          <a:xfrm flipH="1">
+            <a:off x="10921380" y="2993522"/>
+            <a:ext cx="1333115" cy="15923"/>
           </a:xfrm>
           <a:prstGeom prst="straightConnector1">
             <a:avLst/>
@@ -24513,12 +24519,58 @@
           </a:p>
         </p:txBody>
       </p:sp>
-      <p:sp>
-        <p:nvSpPr>
-          <p:cNvPr id="97" name="Rounded Rectangle 96">
-            <a:extLst>
-              <a:ext uri="{FF2B5EF4-FFF2-40B4-BE49-F238E27FC236}">
-                <a16:creationId xmlns:a16="http://schemas.microsoft.com/office/drawing/2014/main" id="{AC794871-34D4-784C-82C5-2AF997C8C09D}"/>
+      <p:cxnSp>
+        <p:nvCxnSpPr>
+          <p:cNvPr id="99" name="Straight Arrow Connector 7">
+            <a:extLst>
+              <a:ext uri="{FF2B5EF4-FFF2-40B4-BE49-F238E27FC236}">
+                <a16:creationId xmlns:a16="http://schemas.microsoft.com/office/drawing/2014/main" id="{8B42C6A0-1703-A14A-8200-8FC6796AF1D4}"/>
+              </a:ext>
+            </a:extLst>
+          </p:cNvPr>
+          <p:cNvCxnSpPr>
+            <a:cxnSpLocks/>
+          </p:cNvCxnSpPr>
+          <p:nvPr/>
+        </p:nvCxnSpPr>
+        <p:spPr>
+          <a:xfrm rot="16200000" flipH="1">
+            <a:off x="9158513" y="428265"/>
+            <a:ext cx="173446" cy="6820453"/>
+          </a:xfrm>
+          <a:prstGeom prst="bentConnector3">
+            <a:avLst>
+              <a:gd name="adj1" fmla="val 677934"/>
+            </a:avLst>
+          </a:prstGeom>
+          <a:ln w="57150">
+            <a:solidFill>
+              <a:srgbClr val="FF0000"/>
+            </a:solidFill>
+            <a:tailEnd type="triangle"/>
+          </a:ln>
+        </p:spPr>
+        <p:style>
+          <a:lnRef idx="2">
+            <a:schemeClr val="accent1"/>
+          </a:lnRef>
+          <a:fillRef idx="0">
+            <a:schemeClr val="accent1"/>
+          </a:fillRef>
+          <a:effectRef idx="1">
+            <a:schemeClr val="accent1"/>
+          </a:effectRef>
+          <a:fontRef idx="minor">
+            <a:schemeClr val="tx1"/>
+          </a:fontRef>
+        </p:style>
+      </p:cxnSp>
+      <p:sp>
+        <p:nvSpPr>
+          <p:cNvPr id="100" name="Rectangle 99">
+            <a:extLst>
+              <a:ext uri="{FF2B5EF4-FFF2-40B4-BE49-F238E27FC236}">
+                <a16:creationId xmlns:a16="http://schemas.microsoft.com/office/drawing/2014/main" id="{23304320-1028-B84F-90E7-D5330B5CE140}"/>
               </a:ext>
             </a:extLst>
           </p:cNvPr>
@@ -24527,7 +24579,58 @@
         </p:nvSpPr>
         <p:spPr>
           <a:xfrm>
-            <a:off x="11533853" y="2827609"/>
+            <a:off x="2038571" y="5893172"/>
+            <a:ext cx="10334055" cy="1584119"/>
+          </a:xfrm>
+          <a:prstGeom prst="rect">
+            <a:avLst/>
+          </a:prstGeom>
+          <a:solidFill>
+            <a:srgbClr val="EAEDED"/>
+          </a:solidFill>
+          <a:ln>
+            <a:noFill/>
+          </a:ln>
+          <a:effectLst/>
+        </p:spPr>
+        <p:style>
+          <a:lnRef idx="1">
+            <a:schemeClr val="accent1"/>
+          </a:lnRef>
+          <a:fillRef idx="3">
+            <a:schemeClr val="accent1"/>
+          </a:fillRef>
+          <a:effectRef idx="2">
+            <a:schemeClr val="accent1"/>
+          </a:effectRef>
+          <a:fontRef idx="minor">
+            <a:schemeClr val="lt1"/>
+          </a:fontRef>
+        </p:style>
+        <p:txBody>
+          <a:bodyPr rtlCol="0" anchor="ctr"/>
+          <a:lstStyle/>
+          <a:p>
+            <a:pPr algn="ctr"/>
+            <a:endParaRPr lang="en-US" dirty="0"/>
+          </a:p>
+        </p:txBody>
+      </p:sp>
+      <p:sp>
+        <p:nvSpPr>
+          <p:cNvPr id="101" name="Rounded Rectangle 100">
+            <a:extLst>
+              <a:ext uri="{FF2B5EF4-FFF2-40B4-BE49-F238E27FC236}">
+                <a16:creationId xmlns:a16="http://schemas.microsoft.com/office/drawing/2014/main" id="{3ECEBE6F-AE6E-D94E-863A-46F6B560360D}"/>
+              </a:ext>
+            </a:extLst>
+          </p:cNvPr>
+          <p:cNvSpPr/>
+          <p:nvPr/>
+        </p:nvSpPr>
+        <p:spPr>
+          <a:xfrm>
+            <a:off x="2257773" y="6133469"/>
             <a:ext cx="308225" cy="330201"/>
           </a:xfrm>
           <a:prstGeom prst="roundRect">
@@ -24562,65 +24665,17 @@
             <a:pPr algn="ctr"/>
             <a:r>
               <a:rPr lang="en-US" sz="1200" b="1" dirty="0"/>
-              <a:t>3</a:t>
-            </a:r>
-          </a:p>
-        </p:txBody>
-      </p:sp>
-      <p:cxnSp>
-        <p:nvCxnSpPr>
-          <p:cNvPr id="99" name="Straight Arrow Connector 7">
-            <a:extLst>
-              <a:ext uri="{FF2B5EF4-FFF2-40B4-BE49-F238E27FC236}">
-                <a16:creationId xmlns:a16="http://schemas.microsoft.com/office/drawing/2014/main" id="{8B42C6A0-1703-A14A-8200-8FC6796AF1D4}"/>
-              </a:ext>
-            </a:extLst>
-          </p:cNvPr>
-          <p:cNvCxnSpPr>
-            <a:cxnSpLocks/>
-            <a:stCxn id="88" idx="1"/>
-            <a:endCxn id="84" idx="1"/>
-          </p:cNvCxnSpPr>
-          <p:nvPr/>
-        </p:nvCxnSpPr>
-        <p:spPr>
-          <a:xfrm rot="16200000" flipH="1">
-            <a:off x="9151500" y="397234"/>
-            <a:ext cx="173446" cy="6820453"/>
-          </a:xfrm>
-          <a:prstGeom prst="bentConnector3">
-            <a:avLst>
-              <a:gd name="adj1" fmla="val 677934"/>
-            </a:avLst>
-          </a:prstGeom>
-          <a:ln w="57150">
-            <a:solidFill>
-              <a:srgbClr val="FF0000"/>
-            </a:solidFill>
-            <a:tailEnd type="triangle"/>
-          </a:ln>
-        </p:spPr>
-        <p:style>
-          <a:lnRef idx="2">
-            <a:schemeClr val="accent1"/>
-          </a:lnRef>
-          <a:fillRef idx="0">
-            <a:schemeClr val="accent1"/>
-          </a:fillRef>
-          <a:effectRef idx="1">
-            <a:schemeClr val="accent1"/>
-          </a:effectRef>
-          <a:fontRef idx="minor">
-            <a:schemeClr val="tx1"/>
-          </a:fontRef>
-        </p:style>
-      </p:cxnSp>
-      <p:sp>
-        <p:nvSpPr>
-          <p:cNvPr id="100" name="Rectangle 99">
-            <a:extLst>
-              <a:ext uri="{FF2B5EF4-FFF2-40B4-BE49-F238E27FC236}">
-                <a16:creationId xmlns:a16="http://schemas.microsoft.com/office/drawing/2014/main" id="{23304320-1028-B84F-90E7-D5330B5CE140}"/>
+              <a:t>1</a:t>
+            </a:r>
+          </a:p>
+        </p:txBody>
+      </p:sp>
+      <p:sp>
+        <p:nvSpPr>
+          <p:cNvPr id="102" name="Rounded Rectangle 101">
+            <a:extLst>
+              <a:ext uri="{FF2B5EF4-FFF2-40B4-BE49-F238E27FC236}">
+                <a16:creationId xmlns:a16="http://schemas.microsoft.com/office/drawing/2014/main" id="{E923E2E6-F8D4-D041-BEEC-140B8E813618}"/>
               </a:ext>
             </a:extLst>
           </p:cNvPr>
@@ -24629,58 +24684,7 @@
         </p:nvSpPr>
         <p:spPr>
           <a:xfrm>
-            <a:off x="2117277" y="5592354"/>
-            <a:ext cx="10334055" cy="1584119"/>
-          </a:xfrm>
-          <a:prstGeom prst="rect">
-            <a:avLst/>
-          </a:prstGeom>
-          <a:solidFill>
-            <a:srgbClr val="EAEDED"/>
-          </a:solidFill>
-          <a:ln>
-            <a:noFill/>
-          </a:ln>
-          <a:effectLst/>
-        </p:spPr>
-        <p:style>
-          <a:lnRef idx="1">
-            <a:schemeClr val="accent1"/>
-          </a:lnRef>
-          <a:fillRef idx="3">
-            <a:schemeClr val="accent1"/>
-          </a:fillRef>
-          <a:effectRef idx="2">
-            <a:schemeClr val="accent1"/>
-          </a:effectRef>
-          <a:fontRef idx="minor">
-            <a:schemeClr val="lt1"/>
-          </a:fontRef>
-        </p:style>
-        <p:txBody>
-          <a:bodyPr rtlCol="0" anchor="ctr"/>
-          <a:lstStyle/>
-          <a:p>
-            <a:pPr algn="ctr"/>
-            <a:endParaRPr lang="en-US" dirty="0"/>
-          </a:p>
-        </p:txBody>
-      </p:sp>
-      <p:sp>
-        <p:nvSpPr>
-          <p:cNvPr id="101" name="Rounded Rectangle 100">
-            <a:extLst>
-              <a:ext uri="{FF2B5EF4-FFF2-40B4-BE49-F238E27FC236}">
-                <a16:creationId xmlns:a16="http://schemas.microsoft.com/office/drawing/2014/main" id="{3ECEBE6F-AE6E-D94E-863A-46F6B560360D}"/>
-              </a:ext>
-            </a:extLst>
-          </p:cNvPr>
-          <p:cNvSpPr/>
-          <p:nvPr/>
-        </p:nvSpPr>
-        <p:spPr>
-          <a:xfrm>
-            <a:off x="2213176" y="5720689"/>
+            <a:off x="2257773" y="6584375"/>
             <a:ext cx="308225" cy="330201"/>
           </a:xfrm>
           <a:prstGeom prst="roundRect">
@@ -24715,17 +24719,17 @@
             <a:pPr algn="ctr"/>
             <a:r>
               <a:rPr lang="en-US" sz="1200" b="1" dirty="0"/>
-              <a:t>1</a:t>
-            </a:r>
-          </a:p>
-        </p:txBody>
-      </p:sp>
-      <p:sp>
-        <p:nvSpPr>
-          <p:cNvPr id="102" name="Rounded Rectangle 101">
-            <a:extLst>
-              <a:ext uri="{FF2B5EF4-FFF2-40B4-BE49-F238E27FC236}">
-                <a16:creationId xmlns:a16="http://schemas.microsoft.com/office/drawing/2014/main" id="{E923E2E6-F8D4-D041-BEEC-140B8E813618}"/>
+              <a:t>2</a:t>
+            </a:r>
+          </a:p>
+        </p:txBody>
+      </p:sp>
+      <p:sp>
+        <p:nvSpPr>
+          <p:cNvPr id="103" name="Rounded Rectangle 102">
+            <a:extLst>
+              <a:ext uri="{FF2B5EF4-FFF2-40B4-BE49-F238E27FC236}">
+                <a16:creationId xmlns:a16="http://schemas.microsoft.com/office/drawing/2014/main" id="{E0B782E8-2358-FB4A-8BDC-84204443C770}"/>
               </a:ext>
             </a:extLst>
           </p:cNvPr>
@@ -24734,7 +24738,7 @@
         </p:nvSpPr>
         <p:spPr>
           <a:xfrm>
-            <a:off x="2213176" y="6193379"/>
+            <a:off x="2224293" y="7030833"/>
             <a:ext cx="308225" cy="330201"/>
           </a:xfrm>
           <a:prstGeom prst="roundRect">
@@ -24769,17 +24773,311 @@
             <a:pPr algn="ctr"/>
             <a:r>
               <a:rPr lang="en-US" sz="1200" b="1" dirty="0"/>
-              <a:t>2</a:t>
-            </a:r>
-          </a:p>
-        </p:txBody>
-      </p:sp>
-      <p:sp>
-        <p:nvSpPr>
-          <p:cNvPr id="103" name="Rounded Rectangle 102">
-            <a:extLst>
-              <a:ext uri="{FF2B5EF4-FFF2-40B4-BE49-F238E27FC236}">
-                <a16:creationId xmlns:a16="http://schemas.microsoft.com/office/drawing/2014/main" id="{E0B782E8-2358-FB4A-8BDC-84204443C770}"/>
+              <a:t>3</a:t>
+            </a:r>
+          </a:p>
+        </p:txBody>
+      </p:sp>
+      <p:sp>
+        <p:nvSpPr>
+          <p:cNvPr id="104" name="TextBox 103">
+            <a:extLst>
+              <a:ext uri="{FF2B5EF4-FFF2-40B4-BE49-F238E27FC236}">
+                <a16:creationId xmlns:a16="http://schemas.microsoft.com/office/drawing/2014/main" id="{FA347066-3342-B649-AC9C-F0A10945B0CD}"/>
+              </a:ext>
+            </a:extLst>
+          </p:cNvPr>
+          <p:cNvSpPr txBox="1"/>
+          <p:nvPr/>
+        </p:nvSpPr>
+        <p:spPr>
+          <a:xfrm>
+            <a:off x="2606730" y="6176625"/>
+            <a:ext cx="8522225" cy="246221"/>
+          </a:xfrm>
+          <a:prstGeom prst="rect">
+            <a:avLst/>
+          </a:prstGeom>
+          <a:noFill/>
+        </p:spPr>
+        <p:txBody>
+          <a:bodyPr wrap="square" rtlCol="0">
+            <a:spAutoFit/>
+          </a:bodyPr>
+          <a:lstStyle/>
+          <a:p>
+            <a:pPr algn="l"/>
+            <a:r>
+              <a:rPr lang="en-US" sz="1000" dirty="0">
+                <a:solidFill>
+                  <a:schemeClr val="bg1"/>
+                </a:solidFill>
+                <a:latin typeface="Amazon Ember" panose="020B0603020204020204" pitchFamily="34" charset="0"/>
+                <a:ea typeface="Amazon Ember" panose="020B0603020204020204" pitchFamily="34" charset="0"/>
+                <a:cs typeface="Amazon Ember" panose="020B0603020204020204" pitchFamily="34" charset="0"/>
+              </a:rPr>
+              <a:t>The </a:t>
+            </a:r>
+            <a:r>
+              <a:rPr lang="en-US" sz="1000" b="1" dirty="0">
+                <a:solidFill>
+                  <a:schemeClr val="bg1"/>
+                </a:solidFill>
+                <a:latin typeface="Amazon Ember" panose="020B0603020204020204" pitchFamily="34" charset="0"/>
+                <a:ea typeface="Amazon Ember" panose="020B0603020204020204" pitchFamily="34" charset="0"/>
+                <a:cs typeface="Amazon Ember" panose="020B0603020204020204" pitchFamily="34" charset="0"/>
+              </a:rPr>
+              <a:t>local proxy is running in source mode</a:t>
+            </a:r>
+            <a:r>
+              <a:rPr lang="en-US" sz="1000" dirty="0">
+                <a:solidFill>
+                  <a:schemeClr val="bg1"/>
+                </a:solidFill>
+                <a:latin typeface="Amazon Ember" panose="020B0603020204020204" pitchFamily="34" charset="0"/>
+                <a:ea typeface="Amazon Ember" panose="020B0603020204020204" pitchFamily="34" charset="0"/>
+                <a:cs typeface="Amazon Ember" panose="020B0603020204020204" pitchFamily="34" charset="0"/>
+              </a:rPr>
+              <a:t> on cloud9, listening </a:t>
+            </a:r>
+            <a:r>
+              <a:rPr lang="en-US" sz="1000" b="1" dirty="0">
+                <a:solidFill>
+                  <a:schemeClr val="bg1"/>
+                </a:solidFill>
+                <a:latin typeface="Amazon Ember" panose="020B0603020204020204" pitchFamily="34" charset="0"/>
+                <a:ea typeface="Amazon Ember" panose="020B0603020204020204" pitchFamily="34" charset="0"/>
+                <a:cs typeface="Amazon Ember" panose="020B0603020204020204" pitchFamily="34" charset="0"/>
+              </a:rPr>
+              <a:t>on port 5555</a:t>
+            </a:r>
+            <a:r>
+              <a:rPr lang="en-US" sz="1000" dirty="0">
+                <a:solidFill>
+                  <a:schemeClr val="bg1"/>
+                </a:solidFill>
+                <a:latin typeface="Amazon Ember" panose="020B0603020204020204" pitchFamily="34" charset="0"/>
+                <a:ea typeface="Amazon Ember" panose="020B0603020204020204" pitchFamily="34" charset="0"/>
+                <a:cs typeface="Amazon Ember" panose="020B0603020204020204" pitchFamily="34" charset="0"/>
+              </a:rPr>
+              <a:t>. So, from Cloud9, we </a:t>
+            </a:r>
+            <a:r>
+              <a:rPr lang="en-US" sz="1000" b="1" dirty="0">
+                <a:solidFill>
+                  <a:schemeClr val="bg1"/>
+                </a:solidFill>
+                <a:latin typeface="Amazon Ember" panose="020B0603020204020204" pitchFamily="34" charset="0"/>
+                <a:ea typeface="Amazon Ember" panose="020B0603020204020204" pitchFamily="34" charset="0"/>
+                <a:cs typeface="Amazon Ember" panose="020B0603020204020204" pitchFamily="34" charset="0"/>
+              </a:rPr>
+              <a:t>SSH to localhost on port 5555</a:t>
+            </a:r>
+            <a:r>
+              <a:rPr lang="en-US" sz="1000" dirty="0">
+                <a:solidFill>
+                  <a:schemeClr val="bg1"/>
+                </a:solidFill>
+                <a:latin typeface="Amazon Ember" panose="020B0603020204020204" pitchFamily="34" charset="0"/>
+                <a:ea typeface="Amazon Ember" panose="020B0603020204020204" pitchFamily="34" charset="0"/>
+                <a:cs typeface="Amazon Ember" panose="020B0603020204020204" pitchFamily="34" charset="0"/>
+              </a:rPr>
+              <a:t>.</a:t>
+            </a:r>
+          </a:p>
+        </p:txBody>
+      </p:sp>
+      <p:sp>
+        <p:nvSpPr>
+          <p:cNvPr id="105" name="TextBox 104">
+            <a:extLst>
+              <a:ext uri="{FF2B5EF4-FFF2-40B4-BE49-F238E27FC236}">
+                <a16:creationId xmlns:a16="http://schemas.microsoft.com/office/drawing/2014/main" id="{0FC7E31A-62EF-C145-B53F-A319A26C675E}"/>
+              </a:ext>
+            </a:extLst>
+          </p:cNvPr>
+          <p:cNvSpPr txBox="1"/>
+          <p:nvPr/>
+        </p:nvSpPr>
+        <p:spPr>
+          <a:xfrm>
+            <a:off x="2565998" y="7052766"/>
+            <a:ext cx="9214394" cy="246221"/>
+          </a:xfrm>
+          <a:prstGeom prst="rect">
+            <a:avLst/>
+          </a:prstGeom>
+          <a:noFill/>
+        </p:spPr>
+        <p:txBody>
+          <a:bodyPr wrap="square" rtlCol="0">
+            <a:spAutoFit/>
+          </a:bodyPr>
+          <a:lstStyle/>
+          <a:p>
+            <a:pPr algn="l"/>
+            <a:r>
+              <a:rPr lang="en-US" sz="1000" dirty="0">
+                <a:solidFill>
+                  <a:schemeClr val="bg1"/>
+                </a:solidFill>
+                <a:latin typeface="Amazon Ember" panose="020B0603020204020204" pitchFamily="34" charset="0"/>
+                <a:ea typeface="Amazon Ember" panose="020B0603020204020204" pitchFamily="34" charset="0"/>
+                <a:cs typeface="Amazon Ember" panose="020B0603020204020204" pitchFamily="34" charset="0"/>
+              </a:rPr>
+              <a:t>Once the </a:t>
+            </a:r>
+            <a:r>
+              <a:rPr lang="en-US" sz="1000" b="1" dirty="0">
+                <a:solidFill>
+                  <a:schemeClr val="bg1"/>
+                </a:solidFill>
+                <a:latin typeface="Amazon Ember" panose="020B0603020204020204" pitchFamily="34" charset="0"/>
+                <a:ea typeface="Amazon Ember" panose="020B0603020204020204" pitchFamily="34" charset="0"/>
+                <a:cs typeface="Amazon Ember" panose="020B0603020204020204" pitchFamily="34" charset="0"/>
+              </a:rPr>
+              <a:t>request arrive on the local proxy running on destination mode </a:t>
+            </a:r>
+            <a:r>
+              <a:rPr lang="en-US" sz="1000" dirty="0">
+                <a:solidFill>
+                  <a:schemeClr val="bg1"/>
+                </a:solidFill>
+                <a:latin typeface="Amazon Ember" panose="020B0603020204020204" pitchFamily="34" charset="0"/>
+                <a:ea typeface="Amazon Ember" panose="020B0603020204020204" pitchFamily="34" charset="0"/>
+                <a:cs typeface="Amazon Ember" panose="020B0603020204020204" pitchFamily="34" charset="0"/>
+              </a:rPr>
+              <a:t>on the device, it </a:t>
+            </a:r>
+            <a:r>
+              <a:rPr lang="en-US" sz="1000" b="1" dirty="0">
+                <a:solidFill>
+                  <a:schemeClr val="bg1"/>
+                </a:solidFill>
+                <a:latin typeface="Amazon Ember" panose="020B0603020204020204" pitchFamily="34" charset="0"/>
+                <a:ea typeface="Amazon Ember" panose="020B0603020204020204" pitchFamily="34" charset="0"/>
+                <a:cs typeface="Amazon Ember" panose="020B0603020204020204" pitchFamily="34" charset="0"/>
+              </a:rPr>
+              <a:t>is forwarded to the local SSH daemon running on port 22 .</a:t>
+            </a:r>
+          </a:p>
+        </p:txBody>
+      </p:sp>
+      <p:sp>
+        <p:nvSpPr>
+          <p:cNvPr id="106" name="TextBox 105">
+            <a:extLst>
+              <a:ext uri="{FF2B5EF4-FFF2-40B4-BE49-F238E27FC236}">
+                <a16:creationId xmlns:a16="http://schemas.microsoft.com/office/drawing/2014/main" id="{C7AD16E4-829E-8943-A1D2-77ABDDA8D52C}"/>
+              </a:ext>
+            </a:extLst>
+          </p:cNvPr>
+          <p:cNvSpPr txBox="1"/>
+          <p:nvPr/>
+        </p:nvSpPr>
+        <p:spPr>
+          <a:xfrm>
+            <a:off x="2565998" y="6628242"/>
+            <a:ext cx="9563391" cy="246221"/>
+          </a:xfrm>
+          <a:prstGeom prst="rect">
+            <a:avLst/>
+          </a:prstGeom>
+          <a:noFill/>
+        </p:spPr>
+        <p:txBody>
+          <a:bodyPr wrap="square" rtlCol="0">
+            <a:spAutoFit/>
+          </a:bodyPr>
+          <a:lstStyle/>
+          <a:p>
+            <a:pPr algn="l"/>
+            <a:r>
+              <a:rPr lang="en-US" sz="1000" dirty="0">
+                <a:solidFill>
+                  <a:schemeClr val="bg1"/>
+                </a:solidFill>
+                <a:latin typeface="Amazon Ember" panose="020B0603020204020204" pitchFamily="34" charset="0"/>
+                <a:ea typeface="Amazon Ember" panose="020B0603020204020204" pitchFamily="34" charset="0"/>
+                <a:cs typeface="Amazon Ember" panose="020B0603020204020204" pitchFamily="34" charset="0"/>
+              </a:rPr>
+              <a:t>The </a:t>
+            </a:r>
+            <a:r>
+              <a:rPr lang="en-US" sz="1000" b="1" dirty="0">
+                <a:solidFill>
+                  <a:schemeClr val="bg1"/>
+                </a:solidFill>
+                <a:latin typeface="Amazon Ember" panose="020B0603020204020204" pitchFamily="34" charset="0"/>
+                <a:ea typeface="Amazon Ember" panose="020B0603020204020204" pitchFamily="34" charset="0"/>
+                <a:cs typeface="Amazon Ember" panose="020B0603020204020204" pitchFamily="34" charset="0"/>
+              </a:rPr>
+              <a:t>connection is enabled by the currently open AWS IoT Secure Tunnel</a:t>
+            </a:r>
+            <a:r>
+              <a:rPr lang="en-US" sz="1000" dirty="0">
+                <a:solidFill>
+                  <a:schemeClr val="bg1"/>
+                </a:solidFill>
+                <a:latin typeface="Amazon Ember" panose="020B0603020204020204" pitchFamily="34" charset="0"/>
+                <a:ea typeface="Amazon Ember" panose="020B0603020204020204" pitchFamily="34" charset="0"/>
+                <a:cs typeface="Amazon Ember" panose="020B0603020204020204" pitchFamily="34" charset="0"/>
+              </a:rPr>
+              <a:t>, and </a:t>
+            </a:r>
+            <a:r>
+              <a:rPr lang="en-US" sz="1000" b="1" dirty="0">
+                <a:solidFill>
+                  <a:schemeClr val="bg1"/>
+                </a:solidFill>
+                <a:latin typeface="Amazon Ember" panose="020B0603020204020204" pitchFamily="34" charset="0"/>
+                <a:ea typeface="Amazon Ember" panose="020B0603020204020204" pitchFamily="34" charset="0"/>
+                <a:cs typeface="Amazon Ember" panose="020B0603020204020204" pitchFamily="34" charset="0"/>
+              </a:rPr>
+              <a:t>goes</a:t>
+            </a:r>
+            <a:r>
+              <a:rPr lang="en-US" sz="1000" dirty="0">
+                <a:solidFill>
+                  <a:schemeClr val="bg1"/>
+                </a:solidFill>
+                <a:latin typeface="Amazon Ember" panose="020B0603020204020204" pitchFamily="34" charset="0"/>
+                <a:ea typeface="Amazon Ember" panose="020B0603020204020204" pitchFamily="34" charset="0"/>
+                <a:cs typeface="Amazon Ember" panose="020B0603020204020204" pitchFamily="34" charset="0"/>
+              </a:rPr>
+              <a:t> all the </a:t>
+            </a:r>
+            <a:r>
+              <a:rPr lang="en-US" sz="1000" b="1" dirty="0">
+                <a:solidFill>
+                  <a:schemeClr val="bg1"/>
+                </a:solidFill>
+                <a:latin typeface="Amazon Ember" panose="020B0603020204020204" pitchFamily="34" charset="0"/>
+                <a:ea typeface="Amazon Ember" panose="020B0603020204020204" pitchFamily="34" charset="0"/>
+                <a:cs typeface="Amazon Ember" panose="020B0603020204020204" pitchFamily="34" charset="0"/>
+              </a:rPr>
+              <a:t>way to the local proxy running on destination mode on the device</a:t>
+            </a:r>
+            <a:r>
+              <a:rPr lang="en-US" sz="1000" dirty="0">
+                <a:solidFill>
+                  <a:schemeClr val="bg1"/>
+                </a:solidFill>
+                <a:latin typeface="Amazon Ember" panose="020B0603020204020204" pitchFamily="34" charset="0"/>
+                <a:ea typeface="Amazon Ember" panose="020B0603020204020204" pitchFamily="34" charset="0"/>
+                <a:cs typeface="Amazon Ember" panose="020B0603020204020204" pitchFamily="34" charset="0"/>
+              </a:rPr>
+              <a:t>.</a:t>
+            </a:r>
+          </a:p>
+        </p:txBody>
+      </p:sp>
+      <p:sp>
+        <p:nvSpPr>
+          <p:cNvPr id="48" name="Rectangular Callout 47">
+            <a:extLst>
+              <a:ext uri="{FF2B5EF4-FFF2-40B4-BE49-F238E27FC236}">
+                <a16:creationId xmlns:a16="http://schemas.microsoft.com/office/drawing/2014/main" id="{E8C51A7C-2B5B-EC4B-9C49-D70D2F0F6BF8}"/>
               </a:ext>
             </a:extLst>
           </p:cNvPr>
@@ -24788,7 +25086,245 @@
         </p:nvSpPr>
         <p:spPr>
           <a:xfrm>
-            <a:off x="2213176" y="6684337"/>
+            <a:off x="11345444" y="4091258"/>
+            <a:ext cx="1165811" cy="612648"/>
+          </a:xfrm>
+          <a:prstGeom prst="wedgeRectCallout">
+            <a:avLst>
+              <a:gd name="adj1" fmla="val 48265"/>
+              <a:gd name="adj2" fmla="val -92351"/>
+            </a:avLst>
+          </a:prstGeom>
+          <a:solidFill>
+            <a:schemeClr val="accent1"/>
+          </a:solidFill>
+          <a:ln>
+            <a:noFill/>
+          </a:ln>
+          <a:effectLst/>
+        </p:spPr>
+        <p:style>
+          <a:lnRef idx="1">
+            <a:schemeClr val="accent1"/>
+          </a:lnRef>
+          <a:fillRef idx="3">
+            <a:schemeClr val="accent1"/>
+          </a:fillRef>
+          <a:effectRef idx="2">
+            <a:schemeClr val="accent1"/>
+          </a:effectRef>
+          <a:fontRef idx="minor">
+            <a:schemeClr val="lt1"/>
+          </a:fontRef>
+        </p:style>
+        <p:txBody>
+          <a:bodyPr rtlCol="0" anchor="ctr"/>
+          <a:lstStyle/>
+          <a:p>
+            <a:pPr algn="ctr"/>
+            <a:r>
+              <a:rPr lang="en-US" sz="1400" dirty="0"/>
+              <a:t>destination mode</a:t>
+            </a:r>
+          </a:p>
+        </p:txBody>
+      </p:sp>
+      <p:sp>
+        <p:nvSpPr>
+          <p:cNvPr id="49" name="Rectangular Callout 48">
+            <a:extLst>
+              <a:ext uri="{FF2B5EF4-FFF2-40B4-BE49-F238E27FC236}">
+                <a16:creationId xmlns:a16="http://schemas.microsoft.com/office/drawing/2014/main" id="{AC4C0EC6-7919-CB49-A70E-73F802156740}"/>
+              </a:ext>
+            </a:extLst>
+          </p:cNvPr>
+          <p:cNvSpPr/>
+          <p:nvPr/>
+        </p:nvSpPr>
+        <p:spPr>
+          <a:xfrm>
+            <a:off x="655516" y="4255752"/>
+            <a:ext cx="961308" cy="612648"/>
+          </a:xfrm>
+          <a:prstGeom prst="wedgeRectCallout">
+            <a:avLst>
+              <a:gd name="adj1" fmla="val 43509"/>
+              <a:gd name="adj2" fmla="val -120336"/>
+            </a:avLst>
+          </a:prstGeom>
+          <a:solidFill>
+            <a:schemeClr val="accent1"/>
+          </a:solidFill>
+          <a:ln>
+            <a:noFill/>
+          </a:ln>
+          <a:effectLst/>
+        </p:spPr>
+        <p:style>
+          <a:lnRef idx="1">
+            <a:schemeClr val="accent1"/>
+          </a:lnRef>
+          <a:fillRef idx="3">
+            <a:schemeClr val="accent1"/>
+          </a:fillRef>
+          <a:effectRef idx="2">
+            <a:schemeClr val="accent1"/>
+          </a:effectRef>
+          <a:fontRef idx="minor">
+            <a:schemeClr val="lt1"/>
+          </a:fontRef>
+        </p:style>
+        <p:txBody>
+          <a:bodyPr rtlCol="0" anchor="ctr"/>
+          <a:lstStyle/>
+          <a:p>
+            <a:pPr algn="ctr"/>
+            <a:r>
+              <a:rPr lang="en-US" sz="1400" dirty="0"/>
+              <a:t>source mode</a:t>
+            </a:r>
+          </a:p>
+        </p:txBody>
+      </p:sp>
+      <p:pic>
+        <p:nvPicPr>
+          <p:cNvPr id="52" name="Graphic 51">
+            <a:extLst>
+              <a:ext uri="{FF2B5EF4-FFF2-40B4-BE49-F238E27FC236}">
+                <a16:creationId xmlns:a16="http://schemas.microsoft.com/office/drawing/2014/main" id="{833D437B-E18A-9244-829A-61E3928B7CFB}"/>
+              </a:ext>
+            </a:extLst>
+          </p:cNvPr>
+          <p:cNvPicPr>
+            <a:picLocks noChangeAspect="1"/>
+          </p:cNvPicPr>
+          <p:nvPr/>
+        </p:nvPicPr>
+        <p:blipFill>
+          <a:blip r:embed="rId13">
+            <a:extLst>
+              <a:ext uri="{96DAC541-7B7A-43D3-8B79-37D633B846F1}">
+                <asvg:svgBlip xmlns:asvg="http://schemas.microsoft.com/office/drawing/2016/SVG/main" r:embed="rId14"/>
+              </a:ext>
+            </a:extLst>
+          </a:blip>
+          <a:stretch>
+            <a:fillRect/>
+          </a:stretch>
+        </p:blipFill>
+        <p:spPr>
+          <a:xfrm>
+            <a:off x="10081529" y="3628775"/>
+            <a:ext cx="787909" cy="787909"/>
+          </a:xfrm>
+          <a:prstGeom prst="rect">
+            <a:avLst/>
+          </a:prstGeom>
+        </p:spPr>
+      </p:pic>
+      <p:sp>
+        <p:nvSpPr>
+          <p:cNvPr id="56" name="TextBox 55">
+            <a:extLst>
+              <a:ext uri="{FF2B5EF4-FFF2-40B4-BE49-F238E27FC236}">
+                <a16:creationId xmlns:a16="http://schemas.microsoft.com/office/drawing/2014/main" id="{359BE097-09B7-6944-A37A-52E3885B5237}"/>
+              </a:ext>
+            </a:extLst>
+          </p:cNvPr>
+          <p:cNvSpPr txBox="1"/>
+          <p:nvPr/>
+        </p:nvSpPr>
+        <p:spPr>
+          <a:xfrm>
+            <a:off x="9928374" y="4391201"/>
+            <a:ext cx="1356659" cy="205243"/>
+          </a:xfrm>
+          <a:prstGeom prst="rect">
+            <a:avLst/>
+          </a:prstGeom>
+          <a:noFill/>
+        </p:spPr>
+        <p:txBody>
+          <a:bodyPr wrap="square" lIns="0" tIns="0" rIns="0" bIns="0" rtlCol="0" anchor="t">
+            <a:noAutofit/>
+          </a:bodyPr>
+          <a:lstStyle/>
+          <a:p>
+            <a:pPr algn="ctr"/>
+            <a:r>
+              <a:rPr lang="en-US" sz="1400" dirty="0"/>
+              <a:t>device </a:t>
+            </a:r>
+            <a:r>
+              <a:rPr lang="en-US" sz="1400" dirty="0" err="1"/>
+              <a:t>api</a:t>
+            </a:r>
+            <a:r>
+              <a:rPr lang="en-US" sz="1400" dirty="0"/>
+              <a:t> (http)</a:t>
+            </a:r>
+          </a:p>
+        </p:txBody>
+      </p:sp>
+      <p:cxnSp>
+        <p:nvCxnSpPr>
+          <p:cNvPr id="59" name="Straight Arrow Connector 7">
+            <a:extLst>
+              <a:ext uri="{FF2B5EF4-FFF2-40B4-BE49-F238E27FC236}">
+                <a16:creationId xmlns:a16="http://schemas.microsoft.com/office/drawing/2014/main" id="{A0FCBEF1-837F-104C-B04B-E5649CD44650}"/>
+              </a:ext>
+            </a:extLst>
+          </p:cNvPr>
+          <p:cNvCxnSpPr>
+            <a:cxnSpLocks/>
+          </p:cNvCxnSpPr>
+          <p:nvPr/>
+        </p:nvCxnSpPr>
+        <p:spPr>
+          <a:xfrm flipH="1">
+            <a:off x="11017406" y="3289610"/>
+            <a:ext cx="1237089" cy="663815"/>
+          </a:xfrm>
+          <a:prstGeom prst="straightConnector1">
+            <a:avLst/>
+          </a:prstGeom>
+          <a:ln w="57150">
+            <a:solidFill>
+              <a:srgbClr val="FF0000"/>
+            </a:solidFill>
+            <a:tailEnd type="triangle"/>
+          </a:ln>
+        </p:spPr>
+        <p:style>
+          <a:lnRef idx="2">
+            <a:schemeClr val="accent1"/>
+          </a:lnRef>
+          <a:fillRef idx="0">
+            <a:schemeClr val="accent1"/>
+          </a:fillRef>
+          <a:effectRef idx="1">
+            <a:schemeClr val="accent1"/>
+          </a:effectRef>
+          <a:fontRef idx="minor">
+            <a:schemeClr val="tx1"/>
+          </a:fontRef>
+        </p:style>
+      </p:cxnSp>
+      <p:sp>
+        <p:nvSpPr>
+          <p:cNvPr id="62" name="Rounded Rectangle 61">
+            <a:extLst>
+              <a:ext uri="{FF2B5EF4-FFF2-40B4-BE49-F238E27FC236}">
+                <a16:creationId xmlns:a16="http://schemas.microsoft.com/office/drawing/2014/main" id="{F65F380F-D5FC-C743-B99A-E755DABF9180}"/>
+              </a:ext>
+            </a:extLst>
+          </p:cNvPr>
+          <p:cNvSpPr/>
+          <p:nvPr/>
+        </p:nvSpPr>
+        <p:spPr>
+          <a:xfrm>
+            <a:off x="11675343" y="3102355"/>
             <a:ext cx="308225" cy="330201"/>
           </a:xfrm>
           <a:prstGeom prst="roundRect">
@@ -24828,418 +25364,10 @@
           </a:p>
         </p:txBody>
       </p:sp>
-      <p:sp>
-        <p:nvSpPr>
-          <p:cNvPr id="104" name="TextBox 103">
-            <a:extLst>
-              <a:ext uri="{FF2B5EF4-FFF2-40B4-BE49-F238E27FC236}">
-                <a16:creationId xmlns:a16="http://schemas.microsoft.com/office/drawing/2014/main" id="{FA347066-3342-B649-AC9C-F0A10945B0CD}"/>
-              </a:ext>
-            </a:extLst>
-          </p:cNvPr>
-          <p:cNvSpPr txBox="1"/>
-          <p:nvPr/>
-        </p:nvSpPr>
-        <p:spPr>
-          <a:xfrm>
-            <a:off x="2532519" y="5800573"/>
-            <a:ext cx="8522225" cy="246221"/>
-          </a:xfrm>
-          <a:prstGeom prst="rect">
-            <a:avLst/>
-          </a:prstGeom>
-          <a:noFill/>
-        </p:spPr>
-        <p:txBody>
-          <a:bodyPr wrap="square" rtlCol="0">
-            <a:spAutoFit/>
-          </a:bodyPr>
-          <a:lstStyle/>
-          <a:p>
-            <a:pPr algn="l"/>
-            <a:r>
-              <a:rPr lang="en-US" sz="1000" dirty="0">
-                <a:solidFill>
-                  <a:schemeClr val="bg1"/>
-                </a:solidFill>
-                <a:latin typeface="Amazon Ember" panose="020B0603020204020204" pitchFamily="34" charset="0"/>
-                <a:ea typeface="Amazon Ember" panose="020B0603020204020204" pitchFamily="34" charset="0"/>
-                <a:cs typeface="Amazon Ember" panose="020B0603020204020204" pitchFamily="34" charset="0"/>
-              </a:rPr>
-              <a:t>The </a:t>
-            </a:r>
-            <a:r>
-              <a:rPr lang="en-US" sz="1000" b="1" dirty="0">
-                <a:solidFill>
-                  <a:schemeClr val="bg1"/>
-                </a:solidFill>
-                <a:latin typeface="Amazon Ember" panose="020B0603020204020204" pitchFamily="34" charset="0"/>
-                <a:ea typeface="Amazon Ember" panose="020B0603020204020204" pitchFamily="34" charset="0"/>
-                <a:cs typeface="Amazon Ember" panose="020B0603020204020204" pitchFamily="34" charset="0"/>
-              </a:rPr>
-              <a:t>local proxy is running in source mode</a:t>
-            </a:r>
-            <a:r>
-              <a:rPr lang="en-US" sz="1000" dirty="0">
-                <a:solidFill>
-                  <a:schemeClr val="bg1"/>
-                </a:solidFill>
-                <a:latin typeface="Amazon Ember" panose="020B0603020204020204" pitchFamily="34" charset="0"/>
-                <a:ea typeface="Amazon Ember" panose="020B0603020204020204" pitchFamily="34" charset="0"/>
-                <a:cs typeface="Amazon Ember" panose="020B0603020204020204" pitchFamily="34" charset="0"/>
-              </a:rPr>
-              <a:t> on cloud9, listening </a:t>
-            </a:r>
-            <a:r>
-              <a:rPr lang="en-US" sz="1000" b="1" dirty="0">
-                <a:solidFill>
-                  <a:schemeClr val="bg1"/>
-                </a:solidFill>
-                <a:latin typeface="Amazon Ember" panose="020B0603020204020204" pitchFamily="34" charset="0"/>
-                <a:ea typeface="Amazon Ember" panose="020B0603020204020204" pitchFamily="34" charset="0"/>
-                <a:cs typeface="Amazon Ember" panose="020B0603020204020204" pitchFamily="34" charset="0"/>
-              </a:rPr>
-              <a:t>on port 5555</a:t>
-            </a:r>
-            <a:r>
-              <a:rPr lang="en-US" sz="1000" dirty="0">
-                <a:solidFill>
-                  <a:schemeClr val="bg1"/>
-                </a:solidFill>
-                <a:latin typeface="Amazon Ember" panose="020B0603020204020204" pitchFamily="34" charset="0"/>
-                <a:ea typeface="Amazon Ember" panose="020B0603020204020204" pitchFamily="34" charset="0"/>
-                <a:cs typeface="Amazon Ember" panose="020B0603020204020204" pitchFamily="34" charset="0"/>
-              </a:rPr>
-              <a:t>. So, from Cloud9, we </a:t>
-            </a:r>
-            <a:r>
-              <a:rPr lang="en-US" sz="1000" b="1" dirty="0">
-                <a:solidFill>
-                  <a:schemeClr val="bg1"/>
-                </a:solidFill>
-                <a:latin typeface="Amazon Ember" panose="020B0603020204020204" pitchFamily="34" charset="0"/>
-                <a:ea typeface="Amazon Ember" panose="020B0603020204020204" pitchFamily="34" charset="0"/>
-                <a:cs typeface="Amazon Ember" panose="020B0603020204020204" pitchFamily="34" charset="0"/>
-              </a:rPr>
-              <a:t>SSH to localhost on port 5555</a:t>
-            </a:r>
-            <a:r>
-              <a:rPr lang="en-US" sz="1000" dirty="0">
-                <a:solidFill>
-                  <a:schemeClr val="bg1"/>
-                </a:solidFill>
-                <a:latin typeface="Amazon Ember" panose="020B0603020204020204" pitchFamily="34" charset="0"/>
-                <a:ea typeface="Amazon Ember" panose="020B0603020204020204" pitchFamily="34" charset="0"/>
-                <a:cs typeface="Amazon Ember" panose="020B0603020204020204" pitchFamily="34" charset="0"/>
-              </a:rPr>
-              <a:t>.</a:t>
-            </a:r>
-          </a:p>
-        </p:txBody>
-      </p:sp>
-      <p:sp>
-        <p:nvSpPr>
-          <p:cNvPr id="105" name="TextBox 104">
-            <a:extLst>
-              <a:ext uri="{FF2B5EF4-FFF2-40B4-BE49-F238E27FC236}">
-                <a16:creationId xmlns:a16="http://schemas.microsoft.com/office/drawing/2014/main" id="{0FC7E31A-62EF-C145-B53F-A319A26C675E}"/>
-              </a:ext>
-            </a:extLst>
-          </p:cNvPr>
-          <p:cNvSpPr txBox="1"/>
-          <p:nvPr/>
-        </p:nvSpPr>
-        <p:spPr>
-          <a:xfrm>
-            <a:off x="2532518" y="6744044"/>
-            <a:ext cx="9214394" cy="246221"/>
-          </a:xfrm>
-          <a:prstGeom prst="rect">
-            <a:avLst/>
-          </a:prstGeom>
-          <a:noFill/>
-        </p:spPr>
-        <p:txBody>
-          <a:bodyPr wrap="square" rtlCol="0">
-            <a:spAutoFit/>
-          </a:bodyPr>
-          <a:lstStyle/>
-          <a:p>
-            <a:pPr algn="l"/>
-            <a:r>
-              <a:rPr lang="en-US" sz="1000" dirty="0">
-                <a:solidFill>
-                  <a:schemeClr val="bg1"/>
-                </a:solidFill>
-                <a:latin typeface="Amazon Ember" panose="020B0603020204020204" pitchFamily="34" charset="0"/>
-                <a:ea typeface="Amazon Ember" panose="020B0603020204020204" pitchFamily="34" charset="0"/>
-                <a:cs typeface="Amazon Ember" panose="020B0603020204020204" pitchFamily="34" charset="0"/>
-              </a:rPr>
-              <a:t>Once the </a:t>
-            </a:r>
-            <a:r>
-              <a:rPr lang="en-US" sz="1000" b="1" dirty="0">
-                <a:solidFill>
-                  <a:schemeClr val="bg1"/>
-                </a:solidFill>
-                <a:latin typeface="Amazon Ember" panose="020B0603020204020204" pitchFamily="34" charset="0"/>
-                <a:ea typeface="Amazon Ember" panose="020B0603020204020204" pitchFamily="34" charset="0"/>
-                <a:cs typeface="Amazon Ember" panose="020B0603020204020204" pitchFamily="34" charset="0"/>
-              </a:rPr>
-              <a:t>request arrive on the local proxy running on destination mode </a:t>
-            </a:r>
-            <a:r>
-              <a:rPr lang="en-US" sz="1000" dirty="0">
-                <a:solidFill>
-                  <a:schemeClr val="bg1"/>
-                </a:solidFill>
-                <a:latin typeface="Amazon Ember" panose="020B0603020204020204" pitchFamily="34" charset="0"/>
-                <a:ea typeface="Amazon Ember" panose="020B0603020204020204" pitchFamily="34" charset="0"/>
-                <a:cs typeface="Amazon Ember" panose="020B0603020204020204" pitchFamily="34" charset="0"/>
-              </a:rPr>
-              <a:t>on the device, it </a:t>
-            </a:r>
-            <a:r>
-              <a:rPr lang="en-US" sz="1000" b="1" dirty="0">
-                <a:solidFill>
-                  <a:schemeClr val="bg1"/>
-                </a:solidFill>
-                <a:latin typeface="Amazon Ember" panose="020B0603020204020204" pitchFamily="34" charset="0"/>
-                <a:ea typeface="Amazon Ember" panose="020B0603020204020204" pitchFamily="34" charset="0"/>
-                <a:cs typeface="Amazon Ember" panose="020B0603020204020204" pitchFamily="34" charset="0"/>
-              </a:rPr>
-              <a:t>is forwarded to the local SSH daemon running on port 22.</a:t>
-            </a:r>
-          </a:p>
-        </p:txBody>
-      </p:sp>
-      <p:sp>
-        <p:nvSpPr>
-          <p:cNvPr id="106" name="TextBox 105">
-            <a:extLst>
-              <a:ext uri="{FF2B5EF4-FFF2-40B4-BE49-F238E27FC236}">
-                <a16:creationId xmlns:a16="http://schemas.microsoft.com/office/drawing/2014/main" id="{C7AD16E4-829E-8943-A1D2-77ABDDA8D52C}"/>
-              </a:ext>
-            </a:extLst>
-          </p:cNvPr>
-          <p:cNvSpPr txBox="1"/>
-          <p:nvPr/>
-        </p:nvSpPr>
-        <p:spPr>
-          <a:xfrm>
-            <a:off x="2532518" y="6193379"/>
-            <a:ext cx="9563391" cy="246221"/>
-          </a:xfrm>
-          <a:prstGeom prst="rect">
-            <a:avLst/>
-          </a:prstGeom>
-          <a:noFill/>
-        </p:spPr>
-        <p:txBody>
-          <a:bodyPr wrap="square" rtlCol="0">
-            <a:spAutoFit/>
-          </a:bodyPr>
-          <a:lstStyle/>
-          <a:p>
-            <a:pPr algn="l"/>
-            <a:r>
-              <a:rPr lang="en-US" sz="1000" dirty="0">
-                <a:solidFill>
-                  <a:schemeClr val="bg1"/>
-                </a:solidFill>
-                <a:latin typeface="Amazon Ember" panose="020B0603020204020204" pitchFamily="34" charset="0"/>
-                <a:ea typeface="Amazon Ember" panose="020B0603020204020204" pitchFamily="34" charset="0"/>
-                <a:cs typeface="Amazon Ember" panose="020B0603020204020204" pitchFamily="34" charset="0"/>
-              </a:rPr>
-              <a:t>The </a:t>
-            </a:r>
-            <a:r>
-              <a:rPr lang="en-US" sz="1000" b="1" dirty="0">
-                <a:solidFill>
-                  <a:schemeClr val="bg1"/>
-                </a:solidFill>
-                <a:latin typeface="Amazon Ember" panose="020B0603020204020204" pitchFamily="34" charset="0"/>
-                <a:ea typeface="Amazon Ember" panose="020B0603020204020204" pitchFamily="34" charset="0"/>
-                <a:cs typeface="Amazon Ember" panose="020B0603020204020204" pitchFamily="34" charset="0"/>
-              </a:rPr>
-              <a:t>connection is enabled by the currently open AWS IoT Secure Tunnel</a:t>
-            </a:r>
-            <a:r>
-              <a:rPr lang="en-US" sz="1000" dirty="0">
-                <a:solidFill>
-                  <a:schemeClr val="bg1"/>
-                </a:solidFill>
-                <a:latin typeface="Amazon Ember" panose="020B0603020204020204" pitchFamily="34" charset="0"/>
-                <a:ea typeface="Amazon Ember" panose="020B0603020204020204" pitchFamily="34" charset="0"/>
-                <a:cs typeface="Amazon Ember" panose="020B0603020204020204" pitchFamily="34" charset="0"/>
-              </a:rPr>
-              <a:t>, and </a:t>
-            </a:r>
-            <a:r>
-              <a:rPr lang="en-US" sz="1000" b="1" dirty="0">
-                <a:solidFill>
-                  <a:schemeClr val="bg1"/>
-                </a:solidFill>
-                <a:latin typeface="Amazon Ember" panose="020B0603020204020204" pitchFamily="34" charset="0"/>
-                <a:ea typeface="Amazon Ember" panose="020B0603020204020204" pitchFamily="34" charset="0"/>
-                <a:cs typeface="Amazon Ember" panose="020B0603020204020204" pitchFamily="34" charset="0"/>
-              </a:rPr>
-              <a:t>goes</a:t>
-            </a:r>
-            <a:r>
-              <a:rPr lang="en-US" sz="1000" dirty="0">
-                <a:solidFill>
-                  <a:schemeClr val="bg1"/>
-                </a:solidFill>
-                <a:latin typeface="Amazon Ember" panose="020B0603020204020204" pitchFamily="34" charset="0"/>
-                <a:ea typeface="Amazon Ember" panose="020B0603020204020204" pitchFamily="34" charset="0"/>
-                <a:cs typeface="Amazon Ember" panose="020B0603020204020204" pitchFamily="34" charset="0"/>
-              </a:rPr>
-              <a:t> all the </a:t>
-            </a:r>
-            <a:r>
-              <a:rPr lang="en-US" sz="1000" b="1" dirty="0">
-                <a:solidFill>
-                  <a:schemeClr val="bg1"/>
-                </a:solidFill>
-                <a:latin typeface="Amazon Ember" panose="020B0603020204020204" pitchFamily="34" charset="0"/>
-                <a:ea typeface="Amazon Ember" panose="020B0603020204020204" pitchFamily="34" charset="0"/>
-                <a:cs typeface="Amazon Ember" panose="020B0603020204020204" pitchFamily="34" charset="0"/>
-              </a:rPr>
-              <a:t>way to the local proxy running on destination mode on the device</a:t>
-            </a:r>
-            <a:r>
-              <a:rPr lang="en-US" sz="1000" dirty="0">
-                <a:solidFill>
-                  <a:schemeClr val="bg1"/>
-                </a:solidFill>
-                <a:latin typeface="Amazon Ember" panose="020B0603020204020204" pitchFamily="34" charset="0"/>
-                <a:ea typeface="Amazon Ember" panose="020B0603020204020204" pitchFamily="34" charset="0"/>
-                <a:cs typeface="Amazon Ember" panose="020B0603020204020204" pitchFamily="34" charset="0"/>
-              </a:rPr>
-              <a:t>.</a:t>
-            </a:r>
-          </a:p>
-        </p:txBody>
-      </p:sp>
-      <p:sp>
-        <p:nvSpPr>
-          <p:cNvPr id="48" name="Rectangular Callout 47">
-            <a:extLst>
-              <a:ext uri="{FF2B5EF4-FFF2-40B4-BE49-F238E27FC236}">
-                <a16:creationId xmlns:a16="http://schemas.microsoft.com/office/drawing/2014/main" id="{E8C51A7C-2B5B-EC4B-9C49-D70D2F0F6BF8}"/>
-              </a:ext>
-            </a:extLst>
-          </p:cNvPr>
-          <p:cNvSpPr/>
-          <p:nvPr/>
-        </p:nvSpPr>
-        <p:spPr>
-          <a:xfrm>
-            <a:off x="11179039" y="4111956"/>
-            <a:ext cx="1165811" cy="612648"/>
-          </a:xfrm>
-          <a:prstGeom prst="wedgeRectCallout">
-            <a:avLst>
-              <a:gd name="adj1" fmla="val 48265"/>
-              <a:gd name="adj2" fmla="val -92351"/>
-            </a:avLst>
-          </a:prstGeom>
-          <a:solidFill>
-            <a:schemeClr val="accent1"/>
-          </a:solidFill>
-          <a:ln>
-            <a:noFill/>
-          </a:ln>
-          <a:effectLst/>
-        </p:spPr>
-        <p:style>
-          <a:lnRef idx="1">
-            <a:schemeClr val="accent1"/>
-          </a:lnRef>
-          <a:fillRef idx="3">
-            <a:schemeClr val="accent1"/>
-          </a:fillRef>
-          <a:effectRef idx="2">
-            <a:schemeClr val="accent1"/>
-          </a:effectRef>
-          <a:fontRef idx="minor">
-            <a:schemeClr val="lt1"/>
-          </a:fontRef>
-        </p:style>
-        <p:txBody>
-          <a:bodyPr rtlCol="0" anchor="ctr"/>
-          <a:lstStyle/>
-          <a:p>
-            <a:pPr algn="ctr"/>
-            <a:r>
-              <a:rPr lang="en-US" sz="1400" dirty="0"/>
-              <a:t>destination mode</a:t>
-            </a:r>
-          </a:p>
-        </p:txBody>
-      </p:sp>
-      <p:sp>
-        <p:nvSpPr>
-          <p:cNvPr id="49" name="Rectangular Callout 48">
-            <a:extLst>
-              <a:ext uri="{FF2B5EF4-FFF2-40B4-BE49-F238E27FC236}">
-                <a16:creationId xmlns:a16="http://schemas.microsoft.com/office/drawing/2014/main" id="{AC4C0EC6-7919-CB49-A70E-73F802156740}"/>
-              </a:ext>
-            </a:extLst>
-          </p:cNvPr>
-          <p:cNvSpPr/>
-          <p:nvPr/>
-        </p:nvSpPr>
-        <p:spPr>
-          <a:xfrm>
-            <a:off x="655516" y="4255752"/>
-            <a:ext cx="961308" cy="612648"/>
-          </a:xfrm>
-          <a:prstGeom prst="wedgeRectCallout">
-            <a:avLst>
-              <a:gd name="adj1" fmla="val 43509"/>
-              <a:gd name="adj2" fmla="val -120336"/>
-            </a:avLst>
-          </a:prstGeom>
-          <a:solidFill>
-            <a:schemeClr val="accent1"/>
-          </a:solidFill>
-          <a:ln>
-            <a:noFill/>
-          </a:ln>
-          <a:effectLst/>
-        </p:spPr>
-        <p:style>
-          <a:lnRef idx="1">
-            <a:schemeClr val="accent1"/>
-          </a:lnRef>
-          <a:fillRef idx="3">
-            <a:schemeClr val="accent1"/>
-          </a:fillRef>
-          <a:effectRef idx="2">
-            <a:schemeClr val="accent1"/>
-          </a:effectRef>
-          <a:fontRef idx="minor">
-            <a:schemeClr val="lt1"/>
-          </a:fontRef>
-        </p:style>
-        <p:txBody>
-          <a:bodyPr rtlCol="0" anchor="ctr"/>
-          <a:lstStyle/>
-          <a:p>
-            <a:pPr algn="ctr"/>
-            <a:r>
-              <a:rPr lang="en-US" sz="1400" dirty="0"/>
-              <a:t>source mode</a:t>
-            </a:r>
-          </a:p>
-        </p:txBody>
-      </p:sp>
     </p:spTree>
     <p:extLst>
       <p:ext uri="{BB962C8B-B14F-4D97-AF65-F5344CB8AC3E}">
-        <p14:creationId xmlns:p14="http://schemas.microsoft.com/office/powerpoint/2010/main" val="2827375132"/>
+        <p14:creationId xmlns:p14="http://schemas.microsoft.com/office/powerpoint/2010/main" val="4222880513"/>
       </p:ext>
     </p:extLst>
   </p:cSld>
@@ -25773,8 +25901,8 @@
         </p:nvSpPr>
         <p:spPr>
           <a:xfrm>
-            <a:off x="9907059" y="2372470"/>
-            <a:ext cx="3371548" cy="1580955"/>
+            <a:off x="9775464" y="2372470"/>
+            <a:ext cx="3503143" cy="1580955"/>
           </a:xfrm>
           <a:prstGeom prst="rect">
             <a:avLst/>
@@ -25821,6 +25949,15 @@
               <a:t>EC2 Secure Tunnel Multiplex Demo</a:t>
             </a:r>
           </a:p>
+          <a:p>
+            <a:pPr algn="l"/>
+            <a:endParaRPr lang="en-US" sz="1200" dirty="0">
+              <a:ln w="0"/>
+              <a:solidFill>
+                <a:schemeClr val="accent1"/>
+              </a:solidFill>
+            </a:endParaRPr>
+          </a:p>
         </p:txBody>
       </p:sp>
       <p:sp>
@@ -26109,7 +26246,7 @@
         </p:nvSpPr>
         <p:spPr>
           <a:xfrm>
-            <a:off x="9996792" y="3591826"/>
+            <a:off x="10875074" y="3638834"/>
             <a:ext cx="1061268" cy="204749"/>
           </a:xfrm>
           <a:prstGeom prst="rect">
@@ -26159,7 +26296,7 @@
         </p:blipFill>
         <p:spPr>
           <a:xfrm>
-            <a:off x="9907059" y="2372471"/>
+            <a:off x="9793887" y="2372467"/>
             <a:ext cx="330200" cy="330200"/>
           </a:xfrm>
           <a:prstGeom prst="rect">
@@ -26583,7 +26720,7 @@
         </p:blipFill>
         <p:spPr>
           <a:xfrm>
-            <a:off x="10131912" y="2835377"/>
+            <a:off x="10355468" y="2825073"/>
             <a:ext cx="787909" cy="787909"/>
           </a:xfrm>
           <a:prstGeom prst="rect">
@@ -27108,8 +27245,8 @@
         </p:nvCxnSpPr>
         <p:spPr>
           <a:xfrm flipH="1" flipV="1">
-            <a:off x="10919821" y="3229332"/>
-            <a:ext cx="1324471" cy="9188"/>
+            <a:off x="11143377" y="3219028"/>
+            <a:ext cx="1100915" cy="19492"/>
           </a:xfrm>
           <a:prstGeom prst="straightConnector1">
             <a:avLst/>
@@ -27576,7 +27713,7 @@
                 <a:ea typeface="Amazon Ember" panose="020B0603020204020204" pitchFamily="34" charset="0"/>
                 <a:cs typeface="Amazon Ember" panose="020B0603020204020204" pitchFamily="34" charset="0"/>
               </a:rPr>
-              <a:t>on port 5555</a:t>
+              <a:t>on port 3333</a:t>
             </a:r>
             <a:r>
               <a:rPr lang="en-US" sz="1000" dirty="0">
@@ -27598,7 +27735,7 @@
                 <a:ea typeface="Amazon Ember" panose="020B0603020204020204" pitchFamily="34" charset="0"/>
                 <a:cs typeface="Amazon Ember" panose="020B0603020204020204" pitchFamily="34" charset="0"/>
               </a:rPr>
-              <a:t>SSH to localhost on port 5555</a:t>
+              <a:t> curl to localhost on port 333</a:t>
             </a:r>
             <a:r>
               <a:rPr lang="en-US" sz="1000" dirty="0">
@@ -27685,7 +27822,7 @@
                 <a:ea typeface="Amazon Ember" panose="020B0603020204020204" pitchFamily="34" charset="0"/>
                 <a:cs typeface="Amazon Ember" panose="020B0603020204020204" pitchFamily="34" charset="0"/>
               </a:rPr>
-              <a:t>is forwarded to the local SSH daemon running on port 22.</a:t>
+              <a:t>is forwarded to the local node daemon running on port 22.</a:t>
             </a:r>
           </a:p>
         </p:txBody>
@@ -27916,7 +28053,7 @@
     </p:spTree>
     <p:extLst>
       <p:ext uri="{BB962C8B-B14F-4D97-AF65-F5344CB8AC3E}">
-        <p14:creationId xmlns:p14="http://schemas.microsoft.com/office/powerpoint/2010/main" val="4222880513"/>
+        <p14:creationId xmlns:p14="http://schemas.microsoft.com/office/powerpoint/2010/main" val="3505965295"/>
       </p:ext>
     </p:extLst>
   </p:cSld>
@@ -31890,6 +32027,21 @@
 </file>
 
 <file path=customXml/item1.xml><?xml version="1.0" encoding="utf-8"?>
+<p:properties xmlns:p="http://schemas.microsoft.com/office/2006/metadata/properties" xmlns:xsi="http://www.w3.org/2001/XMLSchema-instance">
+  <documentManagement/>
+</p:properties>
+</file>
+
+<file path=customXml/item2.xml><?xml version="1.0" encoding="utf-8"?>
+<?mso-contentType ?>
+<FormTemplates xmlns="http://schemas.microsoft.com/sharepoint/v3/contenttype/forms">
+  <Display>DocumentLibraryForm</Display>
+  <Edit>DocumentLibraryForm</Edit>
+  <New>DocumentLibraryForm</New>
+</FormTemplates>
+</file>
+
+<file path=customXml/item3.xml><?xml version="1.0" encoding="utf-8"?>
 <ct:contentTypeSchema xmlns:ct="http://schemas.microsoft.com/office/2006/metadata/contentType" xmlns:ma="http://schemas.microsoft.com/office/2006/metadata/properties/metaAttributes" ct:_="" ma:_="" ma:contentTypeName="Document" ma:contentTypeID="0x010100D26A3D6C04DFD740953BA1B2B9E62D60" ma:contentTypeVersion="0" ma:contentTypeDescription="Create a new document." ma:contentTypeScope="" ma:versionID="26617cd14cd3af163c0e97ff614e520a">
   <xsd:schema xmlns:xsd="http://www.w3.org/2001/XMLSchema" xmlns:xs="http://www.w3.org/2001/XMLSchema" xmlns:p="http://schemas.microsoft.com/office/2006/metadata/properties" targetNamespace="http://schemas.microsoft.com/office/2006/metadata/properties" ma:root="true" ma:fieldsID="c64490b4aec6201516c3a874156f37b2">
     <xsd:element name="properties">
@@ -32003,22 +32155,30 @@
 </ct:contentTypeSchema>
 </file>
 
-<file path=customXml/item2.xml><?xml version="1.0" encoding="utf-8"?>
-<?mso-contentType ?>
-<FormTemplates xmlns="http://schemas.microsoft.com/sharepoint/v3/contenttype/forms">
-  <Display>DocumentLibraryForm</Display>
-  <Edit>DocumentLibraryForm</Edit>
-  <New>DocumentLibraryForm</New>
-</FormTemplates>
+<file path=customXml/itemProps1.xml><?xml version="1.0" encoding="utf-8"?>
+<ds:datastoreItem xmlns:ds="http://schemas.openxmlformats.org/officeDocument/2006/customXml" ds:itemID="{C597C89A-FD0C-431E-81F6-90225B937683}">
+  <ds:schemaRefs>
+    <ds:schemaRef ds:uri="http://schemas.microsoft.com/office/infopath/2007/PartnerControls"/>
+    <ds:schemaRef ds:uri="http://www.w3.org/XML/1998/namespace"/>
+    <ds:schemaRef ds:uri="http://schemas.microsoft.com/office/2006/documentManagement/types"/>
+    <ds:schemaRef ds:uri="http://purl.org/dc/dcmitype/"/>
+    <ds:schemaRef ds:uri="http://schemas.openxmlformats.org/package/2006/metadata/core-properties"/>
+    <ds:schemaRef ds:uri="http://purl.org/dc/terms/"/>
+    <ds:schemaRef ds:uri="http://schemas.microsoft.com/office/2006/metadata/properties"/>
+    <ds:schemaRef ds:uri="http://purl.org/dc/elements/1.1/"/>
+  </ds:schemaRefs>
+</ds:datastoreItem>
 </file>
 
-<file path=customXml/item3.xml><?xml version="1.0" encoding="utf-8"?>
-<p:properties xmlns:p="http://schemas.microsoft.com/office/2006/metadata/properties" xmlns:xsi="http://www.w3.org/2001/XMLSchema-instance">
-  <documentManagement/>
-</p:properties>
+<file path=customXml/itemProps2.xml><?xml version="1.0" encoding="utf-8"?>
+<ds:datastoreItem xmlns:ds="http://schemas.openxmlformats.org/officeDocument/2006/customXml" ds:itemID="{705B35A6-8B52-46A5-AE45-B98C6459DC10}">
+  <ds:schemaRefs>
+    <ds:schemaRef ds:uri="http://schemas.microsoft.com/sharepoint/v3/contenttype/forms"/>
+  </ds:schemaRefs>
+</ds:datastoreItem>
 </file>
 
-<file path=customXml/itemProps1.xml><?xml version="1.0" encoding="utf-8"?>
+<file path=customXml/itemProps3.xml><?xml version="1.0" encoding="utf-8"?>
 <ds:datastoreItem xmlns:ds="http://schemas.openxmlformats.org/officeDocument/2006/customXml" ds:itemID="{51A3258A-222C-4488-825E-7520D001FB75}">
   <ds:schemaRefs>
     <ds:schemaRef ds:uri="http://schemas.microsoft.com/office/2006/metadata/contentType"/>
@@ -32032,27 +32192,4 @@
     <ds:schemaRef ds:uri="http://schemas.microsoft.com/office/infopath/2007/PartnerControls"/>
   </ds:schemaRefs>
 </ds:datastoreItem>
-</file>
-
-<file path=customXml/itemProps2.xml><?xml version="1.0" encoding="utf-8"?>
-<ds:datastoreItem xmlns:ds="http://schemas.openxmlformats.org/officeDocument/2006/customXml" ds:itemID="{705B35A6-8B52-46A5-AE45-B98C6459DC10}">
-  <ds:schemaRefs>
-    <ds:schemaRef ds:uri="http://schemas.microsoft.com/sharepoint/v3/contenttype/forms"/>
-  </ds:schemaRefs>
-</ds:datastoreItem>
-</file>
-
-<file path=customXml/itemProps3.xml><?xml version="1.0" encoding="utf-8"?>
-<ds:datastoreItem xmlns:ds="http://schemas.openxmlformats.org/officeDocument/2006/customXml" ds:itemID="{C597C89A-FD0C-431E-81F6-90225B937683}">
-  <ds:schemaRefs>
-    <ds:schemaRef ds:uri="http://schemas.microsoft.com/office/infopath/2007/PartnerControls"/>
-    <ds:schemaRef ds:uri="http://www.w3.org/XML/1998/namespace"/>
-    <ds:schemaRef ds:uri="http://schemas.microsoft.com/office/2006/documentManagement/types"/>
-    <ds:schemaRef ds:uri="http://purl.org/dc/dcmitype/"/>
-    <ds:schemaRef ds:uri="http://schemas.openxmlformats.org/package/2006/metadata/core-properties"/>
-    <ds:schemaRef ds:uri="http://purl.org/dc/terms/"/>
-    <ds:schemaRef ds:uri="http://schemas.microsoft.com/office/2006/metadata/properties"/>
-    <ds:schemaRef ds:uri="http://purl.org/dc/elements/1.1/"/>
-  </ds:schemaRefs>
-</ds:datastoreItem>
 </file>